--- a/2024/0430_VSLiveChicago/ContributeToMsLearn/VSLCH24_How to Become a MS Learn Contributor_AlvinAshcraft.pptx
+++ b/2024/0430_VSLiveChicago/ContributeToMsLearn/VSLCH24_How to Become a MS Learn Contributor_AlvinAshcraft.pptx
@@ -755,26 +755,13 @@
           <a:bodyPr/>
           <a:lstStyle/>
           <a:p>
-            <a:pPr marL="212725" lvl="1" indent="-105410">
-              <a:defRPr/>
-            </a:pPr>
-            <a:r>
-              <a:rPr lang="en-US" sz="1200" dirty="0">
-                <a:latin typeface="Segoe UI"/>
-                <a:cs typeface="Segoe UI"/>
-              </a:rPr>
-              <a:t>So, let’s say you know you’ve got a documentation issue to suggest. Think of this as letting us know: "Something’s wrong with the docs here. Please fix it."</a:t>
-            </a:r>
-          </a:p>
-          <a:p>
-            <a:pPr marL="457200" lvl="1" indent="0" defTabSz="914400">
+            <a:pPr defTabSz="914400">
               <a:lnSpc>
                 <a:spcPct val="100000"/>
               </a:lnSpc>
               <a:spcAft>
                 <a:spcPts val="0"/>
               </a:spcAft>
-              <a:buNone/>
               <a:defRPr/>
             </a:pPr>
             <a:r>
@@ -782,51 +769,17 @@
                 <a:latin typeface="Segoe UI"/>
                 <a:cs typeface="Segoe UI"/>
               </a:rPr>
-              <a:t>We have goals to address these issues in a timely manner, but issues are triaged and can sometimes take days or weeks to get a satisfactory resolution. We will sometimes close an issue, noting that we have created an internal work item to address the issue and later circle back to leave a comment when it's been resolved.</a:t>
-            </a:r>
-          </a:p>
-          <a:p>
-            <a:pPr marL="457200" marR="0" lvl="1" indent="0" algn="l" defTabSz="914400" rtl="0" eaLnBrk="1" fontAlgn="auto" latinLnBrk="0" hangingPunct="1">
+              <a:t>Let's start by discussing when to create an Issue or PR.</a:t>
+            </a:r>
+          </a:p>
+          <a:p>
+            <a:pPr defTabSz="914400">
               <a:lnSpc>
                 <a:spcPct val="100000"/>
               </a:lnSpc>
-              <a:spcBef>
-                <a:spcPts val="0"/>
-              </a:spcBef>
               <a:spcAft>
                 <a:spcPts val="0"/>
               </a:spcAft>
-              <a:buClrTx/>
-              <a:buSzTx/>
-              <a:buFontTx/>
-              <a:buNone/>
-              <a:tabLst/>
-              <a:defRPr/>
-            </a:pPr>
-            <a:r>
-              <a:rPr lang="en-US" sz="1200" dirty="0">
-                <a:latin typeface="Segoe UI"/>
-                <a:cs typeface="Segoe UI"/>
-              </a:rPr>
-              <a:t>Not all issues become a documentation change.</a:t>
-            </a:r>
-          </a:p>
-          <a:p>
-            <a:pPr marL="457200" marR="0" lvl="1" indent="0" algn="l" defTabSz="914400" rtl="0" eaLnBrk="1" fontAlgn="auto" latinLnBrk="0" hangingPunct="1">
-              <a:lnSpc>
-                <a:spcPct val="100000"/>
-              </a:lnSpc>
-              <a:spcBef>
-                <a:spcPts val="0"/>
-              </a:spcBef>
-              <a:spcAft>
-                <a:spcPts val="0"/>
-              </a:spcAft>
-              <a:buClrTx/>
-              <a:buSzTx/>
-              <a:buFontTx/>
-              <a:buNone/>
-              <a:tabLst/>
               <a:defRPr/>
             </a:pPr>
             <a:endParaRPr lang="en-US" sz="1200" dirty="0">
@@ -835,7 +788,13 @@
             </a:endParaRPr>
           </a:p>
           <a:p>
-            <a:pPr marL="212725" lvl="1" indent="-105410">
+            <a:pPr defTabSz="914400">
+              <a:lnSpc>
+                <a:spcPct val="100000"/>
+              </a:lnSpc>
+              <a:spcAft>
+                <a:spcPts val="0"/>
+              </a:spcAft>
               <a:defRPr/>
             </a:pPr>
             <a:r>
@@ -843,27 +802,206 @@
                 <a:latin typeface="Segoe UI"/>
                 <a:cs typeface="Segoe UI"/>
               </a:rPr>
-              <a:t>To create an issue, use the “Open a documentation issue” link that we saw at the bottom of the article during the demo.</a:t>
-            </a:r>
-          </a:p>
-          <a:p>
-            <a:pPr marL="212725" lvl="1" indent="-105410">
-              <a:defRPr/>
-            </a:pPr>
+              <a:t>To be clear, support issues don’t belong in document feedback. </a:t>
+            </a:r>
+            <a:r>
+              <a:rPr lang="en-US" sz="2000" dirty="0">
+                <a:solidFill>
+                  <a:srgbClr val="000000"/>
+                </a:solidFill>
+                <a:latin typeface="Segoe UI"/>
+                <a:cs typeface="Segoe UI"/>
+              </a:rPr>
+              <a:t>The feedback options we’re about to discuss are not Microsoft Support and has no SLA for response time for most Learn teams (although the .NET docs team is working on providing an SLA for their GitHub items). </a:t>
+            </a:r>
             <a:r>
               <a:rPr lang="en-US" sz="1200" dirty="0">
                 <a:latin typeface="Segoe UI"/>
                 <a:cs typeface="Segoe UI"/>
               </a:rPr>
-              <a:t>Some areas of the docs have moved to a new feedback experience that does not involve GitHub. This is primarily being done in areas where users are not likely to be developers or have a GitHub account. Our org is trying to remove “having a GitHub account” as being a barrier to entry. In those cases, you will use the Feedback popup that we saw earlier. The downside to this experience is that there’s currently no way to provide contact info, so we can’t follow up if we have any questions about your feedback.</a:t>
-            </a:r>
+              <a:t>If you’re having a problem or unexpected behavior or an outage, contact Microsoft Support or your support partner. We triage incoming issues and PRs from GitHub and if it sounds like a support issue, your issue will likely be closed with a polite message and some links to Microsoft Support or the Q&amp;A forums. </a:t>
+            </a:r>
+            <a:endParaRPr lang="en-US" sz="1200" dirty="0">
+              <a:cs typeface="Segoe UI"/>
+            </a:endParaRPr>
+          </a:p>
+          <a:p>
+            <a:pPr defTabSz="914400">
+              <a:lnSpc>
+                <a:spcPct val="100000"/>
+              </a:lnSpc>
+              <a:spcAft>
+                <a:spcPts val="0"/>
+              </a:spcAft>
+              <a:defRPr/>
+            </a:pPr>
+            <a:endParaRPr lang="en-US" sz="1200" dirty="0">
+              <a:latin typeface="Segoe UI"/>
+              <a:cs typeface="Segoe UI"/>
+            </a:endParaRPr>
+          </a:p>
+          <a:p>
+            <a:pPr defTabSz="914400">
+              <a:lnSpc>
+                <a:spcPct val="100000"/>
+              </a:lnSpc>
+              <a:spcAft>
+                <a:spcPts val="0"/>
+              </a:spcAft>
+              <a:defRPr/>
+            </a:pPr>
+            <a:r>
+              <a:rPr lang="en-US" sz="1200" dirty="0">
+                <a:latin typeface="Segoe UI"/>
+                <a:cs typeface="Segoe UI"/>
+              </a:rPr>
+              <a:t>For Product Ideas and product feedback, Azure products have a dedicated site for this. You might remember the Connect items or UserVoice systems of the past, that has been replaced by a new system hosted at </a:t>
+            </a:r>
+            <a:r>
+              <a:rPr lang="en-US" sz="1200" dirty="0" err="1">
+                <a:latin typeface="Segoe UI"/>
+                <a:cs typeface="Segoe UI"/>
+              </a:rPr>
+              <a:t>feedback.azure.com</a:t>
+            </a:r>
+            <a:r>
+              <a:rPr lang="en-US" sz="1200" dirty="0">
+                <a:latin typeface="Segoe UI"/>
+                <a:cs typeface="Segoe UI"/>
+              </a:rPr>
+              <a:t>. </a:t>
+            </a:r>
+            <a:r>
+              <a:rPr lang="en-US" sz="1200" dirty="0" err="1">
+                <a:latin typeface="Segoe UI"/>
+                <a:cs typeface="Segoe UI"/>
+              </a:rPr>
+              <a:t>Feedback.azure.com</a:t>
+            </a:r>
+            <a:r>
+              <a:rPr lang="en-US" sz="1200" dirty="0">
+                <a:latin typeface="Segoe UI"/>
+                <a:cs typeface="Segoe UI"/>
+              </a:rPr>
+              <a:t> hosts product feedback channels for many Microsoft products and technologies, including SQL Server.</a:t>
+            </a:r>
+            <a:endParaRPr lang="en-US" sz="2000" u="sng" dirty="0">
+              <a:latin typeface="Segoe UI"/>
+              <a:cs typeface="Segoe UI"/>
+            </a:endParaRPr>
+          </a:p>
+          <a:p>
+            <a:pPr defTabSz="914400">
+              <a:lnSpc>
+                <a:spcPct val="100000"/>
+              </a:lnSpc>
+              <a:spcAft>
+                <a:spcPts val="0"/>
+              </a:spcAft>
+              <a:defRPr/>
+            </a:pPr>
+            <a:endParaRPr lang="en-US" sz="1200" dirty="0">
+              <a:latin typeface="Segoe UI"/>
+              <a:cs typeface="Segoe UI"/>
+            </a:endParaRPr>
+          </a:p>
+          <a:p>
+            <a:pPr defTabSz="914400">
+              <a:lnSpc>
+                <a:spcPct val="100000"/>
+              </a:lnSpc>
+              <a:spcAft>
+                <a:spcPts val="0"/>
+              </a:spcAft>
+              <a:defRPr/>
+            </a:pPr>
+            <a:r>
+              <a:rPr lang="en-US" sz="1200" dirty="0">
+                <a:latin typeface="Segoe UI"/>
+                <a:cs typeface="Segoe UI"/>
+              </a:rPr>
+              <a:t>Windows collects product feedback through the Feedback app, available in the Microsoft Store, and the .NET team has a dedicated site with support options listed.</a:t>
+            </a:r>
+            <a:endParaRPr lang="en-US" sz="2000" u="sng" dirty="0">
+              <a:latin typeface="Segoe UI"/>
+              <a:cs typeface="Segoe UI"/>
+            </a:endParaRPr>
+          </a:p>
+          <a:p>
+            <a:pPr defTabSz="914400">
+              <a:lnSpc>
+                <a:spcPct val="100000"/>
+              </a:lnSpc>
+              <a:spcAft>
+                <a:spcPts val="0"/>
+              </a:spcAft>
+              <a:defRPr/>
+            </a:pPr>
+            <a:endParaRPr lang="en-US" sz="1200" dirty="0">
+              <a:latin typeface="Segoe UI"/>
+              <a:cs typeface="Segoe UI"/>
+            </a:endParaRPr>
+          </a:p>
+          <a:p>
+            <a:pPr defTabSz="914400">
+              <a:lnSpc>
+                <a:spcPct val="100000"/>
+              </a:lnSpc>
+              <a:spcAft>
+                <a:spcPts val="0"/>
+              </a:spcAft>
+              <a:defRPr/>
+            </a:pPr>
+            <a:r>
+              <a:rPr lang="en-US" sz="1200" dirty="0">
+                <a:latin typeface="Segoe UI"/>
+                <a:cs typeface="Segoe UI"/>
+              </a:rPr>
+              <a:t>The .NET team has their support options listed on a dedicated site at this URL.</a:t>
+            </a:r>
+          </a:p>
+          <a:p>
+            <a:pPr defTabSz="914400">
+              <a:lnSpc>
+                <a:spcPct val="100000"/>
+              </a:lnSpc>
+              <a:spcAft>
+                <a:spcPts val="0"/>
+              </a:spcAft>
+              <a:defRPr/>
+            </a:pPr>
+            <a:endParaRPr lang="en-US" sz="1200" dirty="0">
+              <a:latin typeface="Segoe UI"/>
+              <a:cs typeface="Segoe UI"/>
+            </a:endParaRPr>
+          </a:p>
+          <a:p>
+            <a:pPr defTabSz="914400">
+              <a:lnSpc>
+                <a:spcPct val="100000"/>
+              </a:lnSpc>
+              <a:spcAft>
+                <a:spcPts val="0"/>
+              </a:spcAft>
+              <a:defRPr/>
+            </a:pPr>
+            <a:r>
+              <a:rPr lang="en-US" sz="1200" dirty="0">
+                <a:latin typeface="Segoe UI"/>
+                <a:cs typeface="Segoe UI"/>
+              </a:rPr>
+              <a:t>Most documentation issues that get attention are a request to fix something missing or outdated or wrong, or a request to add something that would have helped prevent some kind of error. </a:t>
+            </a:r>
+            <a:endParaRPr lang="en-US" sz="1200" dirty="0">
+              <a:cs typeface="Segoe UI"/>
+            </a:endParaRPr>
           </a:p>
         </p:txBody>
       </p:sp>
     </p:spTree>
     <p:extLst>
       <p:ext uri="{BB962C8B-B14F-4D97-AF65-F5344CB8AC3E}">
-        <p14:creationId xmlns:p14="http://schemas.microsoft.com/office/powerpoint/2010/main" val="3053844197"/>
+        <p14:creationId xmlns:p14="http://schemas.microsoft.com/office/powerpoint/2010/main" val="863654531"/>
       </p:ext>
     </p:extLst>
   </p:cSld>
@@ -917,37 +1055,115 @@
           <a:bodyPr/>
           <a:lstStyle/>
           <a:p>
+            <a:pPr marL="212725" lvl="1" indent="-105410">
+              <a:defRPr/>
+            </a:pPr>
             <a:r>
               <a:rPr lang="en-US" sz="1200" dirty="0">
                 <a:latin typeface="Segoe UI"/>
                 <a:cs typeface="Segoe UI"/>
               </a:rPr>
-              <a:t>Here’s the screen when you open a new issue on GitHub. You just add your comments in the large textbox here (markdown is supported), give it a meaningful title, and hit “Submit new issue”. We’ll take it from there.</a:t>
-            </a:r>
-          </a:p>
-          <a:p>
-            <a:endParaRPr lang="en-US" sz="1200" dirty="0">
-              <a:cs typeface="Segoe UI"/>
-            </a:endParaRPr>
-          </a:p>
-          <a:p>
+              <a:t>So, let’s say you know you’ve got a documentation issue to suggest. Think of this as letting us know: "Something’s wrong with the docs here. Please fix it."</a:t>
+            </a:r>
+          </a:p>
+          <a:p>
+            <a:pPr marL="457200" lvl="1" indent="0" defTabSz="914400">
+              <a:lnSpc>
+                <a:spcPct val="100000"/>
+              </a:lnSpc>
+              <a:spcAft>
+                <a:spcPts val="0"/>
+              </a:spcAft>
+              <a:buNone/>
+              <a:defRPr/>
+            </a:pPr>
             <a:r>
               <a:rPr lang="en-US" sz="1200" dirty="0">
                 <a:latin typeface="Segoe UI"/>
                 <a:cs typeface="Segoe UI"/>
               </a:rPr>
-              <a:t>When it comes to submitting issues, more details is always better.</a:t>
-            </a:r>
+              <a:t>We have goals to address these issues in a timely manner, but issues are triaged and can sometimes take days or weeks to get a satisfactory resolution. We will sometimes close an issue, noting that we have created an internal work item to address the issue and later circle back to leave a comment when it's been resolved.</a:t>
+            </a:r>
+          </a:p>
+          <a:p>
+            <a:pPr marL="457200" marR="0" lvl="1" indent="0" algn="l" defTabSz="914400" rtl="0" eaLnBrk="1" fontAlgn="auto" latinLnBrk="0" hangingPunct="1">
+              <a:lnSpc>
+                <a:spcPct val="100000"/>
+              </a:lnSpc>
+              <a:spcBef>
+                <a:spcPts val="0"/>
+              </a:spcBef>
+              <a:spcAft>
+                <a:spcPts val="0"/>
+              </a:spcAft>
+              <a:buClrTx/>
+              <a:buSzTx/>
+              <a:buFontTx/>
+              <a:buNone/>
+              <a:tabLst/>
+              <a:defRPr/>
+            </a:pPr>
+            <a:r>
+              <a:rPr lang="en-US" sz="1200" dirty="0">
+                <a:latin typeface="Segoe UI"/>
+                <a:cs typeface="Segoe UI"/>
+              </a:rPr>
+              <a:t>Not all issues become a documentation change.</a:t>
+            </a:r>
+          </a:p>
+          <a:p>
+            <a:pPr marL="457200" marR="0" lvl="1" indent="0" algn="l" defTabSz="914400" rtl="0" eaLnBrk="1" fontAlgn="auto" latinLnBrk="0" hangingPunct="1">
+              <a:lnSpc>
+                <a:spcPct val="100000"/>
+              </a:lnSpc>
+              <a:spcBef>
+                <a:spcPts val="0"/>
+              </a:spcBef>
+              <a:spcAft>
+                <a:spcPts val="0"/>
+              </a:spcAft>
+              <a:buClrTx/>
+              <a:buSzTx/>
+              <a:buFontTx/>
+              <a:buNone/>
+              <a:tabLst/>
+              <a:defRPr/>
+            </a:pPr>
             <a:endParaRPr lang="en-US" sz="1200" dirty="0">
+              <a:latin typeface="Segoe UI"/>
               <a:cs typeface="Segoe UI"/>
             </a:endParaRPr>
+          </a:p>
+          <a:p>
+            <a:pPr marL="212725" lvl="1" indent="-105410">
+              <a:defRPr/>
+            </a:pPr>
+            <a:r>
+              <a:rPr lang="en-US" sz="1200" dirty="0">
+                <a:latin typeface="Segoe UI"/>
+                <a:cs typeface="Segoe UI"/>
+              </a:rPr>
+              <a:t>To create an issue, use the “Open a documentation issue” link that we saw at the bottom of the article during the demo.</a:t>
+            </a:r>
+          </a:p>
+          <a:p>
+            <a:pPr marL="212725" lvl="1" indent="-105410">
+              <a:defRPr/>
+            </a:pPr>
+            <a:r>
+              <a:rPr lang="en-US" sz="1200" dirty="0">
+                <a:latin typeface="Segoe UI"/>
+                <a:cs typeface="Segoe UI"/>
+              </a:rPr>
+              <a:t>Some areas of the docs have moved to a new feedback experience that does not involve GitHub. This is primarily being done in areas where users are not likely to be developers or have a GitHub account. Our org is trying to remove “having a GitHub account” as being a barrier to entry. In those cases, you will use the Feedback popup that we saw earlier. The downside to this experience is that there’s currently no way to provide contact info, so we can’t follow up if we have any questions about your feedback.</a:t>
+            </a:r>
           </a:p>
         </p:txBody>
       </p:sp>
     </p:spTree>
     <p:extLst>
       <p:ext uri="{BB962C8B-B14F-4D97-AF65-F5344CB8AC3E}">
-        <p14:creationId xmlns:p14="http://schemas.microsoft.com/office/powerpoint/2010/main" val="1237160321"/>
+        <p14:creationId xmlns:p14="http://schemas.microsoft.com/office/powerpoint/2010/main" val="3053844197"/>
       </p:ext>
     </p:extLst>
   </p:cSld>
@@ -1001,37 +1217,26 @@
           <a:bodyPr/>
           <a:lstStyle/>
           <a:p>
-            <a:pPr marL="457200" lvl="1" indent="0">
-              <a:buNone/>
-            </a:pPr>
             <a:r>
               <a:rPr lang="en-US" sz="1200" dirty="0">
                 <a:latin typeface="Segoe UI"/>
                 <a:cs typeface="Segoe UI"/>
               </a:rPr>
-              <a:t>The second option for contributing to docs is the pull request.</a:t>
-            </a:r>
-            <a:endParaRPr lang="en-US" dirty="0"/>
-          </a:p>
-          <a:p>
-            <a:pPr marL="457200" lvl="1" indent="0">
-              <a:buNone/>
-            </a:pPr>
+              <a:t>Here’s the screen when you open a new issue on GitHub. You just add your comments in the large textbox here (markdown is supported), give it a meaningful title, and hit “Submit new issue”. We’ll take it from there.</a:t>
+            </a:r>
+          </a:p>
+          <a:p>
             <a:endParaRPr lang="en-US" sz="1200" dirty="0">
-              <a:latin typeface="Segoe UI"/>
               <a:cs typeface="Segoe UI"/>
             </a:endParaRPr>
           </a:p>
           <a:p>
-            <a:pPr marL="457200" lvl="1" indent="0">
-              <a:buNone/>
-            </a:pPr>
             <a:r>
               <a:rPr lang="en-US" sz="1200" dirty="0">
                 <a:latin typeface="Segoe UI"/>
                 <a:cs typeface="Segoe UI"/>
               </a:rPr>
-              <a:t>You’ve got a documentation issue, and you want to suggest the edits yourself; you can click on the “Pencil” button that we saw earlier in the top right-hand corner.</a:t>
+              <a:t>When it comes to submitting issues, more details is always better.</a:t>
             </a:r>
             <a:endParaRPr lang="en-US" sz="1200" dirty="0">
               <a:cs typeface="Segoe UI"/>
@@ -1042,7 +1247,7 @@
     </p:spTree>
     <p:extLst>
       <p:ext uri="{BB962C8B-B14F-4D97-AF65-F5344CB8AC3E}">
-        <p14:creationId xmlns:p14="http://schemas.microsoft.com/office/powerpoint/2010/main" val="2706403652"/>
+        <p14:creationId xmlns:p14="http://schemas.microsoft.com/office/powerpoint/2010/main" val="1237160321"/>
       </p:ext>
     </p:extLst>
   </p:cSld>
@@ -1096,995 +1301,48 @@
           <a:bodyPr/>
           <a:lstStyle/>
           <a:p>
-            <a:pPr marL="0" marR="0">
-              <a:lnSpc>
-                <a:spcPct val="107000"/>
-              </a:lnSpc>
-              <a:spcBef>
-                <a:spcPts val="800"/>
-              </a:spcBef>
-              <a:spcAft>
-                <a:spcPts val="400"/>
-              </a:spcAft>
+            <a:pPr marL="457200" lvl="1" indent="0">
+              <a:buNone/>
             </a:pPr>
             <a:r>
-              <a:rPr lang="en-US" sz="1200" b="1" dirty="0">
-                <a:solidFill>
-                  <a:srgbClr val="0F4761"/>
-                </a:solidFill>
-                <a:effectLst/>
-                <a:latin typeface="Aptos Display" panose="020B0004020202020204" pitchFamily="34" charset="0"/>
-                <a:ea typeface="Times New Roman" panose="02020603050405020304" pitchFamily="18" charset="0"/>
-                <a:cs typeface="Times New Roman" panose="02020603050405020304" pitchFamily="18" charset="0"/>
-              </a:rPr>
-              <a:t>Create a PR demo.</a:t>
-            </a:r>
-          </a:p>
-          <a:p>
-            <a:pPr marL="0" marR="0">
-              <a:lnSpc>
-                <a:spcPct val="107000"/>
-              </a:lnSpc>
-              <a:spcBef>
-                <a:spcPts val="800"/>
-              </a:spcBef>
-              <a:spcAft>
-                <a:spcPts val="400"/>
-              </a:spcAft>
-            </a:pPr>
-            <a:endParaRPr lang="en-US" sz="1200" b="1" dirty="0">
-              <a:solidFill>
-                <a:srgbClr val="0F4761"/>
-              </a:solidFill>
-              <a:effectLst/>
-              <a:latin typeface="Aptos Display" panose="020B0004020202020204" pitchFamily="34" charset="0"/>
-              <a:ea typeface="Times New Roman" panose="02020603050405020304" pitchFamily="18" charset="0"/>
-              <a:cs typeface="Times New Roman" panose="02020603050405020304" pitchFamily="18" charset="0"/>
-            </a:endParaRPr>
-          </a:p>
-          <a:p>
-            <a:pPr marL="0" marR="0">
-              <a:lnSpc>
-                <a:spcPct val="107000"/>
-              </a:lnSpc>
-              <a:spcBef>
-                <a:spcPts val="0"/>
-              </a:spcBef>
-              <a:spcAft>
-                <a:spcPts val="800"/>
-              </a:spcAft>
-            </a:pPr>
-            <a:r>
               <a:rPr lang="en-US" sz="1200" dirty="0">
-                <a:effectLst/>
-                <a:latin typeface="Aptos" panose="020B0004020202020204" pitchFamily="34" charset="0"/>
-                <a:ea typeface="Aptos" panose="020B0004020202020204" pitchFamily="34" charset="0"/>
-                <a:cs typeface="Times New Roman" panose="02020603050405020304" pitchFamily="18" charset="0"/>
-              </a:rPr>
-              <a:t>Clicking the Pencil button on top of a doc brings you to the GitHub preview page for that article. From here, click the Pencil button on the top right of the header bar.</a:t>
-            </a:r>
-          </a:p>
-          <a:p>
-            <a:pPr marL="0" marR="0">
-              <a:lnSpc>
-                <a:spcPct val="107000"/>
-              </a:lnSpc>
-              <a:spcBef>
-                <a:spcPts val="0"/>
-              </a:spcBef>
-              <a:spcAft>
-                <a:spcPts val="800"/>
-              </a:spcAft>
+                <a:latin typeface="Segoe UI"/>
+                <a:cs typeface="Segoe UI"/>
+              </a:rPr>
+              <a:t>The second option for contributing to docs is the pull request.</a:t>
+            </a:r>
+            <a:endParaRPr lang="en-US" dirty="0"/>
+          </a:p>
+          <a:p>
+            <a:pPr marL="457200" lvl="1" indent="0">
+              <a:buNone/>
             </a:pPr>
             <a:endParaRPr lang="en-US" sz="1200" dirty="0">
-              <a:effectLst/>
-              <a:latin typeface="Aptos" panose="020B0004020202020204" pitchFamily="34" charset="0"/>
-              <a:ea typeface="Aptos" panose="020B0004020202020204" pitchFamily="34" charset="0"/>
-              <a:cs typeface="Times New Roman" panose="02020603050405020304" pitchFamily="18" charset="0"/>
+              <a:latin typeface="Segoe UI"/>
+              <a:cs typeface="Segoe UI"/>
             </a:endParaRPr>
           </a:p>
           <a:p>
-            <a:pPr marL="0" marR="0">
-              <a:lnSpc>
-                <a:spcPct val="107000"/>
-              </a:lnSpc>
-              <a:spcBef>
-                <a:spcPts val="0"/>
-              </a:spcBef>
-              <a:spcAft>
-                <a:spcPts val="800"/>
-              </a:spcAft>
+            <a:pPr marL="457200" lvl="1" indent="0">
+              <a:buNone/>
             </a:pPr>
             <a:r>
               <a:rPr lang="en-US" sz="1200" dirty="0">
-                <a:effectLst/>
-                <a:latin typeface="Aptos" panose="020B0004020202020204" pitchFamily="34" charset="0"/>
-                <a:ea typeface="Aptos" panose="020B0004020202020204" pitchFamily="34" charset="0"/>
-                <a:cs typeface="Times New Roman" panose="02020603050405020304" pitchFamily="18" charset="0"/>
-              </a:rPr>
-              <a:t>After you click the Pencil button in GitHub, you will be looking at the actual markdown code in a text edit box.</a:t>
-            </a:r>
-          </a:p>
-          <a:p>
-            <a:pPr marL="0" marR="0">
-              <a:lnSpc>
-                <a:spcPct val="107000"/>
-              </a:lnSpc>
-              <a:spcBef>
-                <a:spcPts val="0"/>
-              </a:spcBef>
-              <a:spcAft>
-                <a:spcPts val="800"/>
-              </a:spcAft>
-            </a:pPr>
+                <a:latin typeface="Segoe UI"/>
+                <a:cs typeface="Segoe UI"/>
+              </a:rPr>
+              <a:t>You’ve got a documentation issue, and you want to suggest the edits yourself; you can click on the “Pencil” button that we saw earlier in the top right-hand corner.</a:t>
+            </a:r>
             <a:endParaRPr lang="en-US" sz="1200" dirty="0">
-              <a:effectLst/>
-              <a:latin typeface="Aptos" panose="020B0004020202020204" pitchFamily="34" charset="0"/>
-              <a:ea typeface="Aptos" panose="020B0004020202020204" pitchFamily="34" charset="0"/>
-              <a:cs typeface="Times New Roman" panose="02020603050405020304" pitchFamily="18" charset="0"/>
+              <a:cs typeface="Segoe UI"/>
             </a:endParaRPr>
-          </a:p>
-          <a:p>
-            <a:pPr marL="0" marR="0">
-              <a:lnSpc>
-                <a:spcPct val="107000"/>
-              </a:lnSpc>
-              <a:spcBef>
-                <a:spcPts val="0"/>
-              </a:spcBef>
-              <a:spcAft>
-                <a:spcPts val="800"/>
-              </a:spcAft>
-            </a:pPr>
-            <a:r>
-              <a:rPr lang="en-US" sz="1200" dirty="0">
-                <a:effectLst/>
-                <a:latin typeface="Aptos" panose="020B0004020202020204" pitchFamily="34" charset="0"/>
-                <a:ea typeface="Aptos" panose="020B0004020202020204" pitchFamily="34" charset="0"/>
-                <a:cs typeface="Times New Roman" panose="02020603050405020304" pitchFamily="18" charset="0"/>
-              </a:rPr>
-              <a:t>Microsoft Docs are not edited Microsoft Word documents, but rather in code, in markdown or </a:t>
-            </a:r>
-            <a:r>
-              <a:rPr lang="en-US" sz="1200" dirty="0" err="1">
-                <a:effectLst/>
-                <a:latin typeface="Aptos" panose="020B0004020202020204" pitchFamily="34" charset="0"/>
-                <a:ea typeface="Aptos" panose="020B0004020202020204" pitchFamily="34" charset="0"/>
-                <a:cs typeface="Times New Roman" panose="02020603050405020304" pitchFamily="18" charset="0"/>
-              </a:rPr>
-              <a:t>yaml</a:t>
-            </a:r>
-            <a:r>
-              <a:rPr lang="en-US" sz="1200" dirty="0">
-                <a:effectLst/>
-                <a:latin typeface="Aptos" panose="020B0004020202020204" pitchFamily="34" charset="0"/>
-                <a:ea typeface="Aptos" panose="020B0004020202020204" pitchFamily="34" charset="0"/>
-                <a:cs typeface="Times New Roman" panose="02020603050405020304" pitchFamily="18" charset="0"/>
-              </a:rPr>
-              <a:t>. Markdown is a lightweight text markup language created for formatting rich text with a plain text editor. GitHub has their own formal implementation of markdown called GitHub-Flavored Markdown. Many different online sites use markdown for their content, including GitHub, GitLab, Reddit, Stack Exchange, </a:t>
-            </a:r>
-            <a:r>
-              <a:rPr lang="en-US" sz="1200" dirty="0" err="1">
-                <a:effectLst/>
-                <a:latin typeface="Aptos" panose="020B0004020202020204" pitchFamily="34" charset="0"/>
-                <a:ea typeface="Aptos" panose="020B0004020202020204" pitchFamily="34" charset="0"/>
-                <a:cs typeface="Times New Roman" panose="02020603050405020304" pitchFamily="18" charset="0"/>
-              </a:rPr>
-              <a:t>BitBucket</a:t>
-            </a:r>
-            <a:r>
-              <a:rPr lang="en-US" sz="1200" dirty="0">
-                <a:effectLst/>
-                <a:latin typeface="Aptos" panose="020B0004020202020204" pitchFamily="34" charset="0"/>
-                <a:ea typeface="Aptos" panose="020B0004020202020204" pitchFamily="34" charset="0"/>
-                <a:cs typeface="Times New Roman" panose="02020603050405020304" pitchFamily="18" charset="0"/>
-              </a:rPr>
-              <a:t>, Drupal, and more. Even Microsoft Teams allows some basic markdown in chat.</a:t>
-            </a:r>
-          </a:p>
-          <a:p>
-            <a:pPr marL="0" marR="0">
-              <a:lnSpc>
-                <a:spcPct val="107000"/>
-              </a:lnSpc>
-              <a:spcBef>
-                <a:spcPts val="0"/>
-              </a:spcBef>
-              <a:spcAft>
-                <a:spcPts val="800"/>
-              </a:spcAft>
-            </a:pPr>
-            <a:endParaRPr lang="en-US" sz="1200" dirty="0">
-              <a:effectLst/>
-              <a:latin typeface="Aptos" panose="020B0004020202020204" pitchFamily="34" charset="0"/>
-              <a:ea typeface="Aptos" panose="020B0004020202020204" pitchFamily="34" charset="0"/>
-              <a:cs typeface="Times New Roman" panose="02020603050405020304" pitchFamily="18" charset="0"/>
-            </a:endParaRPr>
-          </a:p>
-          <a:p>
-            <a:pPr marL="0" marR="0">
-              <a:lnSpc>
-                <a:spcPct val="107000"/>
-              </a:lnSpc>
-              <a:spcBef>
-                <a:spcPts val="0"/>
-              </a:spcBef>
-              <a:spcAft>
-                <a:spcPts val="800"/>
-              </a:spcAft>
-            </a:pPr>
-            <a:r>
-              <a:rPr lang="en-US" sz="1200" dirty="0">
-                <a:effectLst/>
-                <a:latin typeface="Aptos" panose="020B0004020202020204" pitchFamily="34" charset="0"/>
-                <a:ea typeface="Aptos" panose="020B0004020202020204" pitchFamily="34" charset="0"/>
-                <a:cs typeface="Times New Roman" panose="02020603050405020304" pitchFamily="18" charset="0"/>
-              </a:rPr>
-              <a:t>Make your changes here in the text box. If you’re not familiar with markdown, it’s easy to understand once you get rolling, and don’t worry about your PR being perfect. The Content Team will always review your content submission and potentially tweak it to Microsoft standards before it is merged. There are plenty of resources online for basic markdown syntax, but if you don’t get something quite right, don’t sweat it.</a:t>
-            </a:r>
-          </a:p>
-          <a:p>
-            <a:pPr marL="0" marR="0">
-              <a:lnSpc>
-                <a:spcPct val="107000"/>
-              </a:lnSpc>
-              <a:spcBef>
-                <a:spcPts val="0"/>
-              </a:spcBef>
-              <a:spcAft>
-                <a:spcPts val="800"/>
-              </a:spcAft>
-            </a:pPr>
-            <a:endParaRPr lang="en-US" sz="1200" dirty="0">
-              <a:effectLst/>
-              <a:latin typeface="Aptos" panose="020B0004020202020204" pitchFamily="34" charset="0"/>
-              <a:ea typeface="Aptos" panose="020B0004020202020204" pitchFamily="34" charset="0"/>
-              <a:cs typeface="Times New Roman" panose="02020603050405020304" pitchFamily="18" charset="0"/>
-            </a:endParaRPr>
-          </a:p>
-          <a:p>
-            <a:pPr marL="0" marR="0">
-              <a:lnSpc>
-                <a:spcPct val="107000"/>
-              </a:lnSpc>
-              <a:spcBef>
-                <a:spcPts val="0"/>
-              </a:spcBef>
-              <a:spcAft>
-                <a:spcPts val="800"/>
-              </a:spcAft>
-            </a:pPr>
-            <a:r>
-              <a:rPr lang="en-US" sz="1200" dirty="0">
-                <a:effectLst/>
-                <a:latin typeface="Aptos" panose="020B0004020202020204" pitchFamily="34" charset="0"/>
-                <a:ea typeface="Aptos" panose="020B0004020202020204" pitchFamily="34" charset="0"/>
-                <a:cs typeface="Times New Roman" panose="02020603050405020304" pitchFamily="18" charset="0"/>
-              </a:rPr>
-              <a:t>You can use the Preview changes feature to preview the raw markdown formatting.</a:t>
-            </a:r>
-          </a:p>
-          <a:p>
-            <a:pPr marL="0" marR="0">
-              <a:lnSpc>
-                <a:spcPct val="107000"/>
-              </a:lnSpc>
-              <a:spcBef>
-                <a:spcPts val="0"/>
-              </a:spcBef>
-              <a:spcAft>
-                <a:spcPts val="800"/>
-              </a:spcAft>
-            </a:pPr>
-            <a:endParaRPr lang="en-US" sz="1200" dirty="0">
-              <a:effectLst/>
-              <a:latin typeface="Aptos" panose="020B0004020202020204" pitchFamily="34" charset="0"/>
-              <a:ea typeface="Aptos" panose="020B0004020202020204" pitchFamily="34" charset="0"/>
-              <a:cs typeface="Times New Roman" panose="02020603050405020304" pitchFamily="18" charset="0"/>
-            </a:endParaRPr>
-          </a:p>
-          <a:p>
-            <a:pPr marL="0" marR="0">
-              <a:lnSpc>
-                <a:spcPct val="107000"/>
-              </a:lnSpc>
-              <a:spcBef>
-                <a:spcPts val="0"/>
-              </a:spcBef>
-              <a:spcAft>
-                <a:spcPts val="800"/>
-              </a:spcAft>
-            </a:pPr>
-            <a:r>
-              <a:rPr lang="en-US" sz="1200" dirty="0">
-                <a:effectLst/>
-                <a:latin typeface="Aptos" panose="020B0004020202020204" pitchFamily="34" charset="0"/>
-                <a:ea typeface="Aptos" panose="020B0004020202020204" pitchFamily="34" charset="0"/>
-                <a:cs typeface="Times New Roman" panose="02020603050405020304" pitchFamily="18" charset="0"/>
-              </a:rPr>
-              <a:t>Once you’ve made changes, scroll to the bottom. Here you can propose changes by committing your changes to your own branch.</a:t>
-            </a:r>
-          </a:p>
-          <a:p>
-            <a:pPr marL="0" marR="0">
-              <a:lnSpc>
-                <a:spcPct val="107000"/>
-              </a:lnSpc>
-              <a:spcBef>
-                <a:spcPts val="0"/>
-              </a:spcBef>
-              <a:spcAft>
-                <a:spcPts val="800"/>
-              </a:spcAft>
-            </a:pPr>
-            <a:endParaRPr lang="en-US" sz="1200" dirty="0">
-              <a:effectLst/>
-              <a:latin typeface="Aptos" panose="020B0004020202020204" pitchFamily="34" charset="0"/>
-              <a:ea typeface="Aptos" panose="020B0004020202020204" pitchFamily="34" charset="0"/>
-              <a:cs typeface="Times New Roman" panose="02020603050405020304" pitchFamily="18" charset="0"/>
-            </a:endParaRPr>
-          </a:p>
-          <a:p>
-            <a:pPr marL="0" marR="0">
-              <a:lnSpc>
-                <a:spcPct val="107000"/>
-              </a:lnSpc>
-              <a:spcBef>
-                <a:spcPts val="0"/>
-              </a:spcBef>
-              <a:spcAft>
-                <a:spcPts val="800"/>
-              </a:spcAft>
-            </a:pPr>
-            <a:r>
-              <a:rPr lang="en-US" sz="1200" dirty="0">
-                <a:effectLst/>
-                <a:latin typeface="Aptos" panose="020B0004020202020204" pitchFamily="34" charset="0"/>
-                <a:ea typeface="Aptos" panose="020B0004020202020204" pitchFamily="34" charset="0"/>
-                <a:cs typeface="Times New Roman" panose="02020603050405020304" pitchFamily="18" charset="0"/>
-              </a:rPr>
-              <a:t>Enter your PR title and comments. Include why you’re proposing the changes and if you have any specific parts of the changes that you’d like feedback on.</a:t>
-            </a:r>
-          </a:p>
-          <a:p>
-            <a:pPr marL="0" marR="0">
-              <a:lnSpc>
-                <a:spcPct val="107000"/>
-              </a:lnSpc>
-              <a:spcBef>
-                <a:spcPts val="0"/>
-              </a:spcBef>
-              <a:spcAft>
-                <a:spcPts val="800"/>
-              </a:spcAft>
-            </a:pPr>
-            <a:endParaRPr lang="en-US" sz="1200" dirty="0">
-              <a:effectLst/>
-              <a:latin typeface="Aptos" panose="020B0004020202020204" pitchFamily="34" charset="0"/>
-              <a:ea typeface="Aptos" panose="020B0004020202020204" pitchFamily="34" charset="0"/>
-              <a:cs typeface="Times New Roman" panose="02020603050405020304" pitchFamily="18" charset="0"/>
-            </a:endParaRPr>
-          </a:p>
-          <a:p>
-            <a:pPr marL="0" marR="0">
-              <a:lnSpc>
-                <a:spcPct val="107000"/>
-              </a:lnSpc>
-              <a:spcBef>
-                <a:spcPts val="0"/>
-              </a:spcBef>
-              <a:spcAft>
-                <a:spcPts val="800"/>
-              </a:spcAft>
-            </a:pPr>
-            <a:r>
-              <a:rPr lang="en-US" sz="1200" dirty="0">
-                <a:effectLst/>
-                <a:latin typeface="Aptos" panose="020B0004020202020204" pitchFamily="34" charset="0"/>
-                <a:ea typeface="Aptos" panose="020B0004020202020204" pitchFamily="34" charset="0"/>
-                <a:cs typeface="Times New Roman" panose="02020603050405020304" pitchFamily="18" charset="0"/>
-              </a:rPr>
-              <a:t>If you’re not familiar with GitHub terminology like pull requests, don’t worry, you don’t have to be! Once you click the green “Propose changes” button, we’ll take it from here and keep you updated as your new Pull Request moves through the process.</a:t>
-            </a:r>
-          </a:p>
-          <a:p>
-            <a:pPr marL="0" marR="0">
-              <a:lnSpc>
-                <a:spcPct val="107000"/>
-              </a:lnSpc>
-              <a:spcBef>
-                <a:spcPts val="0"/>
-              </a:spcBef>
-              <a:spcAft>
-                <a:spcPts val="800"/>
-              </a:spcAft>
-            </a:pPr>
-            <a:endParaRPr lang="en-US" sz="1200" dirty="0">
-              <a:effectLst/>
-              <a:latin typeface="Aptos" panose="020B0004020202020204" pitchFamily="34" charset="0"/>
-              <a:ea typeface="Aptos" panose="020B0004020202020204" pitchFamily="34" charset="0"/>
-              <a:cs typeface="Times New Roman" panose="02020603050405020304" pitchFamily="18" charset="0"/>
-            </a:endParaRPr>
-          </a:p>
-          <a:p>
-            <a:pPr marL="0" marR="0">
-              <a:lnSpc>
-                <a:spcPct val="107000"/>
-              </a:lnSpc>
-              <a:spcBef>
-                <a:spcPts val="0"/>
-              </a:spcBef>
-              <a:spcAft>
-                <a:spcPts val="800"/>
-              </a:spcAft>
-            </a:pPr>
-            <a:r>
-              <a:rPr lang="en-US" sz="1200" dirty="0">
-                <a:effectLst/>
-                <a:latin typeface="Aptos" panose="020B0004020202020204" pitchFamily="34" charset="0"/>
-                <a:ea typeface="Aptos" panose="020B0004020202020204" pitchFamily="34" charset="0"/>
-                <a:cs typeface="Times New Roman" panose="02020603050405020304" pitchFamily="18" charset="0"/>
-              </a:rPr>
-              <a:t>Your changes to the markdown file will be proposed for merge, triaged, and reviewed by the article’s author (or current owner) and potentially additional reviewers. The content team for the article takes it from there, replies in the PR comments, makes further edits if necessary, and eventually decide whether to merge your changes. You’ll be notified with feedback directly from one of us on the content team.</a:t>
-            </a:r>
-          </a:p>
-          <a:p>
-            <a:pPr marL="0" marR="0">
-              <a:lnSpc>
-                <a:spcPct val="107000"/>
-              </a:lnSpc>
-              <a:spcBef>
-                <a:spcPts val="0"/>
-              </a:spcBef>
-              <a:spcAft>
-                <a:spcPts val="800"/>
-              </a:spcAft>
-            </a:pPr>
-            <a:endParaRPr lang="en-US" sz="1200" dirty="0">
-              <a:effectLst/>
-              <a:latin typeface="Aptos" panose="020B0004020202020204" pitchFamily="34" charset="0"/>
-              <a:ea typeface="Aptos" panose="020B0004020202020204" pitchFamily="34" charset="0"/>
-              <a:cs typeface="Times New Roman" panose="02020603050405020304" pitchFamily="18" charset="0"/>
-            </a:endParaRPr>
-          </a:p>
-          <a:p>
-            <a:pPr marL="0" marR="0">
-              <a:lnSpc>
-                <a:spcPct val="107000"/>
-              </a:lnSpc>
-              <a:spcBef>
-                <a:spcPts val="0"/>
-              </a:spcBef>
-              <a:spcAft>
-                <a:spcPts val="800"/>
-              </a:spcAft>
-            </a:pPr>
-            <a:r>
-              <a:rPr lang="en-US" sz="1200" dirty="0">
-                <a:effectLst/>
-                <a:latin typeface="Aptos" panose="020B0004020202020204" pitchFamily="34" charset="0"/>
-                <a:ea typeface="Aptos" panose="020B0004020202020204" pitchFamily="34" charset="0"/>
-                <a:cs typeface="Times New Roman" panose="02020603050405020304" pitchFamily="18" charset="0"/>
-              </a:rPr>
-              <a:t>Again, you can do all this if you want through your own tooling, to create your own fork, branch, commits, push your changes, and create a PR. That’s what writers on the Content Teams do every day. But if you want to just use GitHub to handle the entire process for you, it’s much easier for simple changes.</a:t>
-            </a:r>
-          </a:p>
-          <a:p>
-            <a:pPr marL="0" marR="0">
-              <a:lnSpc>
-                <a:spcPct val="107000"/>
-              </a:lnSpc>
-              <a:spcBef>
-                <a:spcPts val="0"/>
-              </a:spcBef>
-              <a:spcAft>
-                <a:spcPts val="800"/>
-              </a:spcAft>
-            </a:pPr>
-            <a:endParaRPr lang="en-US" sz="1200" dirty="0">
-              <a:effectLst/>
-              <a:latin typeface="Aptos" panose="020B0004020202020204" pitchFamily="34" charset="0"/>
-              <a:ea typeface="Aptos" panose="020B0004020202020204" pitchFamily="34" charset="0"/>
-              <a:cs typeface="Times New Roman" panose="02020603050405020304" pitchFamily="18" charset="0"/>
-            </a:endParaRPr>
-          </a:p>
-          <a:p>
-            <a:pPr marL="0" marR="0">
-              <a:lnSpc>
-                <a:spcPct val="107000"/>
-              </a:lnSpc>
-              <a:spcBef>
-                <a:spcPts val="0"/>
-              </a:spcBef>
-              <a:spcAft>
-                <a:spcPts val="800"/>
-              </a:spcAft>
-            </a:pPr>
-            <a:r>
-              <a:rPr lang="en-US" sz="1200" dirty="0">
-                <a:effectLst/>
-                <a:latin typeface="Aptos" panose="020B0004020202020204" pitchFamily="34" charset="0"/>
-                <a:ea typeface="Aptos" panose="020B0004020202020204" pitchFamily="34" charset="0"/>
-                <a:cs typeface="Times New Roman" panose="02020603050405020304" pitchFamily="18" charset="0"/>
-              </a:rPr>
-              <a:t>Here’s what it looks like after you’ve submitted your pull request.</a:t>
-            </a:r>
-          </a:p>
-          <a:p>
-            <a:pPr marL="0" marR="0">
-              <a:lnSpc>
-                <a:spcPct val="107000"/>
-              </a:lnSpc>
-              <a:spcBef>
-                <a:spcPts val="0"/>
-              </a:spcBef>
-              <a:spcAft>
-                <a:spcPts val="800"/>
-              </a:spcAft>
-            </a:pPr>
-            <a:endParaRPr lang="en-US" sz="1200" dirty="0">
-              <a:effectLst/>
-              <a:latin typeface="Aptos" panose="020B0004020202020204" pitchFamily="34" charset="0"/>
-              <a:ea typeface="Aptos" panose="020B0004020202020204" pitchFamily="34" charset="0"/>
-              <a:cs typeface="Times New Roman" panose="02020603050405020304" pitchFamily="18" charset="0"/>
-            </a:endParaRPr>
-          </a:p>
-          <a:p>
-            <a:pPr marL="0" marR="0">
-              <a:lnSpc>
-                <a:spcPct val="107000"/>
-              </a:lnSpc>
-              <a:spcBef>
-                <a:spcPts val="0"/>
-              </a:spcBef>
-              <a:spcAft>
-                <a:spcPts val="800"/>
-              </a:spcAft>
-            </a:pPr>
-            <a:r>
-              <a:rPr lang="en-US" sz="1200" dirty="0">
-                <a:effectLst/>
-                <a:latin typeface="Aptos" panose="020B0004020202020204" pitchFamily="34" charset="0"/>
-                <a:ea typeface="Aptos" panose="020B0004020202020204" pitchFamily="34" charset="0"/>
-                <a:cs typeface="Times New Roman" panose="02020603050405020304" pitchFamily="18" charset="0"/>
-              </a:rPr>
-              <a:t>Your PR will start in an Open status. We can look at one that is already Merged. Once it’s merged, it’s been accepted and soon will be </a:t>
-            </a:r>
-            <a:r>
-              <a:rPr lang="en-US" sz="1200" dirty="0" err="1">
-                <a:effectLst/>
-                <a:latin typeface="Aptos" panose="020B0004020202020204" pitchFamily="34" charset="0"/>
-                <a:ea typeface="Aptos" panose="020B0004020202020204" pitchFamily="34" charset="0"/>
-                <a:cs typeface="Times New Roman" panose="02020603050405020304" pitchFamily="18" charset="0"/>
-              </a:rPr>
-              <a:t>sync’ed</a:t>
-            </a:r>
-            <a:r>
-              <a:rPr lang="en-US" sz="1200" dirty="0">
-                <a:effectLst/>
-                <a:latin typeface="Aptos" panose="020B0004020202020204" pitchFamily="34" charset="0"/>
-                <a:ea typeface="Aptos" panose="020B0004020202020204" pitchFamily="34" charset="0"/>
-                <a:cs typeface="Times New Roman" panose="02020603050405020304" pitchFamily="18" charset="0"/>
-              </a:rPr>
-              <a:t> to the production repo and deployed.</a:t>
-            </a:r>
-          </a:p>
-          <a:p>
-            <a:pPr marL="0" marR="0">
-              <a:lnSpc>
-                <a:spcPct val="107000"/>
-              </a:lnSpc>
-              <a:spcBef>
-                <a:spcPts val="0"/>
-              </a:spcBef>
-              <a:spcAft>
-                <a:spcPts val="800"/>
-              </a:spcAft>
-            </a:pPr>
-            <a:endParaRPr lang="en-US" sz="1200" dirty="0">
-              <a:effectLst/>
-              <a:latin typeface="Aptos" panose="020B0004020202020204" pitchFamily="34" charset="0"/>
-              <a:ea typeface="Aptos" panose="020B0004020202020204" pitchFamily="34" charset="0"/>
-              <a:cs typeface="Times New Roman" panose="02020603050405020304" pitchFamily="18" charset="0"/>
-            </a:endParaRPr>
-          </a:p>
-          <a:p>
-            <a:pPr marL="0" marR="0">
-              <a:lnSpc>
-                <a:spcPct val="107000"/>
-              </a:lnSpc>
-              <a:spcBef>
-                <a:spcPts val="0"/>
-              </a:spcBef>
-              <a:spcAft>
-                <a:spcPts val="800"/>
-              </a:spcAft>
-            </a:pPr>
-            <a:r>
-              <a:rPr lang="en-US" sz="1200" dirty="0">
-                <a:effectLst/>
-                <a:latin typeface="Aptos" panose="020B0004020202020204" pitchFamily="34" charset="0"/>
-                <a:ea typeface="Aptos" panose="020B0004020202020204" pitchFamily="34" charset="0"/>
-                <a:cs typeface="Times New Roman" panose="02020603050405020304" pitchFamily="18" charset="0"/>
-              </a:rPr>
-              <a:t>You can see what GitHub did for you was to automatically in the background create a fork, create a branch in the user’s name. So, we would have a branch named something like username colon patch-399 as the name of the working branch in the user’s repository.</a:t>
-            </a:r>
-          </a:p>
-          <a:p>
-            <a:pPr marL="0" marR="0">
-              <a:lnSpc>
-                <a:spcPct val="107000"/>
-              </a:lnSpc>
-              <a:spcBef>
-                <a:spcPts val="0"/>
-              </a:spcBef>
-              <a:spcAft>
-                <a:spcPts val="800"/>
-              </a:spcAft>
-            </a:pPr>
-            <a:endParaRPr lang="en-US" sz="1200" dirty="0">
-              <a:effectLst/>
-              <a:latin typeface="Aptos" panose="020B0004020202020204" pitchFamily="34" charset="0"/>
-              <a:ea typeface="Aptos" panose="020B0004020202020204" pitchFamily="34" charset="0"/>
-              <a:cs typeface="Times New Roman" panose="02020603050405020304" pitchFamily="18" charset="0"/>
-            </a:endParaRPr>
-          </a:p>
-          <a:p>
-            <a:pPr marL="0" marR="0">
-              <a:lnSpc>
-                <a:spcPct val="107000"/>
-              </a:lnSpc>
-              <a:spcBef>
-                <a:spcPts val="0"/>
-              </a:spcBef>
-              <a:spcAft>
-                <a:spcPts val="800"/>
-              </a:spcAft>
-            </a:pPr>
-            <a:r>
-              <a:rPr lang="en-US" sz="1200" dirty="0">
-                <a:effectLst/>
-                <a:latin typeface="Aptos" panose="020B0004020202020204" pitchFamily="34" charset="0"/>
-                <a:ea typeface="Aptos" panose="020B0004020202020204" pitchFamily="34" charset="0"/>
-                <a:cs typeface="Times New Roman" panose="02020603050405020304" pitchFamily="18" charset="0"/>
-              </a:rPr>
-              <a:t>The pull request includes the commit, which is in the PR log. Pull Requests can potentially include many commits for multiple files.</a:t>
-            </a:r>
-          </a:p>
-          <a:p>
-            <a:pPr marL="0" marR="0">
-              <a:lnSpc>
-                <a:spcPct val="107000"/>
-              </a:lnSpc>
-              <a:spcBef>
-                <a:spcPts val="0"/>
-              </a:spcBef>
-              <a:spcAft>
-                <a:spcPts val="800"/>
-              </a:spcAft>
-            </a:pPr>
-            <a:endParaRPr lang="en-US" sz="1200" dirty="0">
-              <a:effectLst/>
-              <a:latin typeface="Aptos" panose="020B0004020202020204" pitchFamily="34" charset="0"/>
-              <a:ea typeface="Aptos" panose="020B0004020202020204" pitchFamily="34" charset="0"/>
-              <a:cs typeface="Times New Roman" panose="02020603050405020304" pitchFamily="18" charset="0"/>
-            </a:endParaRPr>
-          </a:p>
-          <a:p>
-            <a:pPr marL="0" marR="0">
-              <a:lnSpc>
-                <a:spcPct val="107000"/>
-              </a:lnSpc>
-              <a:spcBef>
-                <a:spcPts val="0"/>
-              </a:spcBef>
-              <a:spcAft>
-                <a:spcPts val="800"/>
-              </a:spcAft>
-            </a:pPr>
-            <a:r>
-              <a:rPr lang="en-US" sz="1200" dirty="0">
-                <a:effectLst/>
-                <a:latin typeface="Aptos" panose="020B0004020202020204" pitchFamily="34" charset="0"/>
-                <a:ea typeface="Aptos" panose="020B0004020202020204" pitchFamily="34" charset="0"/>
-                <a:cs typeface="Times New Roman" panose="02020603050405020304" pitchFamily="18" charset="0"/>
-              </a:rPr>
-              <a:t>The PR log contains both automated and manually created messages, automation for the merge engines, all commits, and conversation and notes from anyone assigned. Eventually, someone on the content team may sign off on the change and have it merged, and you’ll see those comments too. You’ll receive an email anytime anyone uses your username with an @ symbol, and you can respond in conversation at the bottom here with the comment button.</a:t>
-            </a:r>
-          </a:p>
-          <a:p>
-            <a:pPr marL="0" marR="0">
-              <a:lnSpc>
-                <a:spcPct val="107000"/>
-              </a:lnSpc>
-              <a:spcBef>
-                <a:spcPts val="0"/>
-              </a:spcBef>
-              <a:spcAft>
-                <a:spcPts val="800"/>
-              </a:spcAft>
-            </a:pPr>
-            <a:endParaRPr lang="en-US" sz="1200" dirty="0">
-              <a:effectLst/>
-              <a:latin typeface="Aptos" panose="020B0004020202020204" pitchFamily="34" charset="0"/>
-              <a:ea typeface="Aptos" panose="020B0004020202020204" pitchFamily="34" charset="0"/>
-              <a:cs typeface="Times New Roman" panose="02020603050405020304" pitchFamily="18" charset="0"/>
-            </a:endParaRPr>
-          </a:p>
-          <a:p>
-            <a:pPr marL="0" marR="0">
-              <a:lnSpc>
-                <a:spcPct val="107000"/>
-              </a:lnSpc>
-              <a:spcBef>
-                <a:spcPts val="0"/>
-              </a:spcBef>
-              <a:spcAft>
-                <a:spcPts val="800"/>
-              </a:spcAft>
-            </a:pPr>
-            <a:r>
-              <a:rPr lang="en-US" sz="1200" dirty="0">
-                <a:effectLst/>
-                <a:latin typeface="Aptos" panose="020B0004020202020204" pitchFamily="34" charset="0"/>
-                <a:ea typeface="Aptos" panose="020B0004020202020204" pitchFamily="34" charset="0"/>
-                <a:cs typeface="Times New Roman" panose="02020603050405020304" pitchFamily="18" charset="0"/>
-              </a:rPr>
-              <a:t>After your PR is created, both you and Microsoft can review the changes you’re suggesting in the Pull Request.</a:t>
-            </a:r>
-          </a:p>
-          <a:p>
-            <a:pPr marL="0" marR="0">
-              <a:lnSpc>
-                <a:spcPct val="107000"/>
-              </a:lnSpc>
-              <a:spcBef>
-                <a:spcPts val="0"/>
-              </a:spcBef>
-              <a:spcAft>
-                <a:spcPts val="800"/>
-              </a:spcAft>
-            </a:pPr>
-            <a:endParaRPr lang="en-US" sz="1200" dirty="0">
-              <a:effectLst/>
-              <a:latin typeface="Aptos" panose="020B0004020202020204" pitchFamily="34" charset="0"/>
-              <a:ea typeface="Aptos" panose="020B0004020202020204" pitchFamily="34" charset="0"/>
-              <a:cs typeface="Times New Roman" panose="02020603050405020304" pitchFamily="18" charset="0"/>
-            </a:endParaRPr>
-          </a:p>
-          <a:p>
-            <a:pPr marL="0" marR="0">
-              <a:lnSpc>
-                <a:spcPct val="107000"/>
-              </a:lnSpc>
-              <a:spcBef>
-                <a:spcPts val="0"/>
-              </a:spcBef>
-              <a:spcAft>
-                <a:spcPts val="800"/>
-              </a:spcAft>
-            </a:pPr>
-            <a:r>
-              <a:rPr lang="en-US" sz="1200" dirty="0">
-                <a:effectLst/>
-                <a:latin typeface="Aptos" panose="020B0004020202020204" pitchFamily="34" charset="0"/>
-                <a:ea typeface="Aptos" panose="020B0004020202020204" pitchFamily="34" charset="0"/>
-                <a:cs typeface="Times New Roman" panose="02020603050405020304" pitchFamily="18" charset="0"/>
-              </a:rPr>
-              <a:t>Click on the “Files Changed” tab to see an in-browser diff. Red is the old code line, green is the new, and the changed characters are highlighted.</a:t>
-            </a:r>
-          </a:p>
-          <a:p>
-            <a:pPr marL="0" marR="0">
-              <a:lnSpc>
-                <a:spcPct val="107000"/>
-              </a:lnSpc>
-              <a:spcBef>
-                <a:spcPts val="0"/>
-              </a:spcBef>
-              <a:spcAft>
-                <a:spcPts val="800"/>
-              </a:spcAft>
-            </a:pPr>
-            <a:endParaRPr lang="en-US" sz="1200" dirty="0">
-              <a:effectLst/>
-              <a:latin typeface="Aptos" panose="020B0004020202020204" pitchFamily="34" charset="0"/>
-              <a:ea typeface="Aptos" panose="020B0004020202020204" pitchFamily="34" charset="0"/>
-              <a:cs typeface="Times New Roman" panose="02020603050405020304" pitchFamily="18" charset="0"/>
-            </a:endParaRPr>
-          </a:p>
-          <a:p>
-            <a:pPr marL="0" marR="0">
-              <a:lnSpc>
-                <a:spcPct val="107000"/>
-              </a:lnSpc>
-              <a:spcBef>
-                <a:spcPts val="0"/>
-              </a:spcBef>
-              <a:spcAft>
-                <a:spcPts val="800"/>
-              </a:spcAft>
-            </a:pPr>
-            <a:r>
-              <a:rPr lang="en-US" sz="1200" dirty="0">
-                <a:effectLst/>
-                <a:latin typeface="Aptos" panose="020B0004020202020204" pitchFamily="34" charset="0"/>
-                <a:ea typeface="Aptos" panose="020B0004020202020204" pitchFamily="34" charset="0"/>
-                <a:cs typeface="Times New Roman" panose="02020603050405020304" pitchFamily="18" charset="0"/>
-              </a:rPr>
-              <a:t>In fact, you may find creating a GitHub Pull Request easier than creating a Git Issue. If you’re trying to describe how something should change, simply making the change yourself is sometimes easier than trying to describe the issue accurately and clearly. You'll still want to provide a description of why you're making the changes.</a:t>
-            </a:r>
-          </a:p>
-          <a:p>
-            <a:pPr marL="0" marR="0">
-              <a:lnSpc>
-                <a:spcPct val="107000"/>
-              </a:lnSpc>
-              <a:spcBef>
-                <a:spcPts val="0"/>
-              </a:spcBef>
-              <a:spcAft>
-                <a:spcPts val="800"/>
-              </a:spcAft>
-            </a:pPr>
-            <a:endParaRPr lang="en-US" sz="1200" dirty="0">
-              <a:effectLst/>
-              <a:latin typeface="Aptos" panose="020B0004020202020204" pitchFamily="34" charset="0"/>
-              <a:ea typeface="Aptos" panose="020B0004020202020204" pitchFamily="34" charset="0"/>
-              <a:cs typeface="Times New Roman" panose="02020603050405020304" pitchFamily="18" charset="0"/>
-            </a:endParaRPr>
-          </a:p>
-          <a:p>
-            <a:pPr marL="0" marR="0">
-              <a:lnSpc>
-                <a:spcPct val="107000"/>
-              </a:lnSpc>
-              <a:spcBef>
-                <a:spcPts val="0"/>
-              </a:spcBef>
-              <a:spcAft>
-                <a:spcPts val="800"/>
-              </a:spcAft>
-            </a:pPr>
-            <a:r>
-              <a:rPr lang="en-US" sz="1200" dirty="0">
-                <a:effectLst/>
-                <a:latin typeface="Aptos" panose="020B0004020202020204" pitchFamily="34" charset="0"/>
-                <a:ea typeface="Aptos" panose="020B0004020202020204" pitchFamily="34" charset="0"/>
-                <a:cs typeface="Times New Roman" panose="02020603050405020304" pitchFamily="18" charset="0"/>
-              </a:rPr>
-              <a:t>If you still want to make more changes to the file, you can issue another commit to the pull request, simply click on the three dots icon here and click Edit file. Edit the same file or other files in your working branch, then you can submit another commit to the same branch, and it will be included in the same open pull request.</a:t>
-            </a:r>
-          </a:p>
-          <a:p>
-            <a:pPr marL="0" marR="0">
-              <a:lnSpc>
-                <a:spcPct val="107000"/>
-              </a:lnSpc>
-              <a:spcBef>
-                <a:spcPts val="0"/>
-              </a:spcBef>
-              <a:spcAft>
-                <a:spcPts val="800"/>
-              </a:spcAft>
-            </a:pPr>
-            <a:endParaRPr lang="en-US" sz="1200" dirty="0">
-              <a:effectLst/>
-              <a:latin typeface="Aptos" panose="020B0004020202020204" pitchFamily="34" charset="0"/>
-              <a:ea typeface="Aptos" panose="020B0004020202020204" pitchFamily="34" charset="0"/>
-              <a:cs typeface="Times New Roman" panose="02020603050405020304" pitchFamily="18" charset="0"/>
-            </a:endParaRPr>
-          </a:p>
-          <a:p>
-            <a:pPr marL="0" marR="0">
-              <a:lnSpc>
-                <a:spcPct val="107000"/>
-              </a:lnSpc>
-              <a:spcBef>
-                <a:spcPts val="0"/>
-              </a:spcBef>
-              <a:spcAft>
-                <a:spcPts val="800"/>
-              </a:spcAft>
-            </a:pPr>
-            <a:r>
-              <a:rPr lang="en-US" sz="1200" dirty="0">
-                <a:effectLst/>
-                <a:latin typeface="Aptos" panose="020B0004020202020204" pitchFamily="34" charset="0"/>
-                <a:ea typeface="Aptos" panose="020B0004020202020204" pitchFamily="34" charset="0"/>
-                <a:cs typeface="Times New Roman" panose="02020603050405020304" pitchFamily="18" charset="0"/>
-              </a:rPr>
-              <a:t>After you’ve submitted your PR and you’re happy with the changes, you can sit back. We’ve got it from here and will let you know if we have more questions or a status update.</a:t>
-            </a:r>
-          </a:p>
-          <a:p>
-            <a:pPr marL="0" marR="0">
-              <a:lnSpc>
-                <a:spcPct val="107000"/>
-              </a:lnSpc>
-              <a:spcBef>
-                <a:spcPts val="0"/>
-              </a:spcBef>
-              <a:spcAft>
-                <a:spcPts val="800"/>
-              </a:spcAft>
-            </a:pPr>
-            <a:endParaRPr lang="en-US" sz="1200" dirty="0">
-              <a:effectLst/>
-              <a:latin typeface="Aptos" panose="020B0004020202020204" pitchFamily="34" charset="0"/>
-              <a:ea typeface="Aptos" panose="020B0004020202020204" pitchFamily="34" charset="0"/>
-              <a:cs typeface="Times New Roman" panose="02020603050405020304" pitchFamily="18" charset="0"/>
-            </a:endParaRPr>
-          </a:p>
-          <a:p>
-            <a:pPr marL="0" marR="0">
-              <a:lnSpc>
-                <a:spcPct val="107000"/>
-              </a:lnSpc>
-              <a:spcBef>
-                <a:spcPts val="0"/>
-              </a:spcBef>
-              <a:spcAft>
-                <a:spcPts val="800"/>
-              </a:spcAft>
-            </a:pPr>
-            <a:r>
-              <a:rPr lang="en-US" sz="1200" dirty="0">
-                <a:effectLst/>
-                <a:latin typeface="Aptos" panose="020B0004020202020204" pitchFamily="34" charset="0"/>
-                <a:ea typeface="Aptos" panose="020B0004020202020204" pitchFamily="34" charset="0"/>
-                <a:cs typeface="Times New Roman" panose="02020603050405020304" pitchFamily="18" charset="0"/>
-              </a:rPr>
-              <a:t>You can also use GitHub to contribute edits to others’ work. In the Files Changed tab of a PR, where you’re reviewing the line-by-line changes, click the blue plus button on any line number of changed code. You can make comments and start discussion on any changed line. You can also make suggestions, directly in line! Click the “Add a suggestion” button that looks like a plus-minus box. Now you’re editing the line or lines you’ve selected with the blue plus button. You can then submit this change to the actual author as a single comment, or you can click the green “Start a review” button to make many different suggestions and comments and submit them all at once. You can even use this on your own PRs to discuss changes and comments with your reviewers and make commits in-line. You might see us making suggestions or changes this way too.</a:t>
-            </a:r>
-          </a:p>
-          <a:p>
-            <a:pPr marL="0" marR="0">
-              <a:lnSpc>
-                <a:spcPct val="107000"/>
-              </a:lnSpc>
-              <a:spcBef>
-                <a:spcPts val="0"/>
-              </a:spcBef>
-              <a:spcAft>
-                <a:spcPts val="800"/>
-              </a:spcAft>
-            </a:pPr>
-            <a:endParaRPr lang="en-US" sz="1200" dirty="0">
-              <a:effectLst/>
-              <a:latin typeface="Aptos" panose="020B0004020202020204" pitchFamily="34" charset="0"/>
-              <a:ea typeface="Aptos" panose="020B0004020202020204" pitchFamily="34" charset="0"/>
-              <a:cs typeface="Times New Roman" panose="02020603050405020304" pitchFamily="18" charset="0"/>
-            </a:endParaRPr>
-          </a:p>
-          <a:p>
-            <a:pPr marL="0" marR="0">
-              <a:lnSpc>
-                <a:spcPct val="107000"/>
-              </a:lnSpc>
-              <a:spcBef>
-                <a:spcPts val="0"/>
-              </a:spcBef>
-              <a:spcAft>
-                <a:spcPts val="800"/>
-              </a:spcAft>
-            </a:pPr>
-            <a:r>
-              <a:rPr lang="en-US" sz="1200" dirty="0">
-                <a:effectLst/>
-                <a:latin typeface="Aptos" panose="020B0004020202020204" pitchFamily="34" charset="0"/>
-                <a:ea typeface="Aptos" panose="020B0004020202020204" pitchFamily="34" charset="0"/>
-                <a:cs typeface="Times New Roman" panose="02020603050405020304" pitchFamily="18" charset="0"/>
-              </a:rPr>
-              <a:t>All this makes it easy to collaborate with doc authors and reviewers entirely within GitHub.</a:t>
-            </a:r>
           </a:p>
         </p:txBody>
       </p:sp>
     </p:spTree>
     <p:extLst>
       <p:ext uri="{BB962C8B-B14F-4D97-AF65-F5344CB8AC3E}">
-        <p14:creationId xmlns:p14="http://schemas.microsoft.com/office/powerpoint/2010/main" val="3321466536"/>
+        <p14:creationId xmlns:p14="http://schemas.microsoft.com/office/powerpoint/2010/main" val="2706403652"/>
       </p:ext>
     </p:extLst>
   </p:cSld>
@@ -2138,94 +1396,995 @@
           <a:bodyPr/>
           <a:lstStyle/>
           <a:p>
-            <a:pPr>
+            <a:pPr marL="0" marR="0">
+              <a:lnSpc>
+                <a:spcPct val="107000"/>
+              </a:lnSpc>
+              <a:spcBef>
+                <a:spcPts val="800"/>
+              </a:spcBef>
               <a:spcAft>
-                <a:spcPts val="0"/>
+                <a:spcPts val="400"/>
               </a:spcAft>
             </a:pPr>
             <a:r>
-              <a:rPr lang="en-US" sz="1200" kern="1200" dirty="0">
+              <a:rPr lang="en-US" sz="1200" b="1" dirty="0">
                 <a:solidFill>
-                  <a:srgbClr val="000000"/>
+                  <a:srgbClr val="0F4761"/>
                 </a:solidFill>
                 <a:effectLst/>
-                <a:latin typeface="Calibri"/>
-                <a:cs typeface="Calibri"/>
-              </a:rPr>
-              <a:t>So, there you have it.</a:t>
-            </a:r>
+                <a:latin typeface="Aptos Display" panose="020B0004020202020204" pitchFamily="34" charset="0"/>
+                <a:ea typeface="Times New Roman" panose="02020603050405020304" pitchFamily="18" charset="0"/>
+                <a:cs typeface="Times New Roman" panose="02020603050405020304" pitchFamily="18" charset="0"/>
+              </a:rPr>
+              <a:t>Create a PR demo.</a:t>
+            </a:r>
+          </a:p>
+          <a:p>
+            <a:pPr marL="0" marR="0">
+              <a:lnSpc>
+                <a:spcPct val="107000"/>
+              </a:lnSpc>
+              <a:spcBef>
+                <a:spcPts val="800"/>
+              </a:spcBef>
+              <a:spcAft>
+                <a:spcPts val="400"/>
+              </a:spcAft>
+            </a:pPr>
+            <a:endParaRPr lang="en-US" sz="1200" b="1" dirty="0">
+              <a:solidFill>
+                <a:srgbClr val="0F4761"/>
+              </a:solidFill>
+              <a:effectLst/>
+              <a:latin typeface="Aptos Display" panose="020B0004020202020204" pitchFamily="34" charset="0"/>
+              <a:ea typeface="Times New Roman" panose="02020603050405020304" pitchFamily="18" charset="0"/>
+              <a:cs typeface="Times New Roman" panose="02020603050405020304" pitchFamily="18" charset="0"/>
+            </a:endParaRPr>
+          </a:p>
+          <a:p>
+            <a:pPr marL="0" marR="0">
+              <a:lnSpc>
+                <a:spcPct val="107000"/>
+              </a:lnSpc>
+              <a:spcBef>
+                <a:spcPts val="0"/>
+              </a:spcBef>
+              <a:spcAft>
+                <a:spcPts val="800"/>
+              </a:spcAft>
+            </a:pPr>
             <a:r>
               <a:rPr lang="en-US" sz="1200" dirty="0">
-                <a:solidFill>
-                  <a:srgbClr val="000000"/>
-                </a:solidFill>
-                <a:latin typeface="Calibri"/>
-                <a:cs typeface="Calibri"/>
-              </a:rPr>
-              <a:t> We saw two ways you can contribute to Learn.</a:t>
-            </a:r>
-            <a:endParaRPr lang="en-US" dirty="0"/>
-          </a:p>
-          <a:p>
-            <a:pPr>
+                <a:effectLst/>
+                <a:latin typeface="Aptos" panose="020B0004020202020204" pitchFamily="34" charset="0"/>
+                <a:ea typeface="Aptos" panose="020B0004020202020204" pitchFamily="34" charset="0"/>
+                <a:cs typeface="Times New Roman" panose="02020603050405020304" pitchFamily="18" charset="0"/>
+              </a:rPr>
+              <a:t>Clicking the Pencil button on top of a doc brings you to the GitHub preview page for that article. From here, click the Pencil button on the top right of the header bar.</a:t>
+            </a:r>
+          </a:p>
+          <a:p>
+            <a:pPr marL="0" marR="0">
+              <a:lnSpc>
+                <a:spcPct val="107000"/>
+              </a:lnSpc>
+              <a:spcBef>
+                <a:spcPts val="0"/>
+              </a:spcBef>
               <a:spcAft>
-                <a:spcPts val="0"/>
+                <a:spcPts val="800"/>
               </a:spcAft>
             </a:pPr>
             <a:endParaRPr lang="en-US" sz="1200" dirty="0">
-              <a:solidFill>
-                <a:srgbClr val="000000"/>
-              </a:solidFill>
-              <a:latin typeface="Calibri"/>
-              <a:cs typeface="Calibri"/>
+              <a:effectLst/>
+              <a:latin typeface="Aptos" panose="020B0004020202020204" pitchFamily="34" charset="0"/>
+              <a:ea typeface="Aptos" panose="020B0004020202020204" pitchFamily="34" charset="0"/>
+              <a:cs typeface="Times New Roman" panose="02020603050405020304" pitchFamily="18" charset="0"/>
             </a:endParaRPr>
           </a:p>
           <a:p>
-            <a:pPr>
+            <a:pPr marL="0" marR="0">
+              <a:lnSpc>
+                <a:spcPct val="107000"/>
+              </a:lnSpc>
+              <a:spcBef>
+                <a:spcPts val="0"/>
+              </a:spcBef>
               <a:spcAft>
-                <a:spcPts val="0"/>
+                <a:spcPts val="800"/>
               </a:spcAft>
             </a:pPr>
             <a:r>
-              <a:rPr lang="en-US" sz="1200" kern="1200" dirty="0">
-                <a:solidFill>
-                  <a:srgbClr val="000000"/>
-                </a:solidFill>
+              <a:rPr lang="en-US" sz="1200" dirty="0">
                 <a:effectLst/>
-                <a:latin typeface="Calibri"/>
-                <a:cs typeface="Calibri"/>
-              </a:rPr>
-              <a:t>Now, what’s most helpful for Microsoft, and what’s gives you contribution credit</a:t>
-            </a:r>
+                <a:latin typeface="Aptos" panose="020B0004020202020204" pitchFamily="34" charset="0"/>
+                <a:ea typeface="Aptos" panose="020B0004020202020204" pitchFamily="34" charset="0"/>
+                <a:cs typeface="Times New Roman" panose="02020603050405020304" pitchFamily="18" charset="0"/>
+              </a:rPr>
+              <a:t>After you click the Pencil button in GitHub, you will be looking at the actual markdown code in a text edit box.</a:t>
+            </a:r>
+          </a:p>
+          <a:p>
+            <a:pPr marL="0" marR="0">
+              <a:lnSpc>
+                <a:spcPct val="107000"/>
+              </a:lnSpc>
+              <a:spcBef>
+                <a:spcPts val="0"/>
+              </a:spcBef>
+              <a:spcAft>
+                <a:spcPts val="800"/>
+              </a:spcAft>
+            </a:pPr>
+            <a:endParaRPr lang="en-US" sz="1200" dirty="0">
+              <a:effectLst/>
+              <a:latin typeface="Aptos" panose="020B0004020202020204" pitchFamily="34" charset="0"/>
+              <a:ea typeface="Aptos" panose="020B0004020202020204" pitchFamily="34" charset="0"/>
+              <a:cs typeface="Times New Roman" panose="02020603050405020304" pitchFamily="18" charset="0"/>
+            </a:endParaRPr>
+          </a:p>
+          <a:p>
+            <a:pPr marL="0" marR="0">
+              <a:lnSpc>
+                <a:spcPct val="107000"/>
+              </a:lnSpc>
+              <a:spcBef>
+                <a:spcPts val="0"/>
+              </a:spcBef>
+              <a:spcAft>
+                <a:spcPts val="800"/>
+              </a:spcAft>
+            </a:pPr>
             <a:r>
               <a:rPr lang="en-US" sz="1200" dirty="0">
-                <a:solidFill>
-                  <a:srgbClr val="000000"/>
-                </a:solidFill>
-                <a:latin typeface="Calibri"/>
-                <a:cs typeface="Calibri"/>
-              </a:rPr>
-              <a:t> on the Learn site</a:t>
-            </a:r>
-            <a:r>
-              <a:rPr lang="en-US" sz="1200" kern="1200" dirty="0">
-                <a:solidFill>
-                  <a:srgbClr val="000000"/>
-                </a:solidFill>
                 <a:effectLst/>
-                <a:latin typeface="Calibri"/>
-                <a:cs typeface="Calibri"/>
-              </a:rPr>
-              <a:t>? Only a Pull Request. That’s what we want to see.</a:t>
-            </a:r>
-            <a:endParaRPr lang="en-US" dirty="0"/>
+                <a:latin typeface="Aptos" panose="020B0004020202020204" pitchFamily="34" charset="0"/>
+                <a:ea typeface="Aptos" panose="020B0004020202020204" pitchFamily="34" charset="0"/>
+                <a:cs typeface="Times New Roman" panose="02020603050405020304" pitchFamily="18" charset="0"/>
+              </a:rPr>
+              <a:t>Microsoft Docs are not edited Microsoft Word documents, but rather in code, in markdown or </a:t>
+            </a:r>
+            <a:r>
+              <a:rPr lang="en-US" sz="1200" dirty="0" err="1">
+                <a:effectLst/>
+                <a:latin typeface="Aptos" panose="020B0004020202020204" pitchFamily="34" charset="0"/>
+                <a:ea typeface="Aptos" panose="020B0004020202020204" pitchFamily="34" charset="0"/>
+                <a:cs typeface="Times New Roman" panose="02020603050405020304" pitchFamily="18" charset="0"/>
+              </a:rPr>
+              <a:t>yaml</a:t>
+            </a:r>
+            <a:r>
+              <a:rPr lang="en-US" sz="1200" dirty="0">
+                <a:effectLst/>
+                <a:latin typeface="Aptos" panose="020B0004020202020204" pitchFamily="34" charset="0"/>
+                <a:ea typeface="Aptos" panose="020B0004020202020204" pitchFamily="34" charset="0"/>
+                <a:cs typeface="Times New Roman" panose="02020603050405020304" pitchFamily="18" charset="0"/>
+              </a:rPr>
+              <a:t>. Markdown is a lightweight text markup language created for formatting rich text with a plain text editor. GitHub has their own formal implementation of markdown called GitHub-Flavored Markdown. Many different online sites use markdown for their content, including GitHub, GitLab, Reddit, Stack Exchange, </a:t>
+            </a:r>
+            <a:r>
+              <a:rPr lang="en-US" sz="1200" dirty="0" err="1">
+                <a:effectLst/>
+                <a:latin typeface="Aptos" panose="020B0004020202020204" pitchFamily="34" charset="0"/>
+                <a:ea typeface="Aptos" panose="020B0004020202020204" pitchFamily="34" charset="0"/>
+                <a:cs typeface="Times New Roman" panose="02020603050405020304" pitchFamily="18" charset="0"/>
+              </a:rPr>
+              <a:t>BitBucket</a:t>
+            </a:r>
+            <a:r>
+              <a:rPr lang="en-US" sz="1200" dirty="0">
+                <a:effectLst/>
+                <a:latin typeface="Aptos" panose="020B0004020202020204" pitchFamily="34" charset="0"/>
+                <a:ea typeface="Aptos" panose="020B0004020202020204" pitchFamily="34" charset="0"/>
+                <a:cs typeface="Times New Roman" panose="02020603050405020304" pitchFamily="18" charset="0"/>
+              </a:rPr>
+              <a:t>, Drupal, and more. Even Microsoft Teams allows some basic markdown in chat.</a:t>
+            </a:r>
+          </a:p>
+          <a:p>
+            <a:pPr marL="0" marR="0">
+              <a:lnSpc>
+                <a:spcPct val="107000"/>
+              </a:lnSpc>
+              <a:spcBef>
+                <a:spcPts val="0"/>
+              </a:spcBef>
+              <a:spcAft>
+                <a:spcPts val="800"/>
+              </a:spcAft>
+            </a:pPr>
+            <a:endParaRPr lang="en-US" sz="1200" dirty="0">
+              <a:effectLst/>
+              <a:latin typeface="Aptos" panose="020B0004020202020204" pitchFamily="34" charset="0"/>
+              <a:ea typeface="Aptos" panose="020B0004020202020204" pitchFamily="34" charset="0"/>
+              <a:cs typeface="Times New Roman" panose="02020603050405020304" pitchFamily="18" charset="0"/>
+            </a:endParaRPr>
+          </a:p>
+          <a:p>
+            <a:pPr marL="0" marR="0">
+              <a:lnSpc>
+                <a:spcPct val="107000"/>
+              </a:lnSpc>
+              <a:spcBef>
+                <a:spcPts val="0"/>
+              </a:spcBef>
+              <a:spcAft>
+                <a:spcPts val="800"/>
+              </a:spcAft>
+            </a:pPr>
+            <a:r>
+              <a:rPr lang="en-US" sz="1200" dirty="0">
+                <a:effectLst/>
+                <a:latin typeface="Aptos" panose="020B0004020202020204" pitchFamily="34" charset="0"/>
+                <a:ea typeface="Aptos" panose="020B0004020202020204" pitchFamily="34" charset="0"/>
+                <a:cs typeface="Times New Roman" panose="02020603050405020304" pitchFamily="18" charset="0"/>
+              </a:rPr>
+              <a:t>Make your changes here in the text box. If you’re not familiar with markdown, it’s easy to understand once you get rolling, and don’t worry about your PR being perfect. The Content Team will always review your content submission and potentially tweak it to Microsoft standards before it is merged. There are plenty of resources online for basic markdown syntax, but if you don’t get something quite right, don’t sweat it.</a:t>
+            </a:r>
+          </a:p>
+          <a:p>
+            <a:pPr marL="0" marR="0">
+              <a:lnSpc>
+                <a:spcPct val="107000"/>
+              </a:lnSpc>
+              <a:spcBef>
+                <a:spcPts val="0"/>
+              </a:spcBef>
+              <a:spcAft>
+                <a:spcPts val="800"/>
+              </a:spcAft>
+            </a:pPr>
+            <a:endParaRPr lang="en-US" sz="1200" dirty="0">
+              <a:effectLst/>
+              <a:latin typeface="Aptos" panose="020B0004020202020204" pitchFamily="34" charset="0"/>
+              <a:ea typeface="Aptos" panose="020B0004020202020204" pitchFamily="34" charset="0"/>
+              <a:cs typeface="Times New Roman" panose="02020603050405020304" pitchFamily="18" charset="0"/>
+            </a:endParaRPr>
+          </a:p>
+          <a:p>
+            <a:pPr marL="0" marR="0">
+              <a:lnSpc>
+                <a:spcPct val="107000"/>
+              </a:lnSpc>
+              <a:spcBef>
+                <a:spcPts val="0"/>
+              </a:spcBef>
+              <a:spcAft>
+                <a:spcPts val="800"/>
+              </a:spcAft>
+            </a:pPr>
+            <a:r>
+              <a:rPr lang="en-US" sz="1200" dirty="0">
+                <a:effectLst/>
+                <a:latin typeface="Aptos" panose="020B0004020202020204" pitchFamily="34" charset="0"/>
+                <a:ea typeface="Aptos" panose="020B0004020202020204" pitchFamily="34" charset="0"/>
+                <a:cs typeface="Times New Roman" panose="02020603050405020304" pitchFamily="18" charset="0"/>
+              </a:rPr>
+              <a:t>You can use the Preview changes feature to preview the raw markdown formatting.</a:t>
+            </a:r>
+          </a:p>
+          <a:p>
+            <a:pPr marL="0" marR="0">
+              <a:lnSpc>
+                <a:spcPct val="107000"/>
+              </a:lnSpc>
+              <a:spcBef>
+                <a:spcPts val="0"/>
+              </a:spcBef>
+              <a:spcAft>
+                <a:spcPts val="800"/>
+              </a:spcAft>
+            </a:pPr>
+            <a:endParaRPr lang="en-US" sz="1200" dirty="0">
+              <a:effectLst/>
+              <a:latin typeface="Aptos" panose="020B0004020202020204" pitchFamily="34" charset="0"/>
+              <a:ea typeface="Aptos" panose="020B0004020202020204" pitchFamily="34" charset="0"/>
+              <a:cs typeface="Times New Roman" panose="02020603050405020304" pitchFamily="18" charset="0"/>
+            </a:endParaRPr>
+          </a:p>
+          <a:p>
+            <a:pPr marL="0" marR="0">
+              <a:lnSpc>
+                <a:spcPct val="107000"/>
+              </a:lnSpc>
+              <a:spcBef>
+                <a:spcPts val="0"/>
+              </a:spcBef>
+              <a:spcAft>
+                <a:spcPts val="800"/>
+              </a:spcAft>
+            </a:pPr>
+            <a:r>
+              <a:rPr lang="en-US" sz="1200" dirty="0">
+                <a:effectLst/>
+                <a:latin typeface="Aptos" panose="020B0004020202020204" pitchFamily="34" charset="0"/>
+                <a:ea typeface="Aptos" panose="020B0004020202020204" pitchFamily="34" charset="0"/>
+                <a:cs typeface="Times New Roman" panose="02020603050405020304" pitchFamily="18" charset="0"/>
+              </a:rPr>
+              <a:t>Once you’ve made changes, scroll to the bottom. Here you can propose changes by committing your changes to your own branch.</a:t>
+            </a:r>
+          </a:p>
+          <a:p>
+            <a:pPr marL="0" marR="0">
+              <a:lnSpc>
+                <a:spcPct val="107000"/>
+              </a:lnSpc>
+              <a:spcBef>
+                <a:spcPts val="0"/>
+              </a:spcBef>
+              <a:spcAft>
+                <a:spcPts val="800"/>
+              </a:spcAft>
+            </a:pPr>
+            <a:endParaRPr lang="en-US" sz="1200" dirty="0">
+              <a:effectLst/>
+              <a:latin typeface="Aptos" panose="020B0004020202020204" pitchFamily="34" charset="0"/>
+              <a:ea typeface="Aptos" panose="020B0004020202020204" pitchFamily="34" charset="0"/>
+              <a:cs typeface="Times New Roman" panose="02020603050405020304" pitchFamily="18" charset="0"/>
+            </a:endParaRPr>
+          </a:p>
+          <a:p>
+            <a:pPr marL="0" marR="0">
+              <a:lnSpc>
+                <a:spcPct val="107000"/>
+              </a:lnSpc>
+              <a:spcBef>
+                <a:spcPts val="0"/>
+              </a:spcBef>
+              <a:spcAft>
+                <a:spcPts val="800"/>
+              </a:spcAft>
+            </a:pPr>
+            <a:r>
+              <a:rPr lang="en-US" sz="1200" dirty="0">
+                <a:effectLst/>
+                <a:latin typeface="Aptos" panose="020B0004020202020204" pitchFamily="34" charset="0"/>
+                <a:ea typeface="Aptos" panose="020B0004020202020204" pitchFamily="34" charset="0"/>
+                <a:cs typeface="Times New Roman" panose="02020603050405020304" pitchFamily="18" charset="0"/>
+              </a:rPr>
+              <a:t>Enter your PR title and comments. Include why you’re proposing the changes and if you have any specific parts of the changes that you’d like feedback on.</a:t>
+            </a:r>
+          </a:p>
+          <a:p>
+            <a:pPr marL="0" marR="0">
+              <a:lnSpc>
+                <a:spcPct val="107000"/>
+              </a:lnSpc>
+              <a:spcBef>
+                <a:spcPts val="0"/>
+              </a:spcBef>
+              <a:spcAft>
+                <a:spcPts val="800"/>
+              </a:spcAft>
+            </a:pPr>
+            <a:endParaRPr lang="en-US" sz="1200" dirty="0">
+              <a:effectLst/>
+              <a:latin typeface="Aptos" panose="020B0004020202020204" pitchFamily="34" charset="0"/>
+              <a:ea typeface="Aptos" panose="020B0004020202020204" pitchFamily="34" charset="0"/>
+              <a:cs typeface="Times New Roman" panose="02020603050405020304" pitchFamily="18" charset="0"/>
+            </a:endParaRPr>
+          </a:p>
+          <a:p>
+            <a:pPr marL="0" marR="0">
+              <a:lnSpc>
+                <a:spcPct val="107000"/>
+              </a:lnSpc>
+              <a:spcBef>
+                <a:spcPts val="0"/>
+              </a:spcBef>
+              <a:spcAft>
+                <a:spcPts val="800"/>
+              </a:spcAft>
+            </a:pPr>
+            <a:r>
+              <a:rPr lang="en-US" sz="1200" dirty="0">
+                <a:effectLst/>
+                <a:latin typeface="Aptos" panose="020B0004020202020204" pitchFamily="34" charset="0"/>
+                <a:ea typeface="Aptos" panose="020B0004020202020204" pitchFamily="34" charset="0"/>
+                <a:cs typeface="Times New Roman" panose="02020603050405020304" pitchFamily="18" charset="0"/>
+              </a:rPr>
+              <a:t>If you’re not familiar with GitHub terminology like pull requests, don’t worry, you don’t have to be! Once you click the green “Propose changes” button, we’ll take it from here and keep you updated as your new Pull Request moves through the process.</a:t>
+            </a:r>
+          </a:p>
+          <a:p>
+            <a:pPr marL="0" marR="0">
+              <a:lnSpc>
+                <a:spcPct val="107000"/>
+              </a:lnSpc>
+              <a:spcBef>
+                <a:spcPts val="0"/>
+              </a:spcBef>
+              <a:spcAft>
+                <a:spcPts val="800"/>
+              </a:spcAft>
+            </a:pPr>
+            <a:endParaRPr lang="en-US" sz="1200" dirty="0">
+              <a:effectLst/>
+              <a:latin typeface="Aptos" panose="020B0004020202020204" pitchFamily="34" charset="0"/>
+              <a:ea typeface="Aptos" panose="020B0004020202020204" pitchFamily="34" charset="0"/>
+              <a:cs typeface="Times New Roman" panose="02020603050405020304" pitchFamily="18" charset="0"/>
+            </a:endParaRPr>
+          </a:p>
+          <a:p>
+            <a:pPr marL="0" marR="0">
+              <a:lnSpc>
+                <a:spcPct val="107000"/>
+              </a:lnSpc>
+              <a:spcBef>
+                <a:spcPts val="0"/>
+              </a:spcBef>
+              <a:spcAft>
+                <a:spcPts val="800"/>
+              </a:spcAft>
+            </a:pPr>
+            <a:r>
+              <a:rPr lang="en-US" sz="1200" dirty="0">
+                <a:effectLst/>
+                <a:latin typeface="Aptos" panose="020B0004020202020204" pitchFamily="34" charset="0"/>
+                <a:ea typeface="Aptos" panose="020B0004020202020204" pitchFamily="34" charset="0"/>
+                <a:cs typeface="Times New Roman" panose="02020603050405020304" pitchFamily="18" charset="0"/>
+              </a:rPr>
+              <a:t>Your changes to the markdown file will be proposed for merge, triaged, and reviewed by the article’s author (or current owner) and potentially additional reviewers. The content team for the article takes it from there, replies in the PR comments, makes further edits if necessary, and eventually decide whether to merge your changes. You’ll be notified with feedback directly from one of us on the content team.</a:t>
+            </a:r>
+          </a:p>
+          <a:p>
+            <a:pPr marL="0" marR="0">
+              <a:lnSpc>
+                <a:spcPct val="107000"/>
+              </a:lnSpc>
+              <a:spcBef>
+                <a:spcPts val="0"/>
+              </a:spcBef>
+              <a:spcAft>
+                <a:spcPts val="800"/>
+              </a:spcAft>
+            </a:pPr>
+            <a:endParaRPr lang="en-US" sz="1200" dirty="0">
+              <a:effectLst/>
+              <a:latin typeface="Aptos" panose="020B0004020202020204" pitchFamily="34" charset="0"/>
+              <a:ea typeface="Aptos" panose="020B0004020202020204" pitchFamily="34" charset="0"/>
+              <a:cs typeface="Times New Roman" panose="02020603050405020304" pitchFamily="18" charset="0"/>
+            </a:endParaRPr>
+          </a:p>
+          <a:p>
+            <a:pPr marL="0" marR="0">
+              <a:lnSpc>
+                <a:spcPct val="107000"/>
+              </a:lnSpc>
+              <a:spcBef>
+                <a:spcPts val="0"/>
+              </a:spcBef>
+              <a:spcAft>
+                <a:spcPts val="800"/>
+              </a:spcAft>
+            </a:pPr>
+            <a:r>
+              <a:rPr lang="en-US" sz="1200" dirty="0">
+                <a:effectLst/>
+                <a:latin typeface="Aptos" panose="020B0004020202020204" pitchFamily="34" charset="0"/>
+                <a:ea typeface="Aptos" panose="020B0004020202020204" pitchFamily="34" charset="0"/>
+                <a:cs typeface="Times New Roman" panose="02020603050405020304" pitchFamily="18" charset="0"/>
+              </a:rPr>
+              <a:t>Again, you can do all this if you want through your own tooling, to create your own fork, branch, commits, push your changes, and create a PR. That’s what writers on the Content Teams do every day. But if you want to just use GitHub to handle the entire process for you, it’s much easier for simple changes.</a:t>
+            </a:r>
+          </a:p>
+          <a:p>
+            <a:pPr marL="0" marR="0">
+              <a:lnSpc>
+                <a:spcPct val="107000"/>
+              </a:lnSpc>
+              <a:spcBef>
+                <a:spcPts val="0"/>
+              </a:spcBef>
+              <a:spcAft>
+                <a:spcPts val="800"/>
+              </a:spcAft>
+            </a:pPr>
+            <a:endParaRPr lang="en-US" sz="1200" dirty="0">
+              <a:effectLst/>
+              <a:latin typeface="Aptos" panose="020B0004020202020204" pitchFamily="34" charset="0"/>
+              <a:ea typeface="Aptos" panose="020B0004020202020204" pitchFamily="34" charset="0"/>
+              <a:cs typeface="Times New Roman" panose="02020603050405020304" pitchFamily="18" charset="0"/>
+            </a:endParaRPr>
+          </a:p>
+          <a:p>
+            <a:pPr marL="0" marR="0">
+              <a:lnSpc>
+                <a:spcPct val="107000"/>
+              </a:lnSpc>
+              <a:spcBef>
+                <a:spcPts val="0"/>
+              </a:spcBef>
+              <a:spcAft>
+                <a:spcPts val="800"/>
+              </a:spcAft>
+            </a:pPr>
+            <a:r>
+              <a:rPr lang="en-US" sz="1200" dirty="0">
+                <a:effectLst/>
+                <a:latin typeface="Aptos" panose="020B0004020202020204" pitchFamily="34" charset="0"/>
+                <a:ea typeface="Aptos" panose="020B0004020202020204" pitchFamily="34" charset="0"/>
+                <a:cs typeface="Times New Roman" panose="02020603050405020304" pitchFamily="18" charset="0"/>
+              </a:rPr>
+              <a:t>Here’s what it looks like after you’ve submitted your pull request.</a:t>
+            </a:r>
+          </a:p>
+          <a:p>
+            <a:pPr marL="0" marR="0">
+              <a:lnSpc>
+                <a:spcPct val="107000"/>
+              </a:lnSpc>
+              <a:spcBef>
+                <a:spcPts val="0"/>
+              </a:spcBef>
+              <a:spcAft>
+                <a:spcPts val="800"/>
+              </a:spcAft>
+            </a:pPr>
+            <a:endParaRPr lang="en-US" sz="1200" dirty="0">
+              <a:effectLst/>
+              <a:latin typeface="Aptos" panose="020B0004020202020204" pitchFamily="34" charset="0"/>
+              <a:ea typeface="Aptos" panose="020B0004020202020204" pitchFamily="34" charset="0"/>
+              <a:cs typeface="Times New Roman" panose="02020603050405020304" pitchFamily="18" charset="0"/>
+            </a:endParaRPr>
+          </a:p>
+          <a:p>
+            <a:pPr marL="0" marR="0">
+              <a:lnSpc>
+                <a:spcPct val="107000"/>
+              </a:lnSpc>
+              <a:spcBef>
+                <a:spcPts val="0"/>
+              </a:spcBef>
+              <a:spcAft>
+                <a:spcPts val="800"/>
+              </a:spcAft>
+            </a:pPr>
+            <a:r>
+              <a:rPr lang="en-US" sz="1200" dirty="0">
+                <a:effectLst/>
+                <a:latin typeface="Aptos" panose="020B0004020202020204" pitchFamily="34" charset="0"/>
+                <a:ea typeface="Aptos" panose="020B0004020202020204" pitchFamily="34" charset="0"/>
+                <a:cs typeface="Times New Roman" panose="02020603050405020304" pitchFamily="18" charset="0"/>
+              </a:rPr>
+              <a:t>Your PR will start in an Open status. We can look at one that is already Merged. Once it’s merged, it’s been accepted and soon will be </a:t>
+            </a:r>
+            <a:r>
+              <a:rPr lang="en-US" sz="1200" dirty="0" err="1">
+                <a:effectLst/>
+                <a:latin typeface="Aptos" panose="020B0004020202020204" pitchFamily="34" charset="0"/>
+                <a:ea typeface="Aptos" panose="020B0004020202020204" pitchFamily="34" charset="0"/>
+                <a:cs typeface="Times New Roman" panose="02020603050405020304" pitchFamily="18" charset="0"/>
+              </a:rPr>
+              <a:t>sync’ed</a:t>
+            </a:r>
+            <a:r>
+              <a:rPr lang="en-US" sz="1200" dirty="0">
+                <a:effectLst/>
+                <a:latin typeface="Aptos" panose="020B0004020202020204" pitchFamily="34" charset="0"/>
+                <a:ea typeface="Aptos" panose="020B0004020202020204" pitchFamily="34" charset="0"/>
+                <a:cs typeface="Times New Roman" panose="02020603050405020304" pitchFamily="18" charset="0"/>
+              </a:rPr>
+              <a:t> to the production repo and deployed.</a:t>
+            </a:r>
+          </a:p>
+          <a:p>
+            <a:pPr marL="0" marR="0">
+              <a:lnSpc>
+                <a:spcPct val="107000"/>
+              </a:lnSpc>
+              <a:spcBef>
+                <a:spcPts val="0"/>
+              </a:spcBef>
+              <a:spcAft>
+                <a:spcPts val="800"/>
+              </a:spcAft>
+            </a:pPr>
+            <a:endParaRPr lang="en-US" sz="1200" dirty="0">
+              <a:effectLst/>
+              <a:latin typeface="Aptos" panose="020B0004020202020204" pitchFamily="34" charset="0"/>
+              <a:ea typeface="Aptos" panose="020B0004020202020204" pitchFamily="34" charset="0"/>
+              <a:cs typeface="Times New Roman" panose="02020603050405020304" pitchFamily="18" charset="0"/>
+            </a:endParaRPr>
+          </a:p>
+          <a:p>
+            <a:pPr marL="0" marR="0">
+              <a:lnSpc>
+                <a:spcPct val="107000"/>
+              </a:lnSpc>
+              <a:spcBef>
+                <a:spcPts val="0"/>
+              </a:spcBef>
+              <a:spcAft>
+                <a:spcPts val="800"/>
+              </a:spcAft>
+            </a:pPr>
+            <a:r>
+              <a:rPr lang="en-US" sz="1200" dirty="0">
+                <a:effectLst/>
+                <a:latin typeface="Aptos" panose="020B0004020202020204" pitchFamily="34" charset="0"/>
+                <a:ea typeface="Aptos" panose="020B0004020202020204" pitchFamily="34" charset="0"/>
+                <a:cs typeface="Times New Roman" panose="02020603050405020304" pitchFamily="18" charset="0"/>
+              </a:rPr>
+              <a:t>You can see what GitHub did for you was to automatically in the background create a fork, create a branch in the user’s name. So, we would have a branch named something like username colon patch-399 as the name of the working branch in the user’s repository.</a:t>
+            </a:r>
+          </a:p>
+          <a:p>
+            <a:pPr marL="0" marR="0">
+              <a:lnSpc>
+                <a:spcPct val="107000"/>
+              </a:lnSpc>
+              <a:spcBef>
+                <a:spcPts val="0"/>
+              </a:spcBef>
+              <a:spcAft>
+                <a:spcPts val="800"/>
+              </a:spcAft>
+            </a:pPr>
+            <a:endParaRPr lang="en-US" sz="1200" dirty="0">
+              <a:effectLst/>
+              <a:latin typeface="Aptos" panose="020B0004020202020204" pitchFamily="34" charset="0"/>
+              <a:ea typeface="Aptos" panose="020B0004020202020204" pitchFamily="34" charset="0"/>
+              <a:cs typeface="Times New Roman" panose="02020603050405020304" pitchFamily="18" charset="0"/>
+            </a:endParaRPr>
+          </a:p>
+          <a:p>
+            <a:pPr marL="0" marR="0">
+              <a:lnSpc>
+                <a:spcPct val="107000"/>
+              </a:lnSpc>
+              <a:spcBef>
+                <a:spcPts val="0"/>
+              </a:spcBef>
+              <a:spcAft>
+                <a:spcPts val="800"/>
+              </a:spcAft>
+            </a:pPr>
+            <a:r>
+              <a:rPr lang="en-US" sz="1200" dirty="0">
+                <a:effectLst/>
+                <a:latin typeface="Aptos" panose="020B0004020202020204" pitchFamily="34" charset="0"/>
+                <a:ea typeface="Aptos" panose="020B0004020202020204" pitchFamily="34" charset="0"/>
+                <a:cs typeface="Times New Roman" panose="02020603050405020304" pitchFamily="18" charset="0"/>
+              </a:rPr>
+              <a:t>The pull request includes the commit, which is in the PR log. Pull Requests can potentially include many commits for multiple files.</a:t>
+            </a:r>
+          </a:p>
+          <a:p>
+            <a:pPr marL="0" marR="0">
+              <a:lnSpc>
+                <a:spcPct val="107000"/>
+              </a:lnSpc>
+              <a:spcBef>
+                <a:spcPts val="0"/>
+              </a:spcBef>
+              <a:spcAft>
+                <a:spcPts val="800"/>
+              </a:spcAft>
+            </a:pPr>
+            <a:endParaRPr lang="en-US" sz="1200" dirty="0">
+              <a:effectLst/>
+              <a:latin typeface="Aptos" panose="020B0004020202020204" pitchFamily="34" charset="0"/>
+              <a:ea typeface="Aptos" panose="020B0004020202020204" pitchFamily="34" charset="0"/>
+              <a:cs typeface="Times New Roman" panose="02020603050405020304" pitchFamily="18" charset="0"/>
+            </a:endParaRPr>
+          </a:p>
+          <a:p>
+            <a:pPr marL="0" marR="0">
+              <a:lnSpc>
+                <a:spcPct val="107000"/>
+              </a:lnSpc>
+              <a:spcBef>
+                <a:spcPts val="0"/>
+              </a:spcBef>
+              <a:spcAft>
+                <a:spcPts val="800"/>
+              </a:spcAft>
+            </a:pPr>
+            <a:r>
+              <a:rPr lang="en-US" sz="1200" dirty="0">
+                <a:effectLst/>
+                <a:latin typeface="Aptos" panose="020B0004020202020204" pitchFamily="34" charset="0"/>
+                <a:ea typeface="Aptos" panose="020B0004020202020204" pitchFamily="34" charset="0"/>
+                <a:cs typeface="Times New Roman" panose="02020603050405020304" pitchFamily="18" charset="0"/>
+              </a:rPr>
+              <a:t>The PR log contains both automated and manually created messages, automation for the merge engines, all commits, and conversation and notes from anyone assigned. Eventually, someone on the content team may sign off on the change and have it merged, and you’ll see those comments too. You’ll receive an email anytime anyone uses your username with an @ symbol, and you can respond in conversation at the bottom here with the comment button.</a:t>
+            </a:r>
+          </a:p>
+          <a:p>
+            <a:pPr marL="0" marR="0">
+              <a:lnSpc>
+                <a:spcPct val="107000"/>
+              </a:lnSpc>
+              <a:spcBef>
+                <a:spcPts val="0"/>
+              </a:spcBef>
+              <a:spcAft>
+                <a:spcPts val="800"/>
+              </a:spcAft>
+            </a:pPr>
+            <a:endParaRPr lang="en-US" sz="1200" dirty="0">
+              <a:effectLst/>
+              <a:latin typeface="Aptos" panose="020B0004020202020204" pitchFamily="34" charset="0"/>
+              <a:ea typeface="Aptos" panose="020B0004020202020204" pitchFamily="34" charset="0"/>
+              <a:cs typeface="Times New Roman" panose="02020603050405020304" pitchFamily="18" charset="0"/>
+            </a:endParaRPr>
+          </a:p>
+          <a:p>
+            <a:pPr marL="0" marR="0">
+              <a:lnSpc>
+                <a:spcPct val="107000"/>
+              </a:lnSpc>
+              <a:spcBef>
+                <a:spcPts val="0"/>
+              </a:spcBef>
+              <a:spcAft>
+                <a:spcPts val="800"/>
+              </a:spcAft>
+            </a:pPr>
+            <a:r>
+              <a:rPr lang="en-US" sz="1200" dirty="0">
+                <a:effectLst/>
+                <a:latin typeface="Aptos" panose="020B0004020202020204" pitchFamily="34" charset="0"/>
+                <a:ea typeface="Aptos" panose="020B0004020202020204" pitchFamily="34" charset="0"/>
+                <a:cs typeface="Times New Roman" panose="02020603050405020304" pitchFamily="18" charset="0"/>
+              </a:rPr>
+              <a:t>After your PR is created, both you and Microsoft can review the changes you’re suggesting in the Pull Request.</a:t>
+            </a:r>
+          </a:p>
+          <a:p>
+            <a:pPr marL="0" marR="0">
+              <a:lnSpc>
+                <a:spcPct val="107000"/>
+              </a:lnSpc>
+              <a:spcBef>
+                <a:spcPts val="0"/>
+              </a:spcBef>
+              <a:spcAft>
+                <a:spcPts val="800"/>
+              </a:spcAft>
+            </a:pPr>
+            <a:endParaRPr lang="en-US" sz="1200" dirty="0">
+              <a:effectLst/>
+              <a:latin typeface="Aptos" panose="020B0004020202020204" pitchFamily="34" charset="0"/>
+              <a:ea typeface="Aptos" panose="020B0004020202020204" pitchFamily="34" charset="0"/>
+              <a:cs typeface="Times New Roman" panose="02020603050405020304" pitchFamily="18" charset="0"/>
+            </a:endParaRPr>
+          </a:p>
+          <a:p>
+            <a:pPr marL="0" marR="0">
+              <a:lnSpc>
+                <a:spcPct val="107000"/>
+              </a:lnSpc>
+              <a:spcBef>
+                <a:spcPts val="0"/>
+              </a:spcBef>
+              <a:spcAft>
+                <a:spcPts val="800"/>
+              </a:spcAft>
+            </a:pPr>
+            <a:r>
+              <a:rPr lang="en-US" sz="1200" dirty="0">
+                <a:effectLst/>
+                <a:latin typeface="Aptos" panose="020B0004020202020204" pitchFamily="34" charset="0"/>
+                <a:ea typeface="Aptos" panose="020B0004020202020204" pitchFamily="34" charset="0"/>
+                <a:cs typeface="Times New Roman" panose="02020603050405020304" pitchFamily="18" charset="0"/>
+              </a:rPr>
+              <a:t>Click on the “Files Changed” tab to see an in-browser diff. Red is the old code line, green is the new, and the changed characters are highlighted.</a:t>
+            </a:r>
+          </a:p>
+          <a:p>
+            <a:pPr marL="0" marR="0">
+              <a:lnSpc>
+                <a:spcPct val="107000"/>
+              </a:lnSpc>
+              <a:spcBef>
+                <a:spcPts val="0"/>
+              </a:spcBef>
+              <a:spcAft>
+                <a:spcPts val="800"/>
+              </a:spcAft>
+            </a:pPr>
+            <a:endParaRPr lang="en-US" sz="1200" dirty="0">
+              <a:effectLst/>
+              <a:latin typeface="Aptos" panose="020B0004020202020204" pitchFamily="34" charset="0"/>
+              <a:ea typeface="Aptos" panose="020B0004020202020204" pitchFamily="34" charset="0"/>
+              <a:cs typeface="Times New Roman" panose="02020603050405020304" pitchFamily="18" charset="0"/>
+            </a:endParaRPr>
+          </a:p>
+          <a:p>
+            <a:pPr marL="0" marR="0">
+              <a:lnSpc>
+                <a:spcPct val="107000"/>
+              </a:lnSpc>
+              <a:spcBef>
+                <a:spcPts val="0"/>
+              </a:spcBef>
+              <a:spcAft>
+                <a:spcPts val="800"/>
+              </a:spcAft>
+            </a:pPr>
+            <a:r>
+              <a:rPr lang="en-US" sz="1200" dirty="0">
+                <a:effectLst/>
+                <a:latin typeface="Aptos" panose="020B0004020202020204" pitchFamily="34" charset="0"/>
+                <a:ea typeface="Aptos" panose="020B0004020202020204" pitchFamily="34" charset="0"/>
+                <a:cs typeface="Times New Roman" panose="02020603050405020304" pitchFamily="18" charset="0"/>
+              </a:rPr>
+              <a:t>In fact, you may find creating a GitHub Pull Request easier than creating a Git Issue. If you’re trying to describe how something should change, simply making the change yourself is sometimes easier than trying to describe the issue accurately and clearly. You'll still want to provide a description of why you're making the changes.</a:t>
+            </a:r>
+          </a:p>
+          <a:p>
+            <a:pPr marL="0" marR="0">
+              <a:lnSpc>
+                <a:spcPct val="107000"/>
+              </a:lnSpc>
+              <a:spcBef>
+                <a:spcPts val="0"/>
+              </a:spcBef>
+              <a:spcAft>
+                <a:spcPts val="800"/>
+              </a:spcAft>
+            </a:pPr>
+            <a:endParaRPr lang="en-US" sz="1200" dirty="0">
+              <a:effectLst/>
+              <a:latin typeface="Aptos" panose="020B0004020202020204" pitchFamily="34" charset="0"/>
+              <a:ea typeface="Aptos" panose="020B0004020202020204" pitchFamily="34" charset="0"/>
+              <a:cs typeface="Times New Roman" panose="02020603050405020304" pitchFamily="18" charset="0"/>
+            </a:endParaRPr>
+          </a:p>
+          <a:p>
+            <a:pPr marL="0" marR="0">
+              <a:lnSpc>
+                <a:spcPct val="107000"/>
+              </a:lnSpc>
+              <a:spcBef>
+                <a:spcPts val="0"/>
+              </a:spcBef>
+              <a:spcAft>
+                <a:spcPts val="800"/>
+              </a:spcAft>
+            </a:pPr>
+            <a:r>
+              <a:rPr lang="en-US" sz="1200" dirty="0">
+                <a:effectLst/>
+                <a:latin typeface="Aptos" panose="020B0004020202020204" pitchFamily="34" charset="0"/>
+                <a:ea typeface="Aptos" panose="020B0004020202020204" pitchFamily="34" charset="0"/>
+                <a:cs typeface="Times New Roman" panose="02020603050405020304" pitchFamily="18" charset="0"/>
+              </a:rPr>
+              <a:t>If you still want to make more changes to the file, you can issue another commit to the pull request, simply click on the three dots icon here and click Edit file. Edit the same file or other files in your working branch, then you can submit another commit to the same branch, and it will be included in the same open pull request.</a:t>
+            </a:r>
+          </a:p>
+          <a:p>
+            <a:pPr marL="0" marR="0">
+              <a:lnSpc>
+                <a:spcPct val="107000"/>
+              </a:lnSpc>
+              <a:spcBef>
+                <a:spcPts val="0"/>
+              </a:spcBef>
+              <a:spcAft>
+                <a:spcPts val="800"/>
+              </a:spcAft>
+            </a:pPr>
+            <a:endParaRPr lang="en-US" sz="1200" dirty="0">
+              <a:effectLst/>
+              <a:latin typeface="Aptos" panose="020B0004020202020204" pitchFamily="34" charset="0"/>
+              <a:ea typeface="Aptos" panose="020B0004020202020204" pitchFamily="34" charset="0"/>
+              <a:cs typeface="Times New Roman" panose="02020603050405020304" pitchFamily="18" charset="0"/>
+            </a:endParaRPr>
+          </a:p>
+          <a:p>
+            <a:pPr marL="0" marR="0">
+              <a:lnSpc>
+                <a:spcPct val="107000"/>
+              </a:lnSpc>
+              <a:spcBef>
+                <a:spcPts val="0"/>
+              </a:spcBef>
+              <a:spcAft>
+                <a:spcPts val="800"/>
+              </a:spcAft>
+            </a:pPr>
+            <a:r>
+              <a:rPr lang="en-US" sz="1200" dirty="0">
+                <a:effectLst/>
+                <a:latin typeface="Aptos" panose="020B0004020202020204" pitchFamily="34" charset="0"/>
+                <a:ea typeface="Aptos" panose="020B0004020202020204" pitchFamily="34" charset="0"/>
+                <a:cs typeface="Times New Roman" panose="02020603050405020304" pitchFamily="18" charset="0"/>
+              </a:rPr>
+              <a:t>After you’ve submitted your PR and you’re happy with the changes, you can sit back. We’ve got it from here and will let you know if we have more questions or a status update.</a:t>
+            </a:r>
+          </a:p>
+          <a:p>
+            <a:pPr marL="0" marR="0">
+              <a:lnSpc>
+                <a:spcPct val="107000"/>
+              </a:lnSpc>
+              <a:spcBef>
+                <a:spcPts val="0"/>
+              </a:spcBef>
+              <a:spcAft>
+                <a:spcPts val="800"/>
+              </a:spcAft>
+            </a:pPr>
+            <a:endParaRPr lang="en-US" sz="1200" dirty="0">
+              <a:effectLst/>
+              <a:latin typeface="Aptos" panose="020B0004020202020204" pitchFamily="34" charset="0"/>
+              <a:ea typeface="Aptos" panose="020B0004020202020204" pitchFamily="34" charset="0"/>
+              <a:cs typeface="Times New Roman" panose="02020603050405020304" pitchFamily="18" charset="0"/>
+            </a:endParaRPr>
+          </a:p>
+          <a:p>
+            <a:pPr marL="0" marR="0">
+              <a:lnSpc>
+                <a:spcPct val="107000"/>
+              </a:lnSpc>
+              <a:spcBef>
+                <a:spcPts val="0"/>
+              </a:spcBef>
+              <a:spcAft>
+                <a:spcPts val="800"/>
+              </a:spcAft>
+            </a:pPr>
+            <a:r>
+              <a:rPr lang="en-US" sz="1200" dirty="0">
+                <a:effectLst/>
+                <a:latin typeface="Aptos" panose="020B0004020202020204" pitchFamily="34" charset="0"/>
+                <a:ea typeface="Aptos" panose="020B0004020202020204" pitchFamily="34" charset="0"/>
+                <a:cs typeface="Times New Roman" panose="02020603050405020304" pitchFamily="18" charset="0"/>
+              </a:rPr>
+              <a:t>You can also use GitHub to contribute edits to others’ work. In the Files Changed tab of a PR, where you’re reviewing the line-by-line changes, click the blue plus button on any line number of changed code. You can make comments and start discussion on any changed line. You can also make suggestions, directly in line! Click the “Add a suggestion” button that looks like a plus-minus box. Now you’re editing the line or lines you’ve selected with the blue plus button. You can then submit this change to the actual author as a single comment, or you can click the green “Start a review” button to make many different suggestions and comments and submit them all at once. You can even use this on your own PRs to discuss changes and comments with your reviewers and make commits in-line. You might see us making suggestions or changes this way too.</a:t>
+            </a:r>
+          </a:p>
+          <a:p>
+            <a:pPr marL="0" marR="0">
+              <a:lnSpc>
+                <a:spcPct val="107000"/>
+              </a:lnSpc>
+              <a:spcBef>
+                <a:spcPts val="0"/>
+              </a:spcBef>
+              <a:spcAft>
+                <a:spcPts val="800"/>
+              </a:spcAft>
+            </a:pPr>
+            <a:endParaRPr lang="en-US" sz="1200" dirty="0">
+              <a:effectLst/>
+              <a:latin typeface="Aptos" panose="020B0004020202020204" pitchFamily="34" charset="0"/>
+              <a:ea typeface="Aptos" panose="020B0004020202020204" pitchFamily="34" charset="0"/>
+              <a:cs typeface="Times New Roman" panose="02020603050405020304" pitchFamily="18" charset="0"/>
+            </a:endParaRPr>
+          </a:p>
+          <a:p>
+            <a:pPr marL="0" marR="0">
+              <a:lnSpc>
+                <a:spcPct val="107000"/>
+              </a:lnSpc>
+              <a:spcBef>
+                <a:spcPts val="0"/>
+              </a:spcBef>
+              <a:spcAft>
+                <a:spcPts val="800"/>
+              </a:spcAft>
+            </a:pPr>
+            <a:r>
+              <a:rPr lang="en-US" sz="1200" dirty="0">
+                <a:effectLst/>
+                <a:latin typeface="Aptos" panose="020B0004020202020204" pitchFamily="34" charset="0"/>
+                <a:ea typeface="Aptos" panose="020B0004020202020204" pitchFamily="34" charset="0"/>
+                <a:cs typeface="Times New Roman" panose="02020603050405020304" pitchFamily="18" charset="0"/>
+              </a:rPr>
+              <a:t>All this makes it easy to collaborate with doc authors and reviewers entirely within GitHub.</a:t>
+            </a:r>
           </a:p>
         </p:txBody>
       </p:sp>
     </p:spTree>
     <p:extLst>
       <p:ext uri="{BB962C8B-B14F-4D97-AF65-F5344CB8AC3E}">
-        <p14:creationId xmlns:p14="http://schemas.microsoft.com/office/powerpoint/2010/main" val="3129463406"/>
+        <p14:creationId xmlns:p14="http://schemas.microsoft.com/office/powerpoint/2010/main" val="3321466536"/>
       </p:ext>
     </p:extLst>
   </p:cSld>
@@ -2279,28 +2438,85 @@
           <a:bodyPr/>
           <a:lstStyle/>
           <a:p>
+            <a:pPr>
+              <a:spcAft>
+                <a:spcPts val="0"/>
+              </a:spcAft>
+            </a:pPr>
+            <a:r>
+              <a:rPr lang="en-US" sz="1200" kern="1200" dirty="0">
+                <a:solidFill>
+                  <a:srgbClr val="000000"/>
+                </a:solidFill>
+                <a:effectLst/>
+                <a:latin typeface="Calibri"/>
+                <a:cs typeface="Calibri"/>
+              </a:rPr>
+              <a:t>So, there you have it.</a:t>
+            </a:r>
             <a:r>
               <a:rPr lang="en-US" sz="1200" dirty="0">
-                <a:latin typeface="Segoe UI"/>
-                <a:cs typeface="Segoe UI"/>
-              </a:rPr>
-              <a:t>If you contributed via a Pull Request, and we merge your commit into the document, you’ll get mentioned in the ‘contributors’ popup, with your GitHub profile pic and a link! The folks listed here are both inside Microsoft and external contributors who had commits merged to an article. </a:t>
-            </a:r>
-            <a:endParaRPr lang="en-US" sz="1200" dirty="0"/>
-          </a:p>
-          <a:p>
-            <a:pPr marL="0" indent="0">
-              <a:buNone/>
+                <a:solidFill>
+                  <a:srgbClr val="000000"/>
+                </a:solidFill>
+                <a:latin typeface="Calibri"/>
+                <a:cs typeface="Calibri"/>
+              </a:rPr>
+              <a:t> We saw two ways you can contribute to Learn.</a:t>
+            </a:r>
+            <a:endParaRPr lang="en-US" dirty="0"/>
+          </a:p>
+          <a:p>
+            <a:pPr>
+              <a:spcAft>
+                <a:spcPts val="0"/>
+              </a:spcAft>
             </a:pPr>
-            <a:endParaRPr lang="en-US" sz="1200" u="none" dirty="0"/>
-          </a:p>
-          <a:p>
+            <a:endParaRPr lang="en-US" sz="1200" dirty="0">
+              <a:solidFill>
+                <a:srgbClr val="000000"/>
+              </a:solidFill>
+              <a:latin typeface="Calibri"/>
+              <a:cs typeface="Calibri"/>
+            </a:endParaRPr>
+          </a:p>
+          <a:p>
+            <a:pPr>
+              <a:spcAft>
+                <a:spcPts val="0"/>
+              </a:spcAft>
+            </a:pPr>
+            <a:r>
+              <a:rPr lang="en-US" sz="1200" kern="1200" dirty="0">
+                <a:solidFill>
+                  <a:srgbClr val="000000"/>
+                </a:solidFill>
+                <a:effectLst/>
+                <a:latin typeface="Calibri"/>
+                <a:cs typeface="Calibri"/>
+              </a:rPr>
+              <a:t>Now, what’s most helpful for Microsoft, and what’s gives you contribution credit</a:t>
+            </a:r>
             <a:r>
               <a:rPr lang="en-US" sz="1200" dirty="0">
-                <a:latin typeface="Segoe UI"/>
-                <a:cs typeface="Segoe UI"/>
-              </a:rPr>
-              <a:t>You only get your name and avatar on an article for a Pull Request, not for an issue. It's also worth mentioning that if you start a PR, even if we close it and pull in your commits with a different PR, you would still be recognized here.</a:t>
+                <a:solidFill>
+                  <a:srgbClr val="000000"/>
+                </a:solidFill>
+                <a:latin typeface="Calibri"/>
+                <a:cs typeface="Calibri"/>
+              </a:rPr>
+              <a:t> on the Learn site</a:t>
+            </a:r>
+            <a:r>
+              <a:rPr lang="en-US" sz="1200" kern="1200" dirty="0">
+                <a:solidFill>
+                  <a:srgbClr val="000000"/>
+                </a:solidFill>
+                <a:effectLst/>
+                <a:latin typeface="Calibri"/>
+                <a:cs typeface="Calibri"/>
+              </a:rPr>
+              <a:t>? Only a Pull Request. That’s what we want to see.</a:t>
             </a:r>
             <a:endParaRPr lang="en-US" dirty="0"/>
           </a:p>
@@ -2309,7 +2525,7 @@
     </p:spTree>
     <p:extLst>
       <p:ext uri="{BB962C8B-B14F-4D97-AF65-F5344CB8AC3E}">
-        <p14:creationId xmlns:p14="http://schemas.microsoft.com/office/powerpoint/2010/main" val="3067989340"/>
+        <p14:creationId xmlns:p14="http://schemas.microsoft.com/office/powerpoint/2010/main" val="3129463406"/>
       </p:ext>
     </p:extLst>
   </p:cSld>
@@ -2363,308 +2579,37 @@
           <a:bodyPr/>
           <a:lstStyle/>
           <a:p>
-            <a:pPr defTabSz="914400">
-              <a:lnSpc>
-                <a:spcPct val="100000"/>
-              </a:lnSpc>
-              <a:spcAft>
-                <a:spcPts val="0"/>
-              </a:spcAft>
-              <a:defRPr/>
-            </a:pPr>
-            <a:r>
-              <a:rPr lang="en-US" sz="1800" dirty="0">
-                <a:latin typeface="Segoe UI"/>
-                <a:cs typeface="Segoe UI"/>
-              </a:rPr>
-              <a:t>When it comes to PRs... If you're not sure how it should change, just give it a shot. If it’s not quite right, or formatted perfectly, don’t worry! We’ll adjust, but at least it gets fixed! Don’t be afraid to submit a pull request. Here’s some other notes to ease your anxiety and put you at ease.</a:t>
-            </a:r>
-          </a:p>
-          <a:p>
-            <a:pPr defTabSz="914400">
-              <a:lnSpc>
-                <a:spcPct val="100000"/>
-              </a:lnSpc>
-              <a:spcAft>
-                <a:spcPts val="0"/>
-              </a:spcAft>
-              <a:defRPr/>
-            </a:pPr>
-            <a:endParaRPr lang="en-US" sz="800" dirty="0">
-              <a:latin typeface="Segoe UI"/>
-              <a:cs typeface="Segoe UI"/>
-            </a:endParaRPr>
-          </a:p>
-          <a:p>
-            <a:pPr defTabSz="914400">
-              <a:lnSpc>
-                <a:spcPct val="100000"/>
-              </a:lnSpc>
-              <a:spcAft>
-                <a:spcPts val="0"/>
-              </a:spcAft>
-              <a:defRPr/>
-            </a:pPr>
-            <a:r>
-              <a:rPr lang="en-US" sz="800" dirty="0">
-                <a:latin typeface="Segoe UI"/>
-                <a:cs typeface="Segoe UI"/>
-              </a:rPr>
-              <a:t>For images, graphics, charts, etc., we have designers at Microsoft that we use to get images updated in a standardized way. No need to edit images yourself, though you could make suggestions to image updates along with alt text changes within the markdown, for example, via a Pull Request.</a:t>
-            </a:r>
-            <a:endParaRPr lang="en-US" dirty="0"/>
-          </a:p>
-          <a:p>
-            <a:pPr defTabSz="914400">
-              <a:lnSpc>
-                <a:spcPct val="100000"/>
-              </a:lnSpc>
-              <a:spcAft>
-                <a:spcPts val="0"/>
-              </a:spcAft>
-              <a:defRPr/>
-            </a:pPr>
-            <a:endParaRPr lang="en-US" sz="800" dirty="0">
-              <a:latin typeface="Segoe UI"/>
-              <a:cs typeface="Segoe UI"/>
-            </a:endParaRPr>
-          </a:p>
-          <a:p>
-            <a:pPr marL="0" marR="0" lvl="0" indent="0" algn="l" defTabSz="914400">
-              <a:lnSpc>
-                <a:spcPct val="100000"/>
-              </a:lnSpc>
-              <a:spcBef>
-                <a:spcPts val="0"/>
-              </a:spcBef>
-              <a:spcAft>
-                <a:spcPts val="0"/>
-              </a:spcAft>
-              <a:buClrTx/>
-              <a:buSzTx/>
-              <a:buFontTx/>
-              <a:buNone/>
-              <a:tabLst/>
-              <a:defRPr/>
-            </a:pPr>
-            <a:r>
-              <a:rPr lang="en-US" sz="800" dirty="0">
-                <a:latin typeface="Segoe UI"/>
-                <a:cs typeface="Segoe UI"/>
-              </a:rPr>
-              <a:t>Also, we get it, capitalization is tough. The c</a:t>
-            </a:r>
-            <a:r>
-              <a:rPr lang="en-US" sz="1800" dirty="0">
-                <a:latin typeface="Segoe UI"/>
-                <a:cs typeface="Segoe UI"/>
-              </a:rPr>
-              <a:t>apitalization of various features and products inside Microsoft is one of the most nuanced bits there is about publishing. Marketing usually wins these arguments.</a:t>
-            </a:r>
-            <a:endParaRPr lang="en-US" dirty="0"/>
-          </a:p>
-          <a:p>
-            <a:pPr defTabSz="914400">
-              <a:lnSpc>
-                <a:spcPct val="100000"/>
-              </a:lnSpc>
-              <a:spcAft>
-                <a:spcPts val="0"/>
-              </a:spcAft>
-              <a:defRPr/>
-            </a:pPr>
-            <a:endParaRPr lang="en-US" sz="1200" dirty="0">
-              <a:latin typeface="Calibri"/>
-              <a:cs typeface="Calibri"/>
-            </a:endParaRPr>
-          </a:p>
-          <a:p>
-            <a:pPr marL="0" marR="0" lvl="0" indent="0" algn="l" defTabSz="914400">
-              <a:lnSpc>
-                <a:spcPct val="100000"/>
-              </a:lnSpc>
-              <a:spcBef>
-                <a:spcPts val="0"/>
-              </a:spcBef>
-              <a:spcAft>
-                <a:spcPts val="0"/>
-              </a:spcAft>
-              <a:buClrTx/>
-              <a:buSzTx/>
-              <a:buFontTx/>
-              <a:buNone/>
-              <a:tabLst/>
-              <a:defRPr/>
-            </a:pPr>
-            <a:r>
-              <a:rPr lang="en-US" sz="1200" dirty="0">
-                <a:effectLst/>
-                <a:latin typeface="Calibri"/>
-                <a:cs typeface="Calibri"/>
-              </a:rPr>
-              <a:t>For example, product names and feature names and phrasing are difficult to get just right and are trickiest when a generic word is in the product name. Just because we have a product called Azure SQL Database, doesn’t meant that every word Database is now capitalized. Azure SQL Managed Instance the product, versus, a managed instance. Or the product Azure Functions, versus, a function. Try to remember that when you go to Taco </a:t>
-            </a:r>
-            <a:r>
-              <a:rPr lang="en-US" sz="1200" dirty="0">
-                <a:latin typeface="Calibri"/>
-                <a:cs typeface="Calibri"/>
-              </a:rPr>
-              <a:t>Hut</a:t>
-            </a:r>
-            <a:r>
-              <a:rPr lang="en-US" sz="1200" dirty="0">
-                <a:effectLst/>
-                <a:latin typeface="Calibri"/>
-                <a:cs typeface="Calibri"/>
-              </a:rPr>
-              <a:t>, you eat a taco, not a Taco.</a:t>
-            </a:r>
-          </a:p>
-          <a:p>
-            <a:pPr marL="0" marR="0" lvl="0" indent="0" algn="l" defTabSz="914400">
-              <a:lnSpc>
-                <a:spcPct val="100000"/>
-              </a:lnSpc>
-              <a:spcBef>
-                <a:spcPts val="0"/>
-              </a:spcBef>
-              <a:spcAft>
-                <a:spcPts val="0"/>
-              </a:spcAft>
-              <a:buClrTx/>
-              <a:buSzTx/>
-              <a:buFontTx/>
-              <a:buNone/>
-              <a:tabLst/>
-              <a:defRPr/>
-            </a:pPr>
-            <a:endParaRPr lang="en-US" sz="1200" dirty="0">
-              <a:effectLst/>
-              <a:latin typeface="Calibri"/>
-              <a:cs typeface="Calibri"/>
-            </a:endParaRPr>
-          </a:p>
-          <a:p>
-            <a:pPr marL="0" marR="0" lvl="0" indent="0" algn="l" defTabSz="914400">
-              <a:lnSpc>
-                <a:spcPct val="100000"/>
-              </a:lnSpc>
-              <a:spcBef>
-                <a:spcPts val="0"/>
-              </a:spcBef>
-              <a:spcAft>
-                <a:spcPts val="0"/>
-              </a:spcAft>
-              <a:buClrTx/>
-              <a:buSzTx/>
-              <a:buFontTx/>
-              <a:buNone/>
-              <a:tabLst/>
-              <a:defRPr/>
-            </a:pPr>
-            <a:r>
-              <a:rPr lang="en-US" sz="1200" dirty="0">
-                <a:effectLst/>
-                <a:latin typeface="Calibri"/>
-                <a:cs typeface="Calibri"/>
-              </a:rPr>
-              <a:t>This is even more difficult for our international partners and customers, </a:t>
-            </a:r>
-            <a:r>
-              <a:rPr lang="en-US" sz="1800" b="0" i="0" dirty="0">
-                <a:solidFill>
-                  <a:srgbClr val="171717"/>
-                </a:solidFill>
-                <a:effectLst/>
-                <a:latin typeface="Segoe UI"/>
-                <a:cs typeface="Segoe UI"/>
-              </a:rPr>
-              <a:t>because capitalization often means a product or service name shouldn't be translated or should be translated in a specific way, but lower-case common noun of the same term should be translated. Translation is difficult enough, so it’s important we get this right, and inconsistency in capitalization confuses translators and customers.</a:t>
-            </a:r>
-            <a:endParaRPr lang="en-US" sz="1200" dirty="0">
-              <a:effectLst/>
-              <a:latin typeface="Segoe UI"/>
-              <a:cs typeface="Segoe UI"/>
-            </a:endParaRPr>
-          </a:p>
-          <a:p>
-            <a:pPr defTabSz="914400">
-              <a:lnSpc>
-                <a:spcPct val="100000"/>
-              </a:lnSpc>
-              <a:spcAft>
-                <a:spcPts val="0"/>
-              </a:spcAft>
-              <a:defRPr/>
-            </a:pPr>
-            <a:endParaRPr lang="en-US" sz="1800" dirty="0">
-              <a:latin typeface="Calibri"/>
-              <a:cs typeface="Calibri"/>
-            </a:endParaRPr>
-          </a:p>
-          <a:p>
-            <a:pPr defTabSz="914400">
-              <a:lnSpc>
-                <a:spcPct val="100000"/>
-              </a:lnSpc>
-              <a:spcAft>
-                <a:spcPts val="0"/>
-              </a:spcAft>
-              <a:defRPr/>
-            </a:pPr>
-            <a:r>
-              <a:rPr lang="en-US" sz="1800" dirty="0">
-                <a:latin typeface="Calibri"/>
-                <a:cs typeface="Calibri"/>
-              </a:rPr>
-              <a:t>Finally, </a:t>
-            </a:r>
-            <a:r>
-              <a:rPr lang="en-US" sz="1800" dirty="0">
-                <a:effectLst/>
-                <a:latin typeface="Calibri"/>
-                <a:cs typeface="Calibri"/>
-              </a:rPr>
-              <a:t>consistency is important, and so are the core goals of our brand voice: Above all, be </a:t>
-            </a:r>
-            <a:r>
-              <a:rPr lang="en-US" sz="1800" b="0" i="0" dirty="0">
-                <a:solidFill>
-                  <a:srgbClr val="000000"/>
-                </a:solidFill>
-                <a:effectLst/>
-                <a:latin typeface="Segoe UI"/>
-                <a:cs typeface="Segoe UI"/>
-              </a:rPr>
-              <a:t>simple and human.</a:t>
-            </a:r>
-            <a:r>
-              <a:rPr lang="en-US" sz="1800" dirty="0">
-                <a:solidFill>
-                  <a:srgbClr val="000000"/>
-                </a:solidFill>
-                <a:latin typeface="Segoe UI"/>
-                <a:cs typeface="Segoe UI"/>
-              </a:rPr>
-              <a:t> </a:t>
-            </a:r>
             <a:r>
               <a:rPr lang="en-US" sz="1200" dirty="0">
                 <a:latin typeface="Segoe UI"/>
                 <a:cs typeface="Segoe UI"/>
               </a:rPr>
-              <a:t>If we can do better to meet that goal, let us know!</a:t>
-            </a:r>
-            <a:endParaRPr lang="en-US" sz="1200" dirty="0">
-              <a:cs typeface="Segoe UI" panose="020B0502040204020203" pitchFamily="34" charset="0"/>
-            </a:endParaRPr>
+              <a:t>If you contributed via a Pull Request, and we merge your commit into the document, you’ll get mentioned in the ‘contributors’ popup, with your GitHub profile pic and a link! The folks listed here are both inside Microsoft and external contributors who had commits merged to an article. </a:t>
+            </a:r>
+            <a:endParaRPr lang="en-US" sz="1200" dirty="0"/>
+          </a:p>
+          <a:p>
+            <a:pPr marL="0" indent="0">
+              <a:buNone/>
+            </a:pPr>
+            <a:endParaRPr lang="en-US" sz="1200" u="none" dirty="0"/>
+          </a:p>
+          <a:p>
+            <a:r>
+              <a:rPr lang="en-US" sz="1200" dirty="0">
+                <a:latin typeface="Segoe UI"/>
+                <a:cs typeface="Segoe UI"/>
+              </a:rPr>
+              <a:t>You only get your name and avatar on an article for a Pull Request, not for an issue. It's also worth mentioning that if you start a PR, even if we close it and pull in your commits with a different PR, you would still be recognized here.</a:t>
+            </a:r>
+            <a:endParaRPr lang="en-US" dirty="0"/>
           </a:p>
         </p:txBody>
       </p:sp>
     </p:spTree>
     <p:extLst>
       <p:ext uri="{BB962C8B-B14F-4D97-AF65-F5344CB8AC3E}">
-        <p14:creationId xmlns:p14="http://schemas.microsoft.com/office/powerpoint/2010/main" val="1604794162"/>
+        <p14:creationId xmlns:p14="http://schemas.microsoft.com/office/powerpoint/2010/main" val="3067989340"/>
       </p:ext>
     </p:extLst>
   </p:cSld>
@@ -2718,20 +2663,308 @@
           <a:bodyPr/>
           <a:lstStyle/>
           <a:p>
+            <a:pPr defTabSz="914400">
+              <a:lnSpc>
+                <a:spcPct val="100000"/>
+              </a:lnSpc>
+              <a:spcAft>
+                <a:spcPts val="0"/>
+              </a:spcAft>
+              <a:defRPr/>
+            </a:pPr>
+            <a:r>
+              <a:rPr lang="en-US" sz="1800" dirty="0">
+                <a:latin typeface="Segoe UI"/>
+                <a:cs typeface="Segoe UI"/>
+              </a:rPr>
+              <a:t>When it comes to PRs... If you're not sure how it should change, just give it a shot. If it’s not quite right, or formatted perfectly, don’t worry! We’ll adjust, but at least it gets fixed! Don’t be afraid to submit a pull request. Here’s some other notes to ease your anxiety and put you at ease.</a:t>
+            </a:r>
+          </a:p>
+          <a:p>
+            <a:pPr defTabSz="914400">
+              <a:lnSpc>
+                <a:spcPct val="100000"/>
+              </a:lnSpc>
+              <a:spcAft>
+                <a:spcPts val="0"/>
+              </a:spcAft>
+              <a:defRPr/>
+            </a:pPr>
+            <a:endParaRPr lang="en-US" sz="800" dirty="0">
+              <a:latin typeface="Segoe UI"/>
+              <a:cs typeface="Segoe UI"/>
+            </a:endParaRPr>
+          </a:p>
+          <a:p>
+            <a:pPr defTabSz="914400">
+              <a:lnSpc>
+                <a:spcPct val="100000"/>
+              </a:lnSpc>
+              <a:spcAft>
+                <a:spcPts val="0"/>
+              </a:spcAft>
+              <a:defRPr/>
+            </a:pPr>
+            <a:r>
+              <a:rPr lang="en-US" sz="800" dirty="0">
+                <a:latin typeface="Segoe UI"/>
+                <a:cs typeface="Segoe UI"/>
+              </a:rPr>
+              <a:t>For images, graphics, charts, etc., we have designers at Microsoft that we use to get images updated in a standardized way. No need to edit images yourself, though you could make suggestions to image updates along with alt text changes within the markdown, for example, via a Pull Request.</a:t>
+            </a:r>
+            <a:endParaRPr lang="en-US" dirty="0"/>
+          </a:p>
+          <a:p>
+            <a:pPr defTabSz="914400">
+              <a:lnSpc>
+                <a:spcPct val="100000"/>
+              </a:lnSpc>
+              <a:spcAft>
+                <a:spcPts val="0"/>
+              </a:spcAft>
+              <a:defRPr/>
+            </a:pPr>
+            <a:endParaRPr lang="en-US" sz="800" dirty="0">
+              <a:latin typeface="Segoe UI"/>
+              <a:cs typeface="Segoe UI"/>
+            </a:endParaRPr>
+          </a:p>
+          <a:p>
+            <a:pPr marL="0" marR="0" lvl="0" indent="0" algn="l" defTabSz="914400">
+              <a:lnSpc>
+                <a:spcPct val="100000"/>
+              </a:lnSpc>
+              <a:spcBef>
+                <a:spcPts val="0"/>
+              </a:spcBef>
+              <a:spcAft>
+                <a:spcPts val="0"/>
+              </a:spcAft>
+              <a:buClrTx/>
+              <a:buSzTx/>
+              <a:buFontTx/>
+              <a:buNone/>
+              <a:tabLst/>
+              <a:defRPr/>
+            </a:pPr>
+            <a:r>
+              <a:rPr lang="en-US" sz="800" dirty="0">
+                <a:latin typeface="Segoe UI"/>
+                <a:cs typeface="Segoe UI"/>
+              </a:rPr>
+              <a:t>Also, we get it, capitalization is tough. The c</a:t>
+            </a:r>
+            <a:r>
+              <a:rPr lang="en-US" sz="1800" dirty="0">
+                <a:latin typeface="Segoe UI"/>
+                <a:cs typeface="Segoe UI"/>
+              </a:rPr>
+              <a:t>apitalization of various features and products inside Microsoft is one of the most nuanced bits there is about publishing. Marketing usually wins these arguments.</a:t>
+            </a:r>
+            <a:endParaRPr lang="en-US" dirty="0"/>
+          </a:p>
+          <a:p>
+            <a:pPr defTabSz="914400">
+              <a:lnSpc>
+                <a:spcPct val="100000"/>
+              </a:lnSpc>
+              <a:spcAft>
+                <a:spcPts val="0"/>
+              </a:spcAft>
+              <a:defRPr/>
+            </a:pPr>
+            <a:endParaRPr lang="en-US" sz="1200" dirty="0">
+              <a:latin typeface="Calibri"/>
+              <a:cs typeface="Calibri"/>
+            </a:endParaRPr>
+          </a:p>
+          <a:p>
+            <a:pPr marL="0" marR="0" lvl="0" indent="0" algn="l" defTabSz="914400">
+              <a:lnSpc>
+                <a:spcPct val="100000"/>
+              </a:lnSpc>
+              <a:spcBef>
+                <a:spcPts val="0"/>
+              </a:spcBef>
+              <a:spcAft>
+                <a:spcPts val="0"/>
+              </a:spcAft>
+              <a:buClrTx/>
+              <a:buSzTx/>
+              <a:buFontTx/>
+              <a:buNone/>
+              <a:tabLst/>
+              <a:defRPr/>
+            </a:pPr>
+            <a:r>
+              <a:rPr lang="en-US" sz="1200" dirty="0">
+                <a:effectLst/>
+                <a:latin typeface="Calibri"/>
+                <a:cs typeface="Calibri"/>
+              </a:rPr>
+              <a:t>For example, product names and feature names and phrasing are difficult to get just right and are trickiest when a generic word is in the product name. Just because we have a product called Azure SQL Database, doesn’t meant that every word Database is now capitalized. Azure SQL Managed Instance the product, versus, a managed instance. Or the product Azure Functions, versus, a function. Try to remember that when you go to Taco </a:t>
+            </a:r>
+            <a:r>
+              <a:rPr lang="en-US" sz="1200" dirty="0">
+                <a:latin typeface="Calibri"/>
+                <a:cs typeface="Calibri"/>
+              </a:rPr>
+              <a:t>Hut</a:t>
+            </a:r>
+            <a:r>
+              <a:rPr lang="en-US" sz="1200" dirty="0">
+                <a:effectLst/>
+                <a:latin typeface="Calibri"/>
+                <a:cs typeface="Calibri"/>
+              </a:rPr>
+              <a:t>, you eat a taco, not a Taco.</a:t>
+            </a:r>
+          </a:p>
+          <a:p>
+            <a:pPr marL="0" marR="0" lvl="0" indent="0" algn="l" defTabSz="914400">
+              <a:lnSpc>
+                <a:spcPct val="100000"/>
+              </a:lnSpc>
+              <a:spcBef>
+                <a:spcPts val="0"/>
+              </a:spcBef>
+              <a:spcAft>
+                <a:spcPts val="0"/>
+              </a:spcAft>
+              <a:buClrTx/>
+              <a:buSzTx/>
+              <a:buFontTx/>
+              <a:buNone/>
+              <a:tabLst/>
+              <a:defRPr/>
+            </a:pPr>
+            <a:endParaRPr lang="en-US" sz="1200" dirty="0">
+              <a:effectLst/>
+              <a:latin typeface="Calibri"/>
+              <a:cs typeface="Calibri"/>
+            </a:endParaRPr>
+          </a:p>
+          <a:p>
+            <a:pPr marL="0" marR="0" lvl="0" indent="0" algn="l" defTabSz="914400">
+              <a:lnSpc>
+                <a:spcPct val="100000"/>
+              </a:lnSpc>
+              <a:spcBef>
+                <a:spcPts val="0"/>
+              </a:spcBef>
+              <a:spcAft>
+                <a:spcPts val="0"/>
+              </a:spcAft>
+              <a:buClrTx/>
+              <a:buSzTx/>
+              <a:buFontTx/>
+              <a:buNone/>
+              <a:tabLst/>
+              <a:defRPr/>
+            </a:pPr>
+            <a:r>
+              <a:rPr lang="en-US" sz="1200" dirty="0">
+                <a:effectLst/>
+                <a:latin typeface="Calibri"/>
+                <a:cs typeface="Calibri"/>
+              </a:rPr>
+              <a:t>This is even more difficult for our international partners and customers, </a:t>
+            </a:r>
+            <a:r>
+              <a:rPr lang="en-US" sz="1800" b="0" i="0" dirty="0">
+                <a:solidFill>
+                  <a:srgbClr val="171717"/>
+                </a:solidFill>
+                <a:effectLst/>
+                <a:latin typeface="Segoe UI"/>
+                <a:cs typeface="Segoe UI"/>
+              </a:rPr>
+              <a:t>because capitalization often means a product or service name shouldn't be translated or should be translated in a specific way, but lower-case common noun of the same term should be translated. Translation is difficult enough, so it’s important we get this right, and inconsistency in capitalization confuses translators and customers.</a:t>
+            </a:r>
+            <a:endParaRPr lang="en-US" sz="1200" dirty="0">
+              <a:effectLst/>
+              <a:latin typeface="Segoe UI"/>
+              <a:cs typeface="Segoe UI"/>
+            </a:endParaRPr>
+          </a:p>
+          <a:p>
+            <a:pPr defTabSz="914400">
+              <a:lnSpc>
+                <a:spcPct val="100000"/>
+              </a:lnSpc>
+              <a:spcAft>
+                <a:spcPts val="0"/>
+              </a:spcAft>
+              <a:defRPr/>
+            </a:pPr>
+            <a:endParaRPr lang="en-US" sz="1800" dirty="0">
+              <a:latin typeface="Calibri"/>
+              <a:cs typeface="Calibri"/>
+            </a:endParaRPr>
+          </a:p>
+          <a:p>
+            <a:pPr defTabSz="914400">
+              <a:lnSpc>
+                <a:spcPct val="100000"/>
+              </a:lnSpc>
+              <a:spcAft>
+                <a:spcPts val="0"/>
+              </a:spcAft>
+              <a:defRPr/>
+            </a:pPr>
+            <a:r>
+              <a:rPr lang="en-US" sz="1800" dirty="0">
+                <a:latin typeface="Calibri"/>
+                <a:cs typeface="Calibri"/>
+              </a:rPr>
+              <a:t>Finally, </a:t>
+            </a:r>
+            <a:r>
+              <a:rPr lang="en-US" sz="1800" dirty="0">
+                <a:effectLst/>
+                <a:latin typeface="Calibri"/>
+                <a:cs typeface="Calibri"/>
+              </a:rPr>
+              <a:t>consistency is important, and so are the core goals of our brand voice: Above all, be </a:t>
+            </a:r>
+            <a:r>
+              <a:rPr lang="en-US" sz="1800" b="0" i="0" dirty="0">
+                <a:solidFill>
+                  <a:srgbClr val="000000"/>
+                </a:solidFill>
+                <a:effectLst/>
+                <a:latin typeface="Segoe UI"/>
+                <a:cs typeface="Segoe UI"/>
+              </a:rPr>
+              <a:t>simple and human.</a:t>
+            </a:r>
+            <a:r>
+              <a:rPr lang="en-US" sz="1800" dirty="0">
+                <a:solidFill>
+                  <a:srgbClr val="000000"/>
+                </a:solidFill>
+                <a:latin typeface="Segoe UI"/>
+                <a:cs typeface="Segoe UI"/>
+              </a:rPr>
+              <a:t> </a:t>
+            </a:r>
             <a:r>
               <a:rPr lang="en-US" sz="1200" dirty="0">
                 <a:latin typeface="Segoe UI"/>
                 <a:cs typeface="Segoe UI"/>
               </a:rPr>
-              <a:t>So, now that you’ve seen how you can use GitHub to contribute to documentation Learn, let’s briefly show you some inside info and discuss how we use GitHub to host Microsoft Documentation.</a:t>
-            </a:r>
+              <a:t>If we can do better to meet that goal, let us know!</a:t>
+            </a:r>
+            <a:endParaRPr lang="en-US" sz="1200" dirty="0">
+              <a:cs typeface="Segoe UI" panose="020B0502040204020203" pitchFamily="34" charset="0"/>
+            </a:endParaRPr>
           </a:p>
         </p:txBody>
       </p:sp>
     </p:spTree>
     <p:extLst>
       <p:ext uri="{BB962C8B-B14F-4D97-AF65-F5344CB8AC3E}">
-        <p14:creationId xmlns:p14="http://schemas.microsoft.com/office/powerpoint/2010/main" val="1813004818"/>
+        <p14:creationId xmlns:p14="http://schemas.microsoft.com/office/powerpoint/2010/main" val="1604794162"/>
       </p:ext>
     </p:extLst>
   </p:cSld>
@@ -2785,101 +3018,20 @@
           <a:bodyPr/>
           <a:lstStyle/>
           <a:p>
-            <a:pPr defTabSz="914400">
-              <a:lnSpc>
-                <a:spcPct val="100000"/>
-              </a:lnSpc>
-              <a:spcAft>
-                <a:spcPts val="0"/>
-              </a:spcAft>
-              <a:defRPr/>
-            </a:pPr>
-            <a:r>
-              <a:rPr lang="en-US" sz="850" dirty="0">
-                <a:latin typeface="Segoe UI"/>
-                <a:cs typeface="Segoe UI"/>
-              </a:rPr>
-              <a:t>Again, most Microsoft Learn pages are edited in markdown. We spend most of our time using Visual Studio Code to edit them. </a:t>
-            </a:r>
             <a:r>
               <a:rPr lang="en-US" sz="1200" dirty="0">
                 <a:latin typeface="Segoe UI"/>
                 <a:cs typeface="Segoe UI"/>
               </a:rPr>
-              <a:t>We have other tools to help with automated link checking, syntax formatting, bulk updates, and a series of include files to tokenize things like product names.</a:t>
-            </a:r>
-          </a:p>
-          <a:p>
-            <a:pPr defTabSz="914400">
-              <a:lnSpc>
-                <a:spcPct val="100000"/>
-              </a:lnSpc>
-              <a:spcAft>
-                <a:spcPts val="0"/>
-              </a:spcAft>
-              <a:defRPr/>
-            </a:pPr>
-            <a:endParaRPr lang="en-US" sz="1200" dirty="0"/>
-          </a:p>
-          <a:p>
-            <a:pPr defTabSz="914400">
-              <a:lnSpc>
-                <a:spcPct val="100000"/>
-              </a:lnSpc>
-              <a:spcAft>
-                <a:spcPts val="0"/>
-              </a:spcAft>
-              <a:defRPr/>
-            </a:pPr>
-            <a:r>
-              <a:rPr lang="en-US" sz="1200" dirty="0">
-                <a:latin typeface="Segoe UI"/>
-                <a:cs typeface="Segoe UI"/>
-              </a:rPr>
-              <a:t>We have a rich set of metadata for each article. We do pay attention to how articles perform in terms of Search Engine Optimization and traffic patterns and trends, all driven through Azure Analytics and Databricks. We try to improve poorly performing articles. We use many metrics to track the performance of an article including things like when you copy text from the article, that’s good! Or if you click through, scroll, dwell, the same kind of metrics that any website uses these days to measure how effective the web page is. We do all this without capturing any personal information or wider tracking information. Most of our decisions with documentation and docs layouts are data driven, when we we’ve driven better engagement and more useful docs, we try to follow that lead.</a:t>
-            </a:r>
-            <a:endParaRPr lang="en-US" dirty="0"/>
-          </a:p>
-          <a:p>
-            <a:pPr defTabSz="914400">
-              <a:lnSpc>
-                <a:spcPct val="100000"/>
-              </a:lnSpc>
-              <a:spcAft>
-                <a:spcPts val="0"/>
-              </a:spcAft>
-              <a:defRPr/>
-            </a:pPr>
-            <a:endParaRPr lang="en-US" sz="850" dirty="0">
-              <a:latin typeface="Segoe UI"/>
-              <a:cs typeface="Segoe UI"/>
-            </a:endParaRPr>
-          </a:p>
-          <a:p>
-            <a:pPr defTabSz="914400">
-              <a:lnSpc>
-                <a:spcPct val="100000"/>
-              </a:lnSpc>
-              <a:spcAft>
-                <a:spcPts val="0"/>
-              </a:spcAft>
-              <a:defRPr/>
-            </a:pPr>
-            <a:r>
-              <a:rPr lang="en-US" sz="850" dirty="0">
-                <a:latin typeface="Segoe UI"/>
-                <a:cs typeface="Segoe UI"/>
-              </a:rPr>
-              <a:t>For big article updates we have systems to handle release branches – for when we want to work on documentation for months and then release a new product or feature all at once, like during an Ignite or Build keynote. Many of these strategies are similar to what developers use to release software all at once, and we use many of the same tools.</a:t>
-            </a:r>
-            <a:endParaRPr lang="en-US" dirty="0"/>
+              <a:t>So, now that you’ve seen how you can use GitHub to contribute to documentation Learn, let’s briefly show you some inside info and discuss how we use GitHub to host Microsoft Documentation.</a:t>
+            </a:r>
           </a:p>
         </p:txBody>
       </p:sp>
     </p:spTree>
     <p:extLst>
       <p:ext uri="{BB962C8B-B14F-4D97-AF65-F5344CB8AC3E}">
-        <p14:creationId xmlns:p14="http://schemas.microsoft.com/office/powerpoint/2010/main" val="3097363178"/>
+        <p14:creationId xmlns:p14="http://schemas.microsoft.com/office/powerpoint/2010/main" val="1813004818"/>
       </p:ext>
     </p:extLst>
   </p:cSld>
@@ -2943,78 +3095,19 @@
               <a:defRPr/>
             </a:pPr>
             <a:r>
+              <a:rPr lang="en-US" sz="850" dirty="0">
+                <a:latin typeface="Segoe UI"/>
+                <a:cs typeface="Segoe UI"/>
+              </a:rPr>
+              <a:t>Again, most Microsoft Learn pages are edited in markdown. We spend most of our time using Visual Studio Code to edit them. </a:t>
+            </a:r>
+            <a:r>
               <a:rPr lang="en-US" sz="1200" dirty="0">
                 <a:latin typeface="Segoe UI"/>
                 <a:cs typeface="Segoe UI"/>
               </a:rPr>
-              <a:t>This is behind the scenes of how Microsoft Docs works in GitHub, where all Microsoft Documentation is managed. If you are new to Git and don’t understand this don’t worry, as we’ll explain, to contributors in the community, all this is managed for you when you use the browser workflow.</a:t>
-            </a:r>
-          </a:p>
-          <a:p>
-            <a:pPr marL="0" marR="0" lvl="0" indent="0" algn="l" defTabSz="914400" rtl="0" eaLnBrk="1" fontAlgn="auto" latinLnBrk="0" hangingPunct="1">
-              <a:lnSpc>
-                <a:spcPct val="100000"/>
-              </a:lnSpc>
-              <a:spcBef>
-                <a:spcPts val="0"/>
-              </a:spcBef>
-              <a:spcAft>
-                <a:spcPts val="0"/>
-              </a:spcAft>
-              <a:buClrTx/>
-              <a:buSzTx/>
-              <a:buFontTx/>
-              <a:buNone/>
-              <a:tabLst/>
-              <a:defRPr/>
-            </a:pPr>
-            <a:endParaRPr lang="en-US" dirty="0"/>
-          </a:p>
-          <a:p>
-            <a:pPr marL="0" marR="0" lvl="0" indent="0" algn="l" defTabSz="914400" rtl="0" eaLnBrk="1" fontAlgn="auto" latinLnBrk="0" hangingPunct="1">
-              <a:lnSpc>
-                <a:spcPct val="100000"/>
-              </a:lnSpc>
-              <a:spcBef>
-                <a:spcPts val="0"/>
-              </a:spcBef>
-              <a:spcAft>
-                <a:spcPts val="0"/>
-              </a:spcAft>
-              <a:buClrTx/>
-              <a:buSzTx/>
-              <a:buFontTx/>
-              <a:buNone/>
-              <a:tabLst/>
-              <a:defRPr/>
-            </a:pPr>
-            <a:r>
-              <a:rPr lang="en-US" sz="1200" dirty="0">
-                <a:latin typeface="Segoe UI"/>
-                <a:cs typeface="Segoe UI"/>
-              </a:rPr>
-              <a:t>Here’s the basic GitHub Workflow.</a:t>
-            </a:r>
-          </a:p>
-          <a:p>
-            <a:pPr marL="0" marR="0" lvl="0" indent="0" algn="l" defTabSz="914400" rtl="0" eaLnBrk="1" fontAlgn="auto" latinLnBrk="0" hangingPunct="1">
-              <a:lnSpc>
-                <a:spcPct val="100000"/>
-              </a:lnSpc>
-              <a:spcBef>
-                <a:spcPts val="0"/>
-              </a:spcBef>
-              <a:spcAft>
-                <a:spcPts val="0"/>
-              </a:spcAft>
-              <a:buClrTx/>
-              <a:buSzTx/>
-              <a:buFontTx/>
-              <a:buNone/>
-              <a:tabLst/>
-              <a:defRPr/>
-            </a:pPr>
-            <a:endParaRPr lang="en-US" dirty="0"/>
+              <a:t>We have other tools to help with automated link checking, syntax formatting, bulk updates, and a series of include files to tokenize things like product names.</a:t>
+            </a:r>
           </a:p>
           <a:p>
             <a:pPr defTabSz="914400">
@@ -3026,20 +3119,67 @@
               </a:spcAft>
               <a:defRPr/>
             </a:pPr>
+            <a:endParaRPr lang="en-US" sz="1200" dirty="0"/>
+          </a:p>
+          <a:p>
+            <a:pPr defTabSz="914400">
+              <a:lnSpc>
+                <a:spcPct val="100000"/>
+              </a:lnSpc>
+              <a:spcAft>
+                <a:spcPts val="0"/>
+              </a:spcAft>
+              <a:defRPr/>
+            </a:pPr>
             <a:r>
               <a:rPr lang="en-US" sz="1200" dirty="0">
                 <a:latin typeface="Segoe UI"/>
                 <a:cs typeface="Segoe UI"/>
               </a:rPr>
-              <a:t>Hit this link at the bottom for a more detailed GitHub workflow diagram.</a:t>
-            </a:r>
+              <a:t>We have a rich set of metadata for each article. We do pay attention to how articles perform in terms of Search Engine Optimization and traffic patterns and trends, all driven through Azure Analytics and Databricks. We try to improve poorly performing articles. We use many metrics to track the performance of an article including things like when you copy text from the article, that’s good! Or if you click through, scroll, dwell, the same kind of metrics that any website uses these days to measure how effective the web page is. We do all this without capturing any personal information or wider tracking information. Most of our decisions with documentation and docs layouts are data driven, when we we’ve driven better engagement and more useful docs, we try to follow that lead.</a:t>
+            </a:r>
+            <a:endParaRPr lang="en-US" dirty="0"/>
+          </a:p>
+          <a:p>
+            <a:pPr defTabSz="914400">
+              <a:lnSpc>
+                <a:spcPct val="100000"/>
+              </a:lnSpc>
+              <a:spcAft>
+                <a:spcPts val="0"/>
+              </a:spcAft>
+              <a:defRPr/>
+            </a:pPr>
+            <a:endParaRPr lang="en-US" sz="850" dirty="0">
+              <a:latin typeface="Segoe UI"/>
+              <a:cs typeface="Segoe UI"/>
+            </a:endParaRPr>
+          </a:p>
+          <a:p>
+            <a:pPr defTabSz="914400">
+              <a:lnSpc>
+                <a:spcPct val="100000"/>
+              </a:lnSpc>
+              <a:spcAft>
+                <a:spcPts val="0"/>
+              </a:spcAft>
+              <a:defRPr/>
+            </a:pPr>
+            <a:r>
+              <a:rPr lang="en-US" sz="850" dirty="0">
+                <a:latin typeface="Segoe UI"/>
+                <a:cs typeface="Segoe UI"/>
+              </a:rPr>
+              <a:t>For big article updates we have systems to handle release branches – for when we want to work on documentation for months and then release a new product or feature all at once, like during an Ignite or Build keynote. Many of these strategies are similar to what developers use to release software all at once, and we use many of the same tools.</a:t>
+            </a:r>
+            <a:endParaRPr lang="en-US" dirty="0"/>
           </a:p>
         </p:txBody>
       </p:sp>
     </p:spTree>
     <p:extLst>
       <p:ext uri="{BB962C8B-B14F-4D97-AF65-F5344CB8AC3E}">
-        <p14:creationId xmlns:p14="http://schemas.microsoft.com/office/powerpoint/2010/main" val="4045853145"/>
+        <p14:creationId xmlns:p14="http://schemas.microsoft.com/office/powerpoint/2010/main" val="3097363178"/>
       </p:ext>
     </p:extLst>
   </p:cSld>
@@ -3214,56 +3354,105 @@
           <a:bodyPr/>
           <a:lstStyle/>
           <a:p>
+            <a:pPr defTabSz="914400">
+              <a:lnSpc>
+                <a:spcPct val="100000"/>
+              </a:lnSpc>
+              <a:spcAft>
+                <a:spcPts val="0"/>
+              </a:spcAft>
+              <a:defRPr/>
+            </a:pPr>
             <a:r>
               <a:rPr lang="en-US" sz="1200" dirty="0">
-                <a:latin typeface="Calibri"/>
-                <a:cs typeface="Calibri"/>
-              </a:rPr>
-              <a:t>When authoring markdown content, most content developers in our org use Visual Studio Code and the Learn Authoring Pack plugin bundle.</a:t>
-            </a:r>
-          </a:p>
-          <a:p>
-            <a:endParaRPr lang="en-US" sz="1200" dirty="0">
-              <a:latin typeface="Calibri"/>
-              <a:cs typeface="Calibri"/>
-            </a:endParaRPr>
-          </a:p>
-          <a:p>
+                <a:latin typeface="Segoe UI"/>
+                <a:cs typeface="Segoe UI"/>
+              </a:rPr>
+              <a:t>This is behind the scenes of how Microsoft Docs works in GitHub, where all Microsoft Documentation is managed. If you are new to Git and don’t understand this don’t worry, as we’ll explain, to contributors in the community, all this is managed for you when you use the browser workflow.</a:t>
+            </a:r>
+          </a:p>
+          <a:p>
+            <a:pPr marL="0" marR="0" lvl="0" indent="0" algn="l" defTabSz="914400" rtl="0" eaLnBrk="1" fontAlgn="auto" latinLnBrk="0" hangingPunct="1">
+              <a:lnSpc>
+                <a:spcPct val="100000"/>
+              </a:lnSpc>
+              <a:spcBef>
+                <a:spcPts val="0"/>
+              </a:spcBef>
+              <a:spcAft>
+                <a:spcPts val="0"/>
+              </a:spcAft>
+              <a:buClrTx/>
+              <a:buSzTx/>
+              <a:buFontTx/>
+              <a:buNone/>
+              <a:tabLst/>
+              <a:defRPr/>
+            </a:pPr>
+            <a:endParaRPr lang="en-US" dirty="0"/>
+          </a:p>
+          <a:p>
+            <a:pPr marL="0" marR="0" lvl="0" indent="0" algn="l" defTabSz="914400" rtl="0" eaLnBrk="1" fontAlgn="auto" latinLnBrk="0" hangingPunct="1">
+              <a:lnSpc>
+                <a:spcPct val="100000"/>
+              </a:lnSpc>
+              <a:spcBef>
+                <a:spcPts val="0"/>
+              </a:spcBef>
+              <a:spcAft>
+                <a:spcPts val="0"/>
+              </a:spcAft>
+              <a:buClrTx/>
+              <a:buSzTx/>
+              <a:buFontTx/>
+              <a:buNone/>
+              <a:tabLst/>
+              <a:defRPr/>
+            </a:pPr>
             <a:r>
               <a:rPr lang="en-US" sz="1200" dirty="0">
-                <a:latin typeface="Calibri"/>
-                <a:cs typeface="Calibri"/>
-              </a:rPr>
-              <a:t>The Learn Authoring Pack includes several plugins to streamline writing markdown for Learn. You can see a few examples here.</a:t>
-            </a:r>
-          </a:p>
-          <a:p>
-            <a:endParaRPr lang="en-US" sz="1200" dirty="0">
-              <a:latin typeface="Calibri"/>
-              <a:cs typeface="Calibri"/>
-            </a:endParaRPr>
-          </a:p>
-          <a:p>
+                <a:latin typeface="Segoe UI"/>
+                <a:cs typeface="Segoe UI"/>
+              </a:rPr>
+              <a:t>Here’s the basic GitHub Workflow.</a:t>
+            </a:r>
+          </a:p>
+          <a:p>
+            <a:pPr marL="0" marR="0" lvl="0" indent="0" algn="l" defTabSz="914400" rtl="0" eaLnBrk="1" fontAlgn="auto" latinLnBrk="0" hangingPunct="1">
+              <a:lnSpc>
+                <a:spcPct val="100000"/>
+              </a:lnSpc>
+              <a:spcBef>
+                <a:spcPts val="0"/>
+              </a:spcBef>
+              <a:spcAft>
+                <a:spcPts val="0"/>
+              </a:spcAft>
+              <a:buClrTx/>
+              <a:buSzTx/>
+              <a:buFontTx/>
+              <a:buNone/>
+              <a:tabLst/>
+              <a:defRPr/>
+            </a:pPr>
+            <a:endParaRPr lang="en-US" dirty="0"/>
+          </a:p>
+          <a:p>
+            <a:pPr defTabSz="914400">
+              <a:lnSpc>
+                <a:spcPct val="100000"/>
+              </a:lnSpc>
+              <a:spcAft>
+                <a:spcPts val="0"/>
+              </a:spcAft>
+              <a:defRPr/>
+            </a:pPr>
             <a:r>
               <a:rPr lang="en-US" sz="1200" dirty="0">
-                <a:latin typeface="Calibri"/>
-                <a:cs typeface="Calibri"/>
-              </a:rPr>
-              <a:t>There are some other Git and GitHub productivity plugins available for VS Code, like </a:t>
-            </a:r>
-            <a:r>
-              <a:rPr lang="en-US" sz="1200" dirty="0" err="1">
-                <a:latin typeface="Calibri"/>
-                <a:cs typeface="Calibri"/>
-              </a:rPr>
-              <a:t>GitLens</a:t>
-            </a:r>
-            <a:r>
-              <a:rPr lang="en-US" sz="1200" dirty="0">
-                <a:latin typeface="Calibri"/>
-                <a:cs typeface="Calibri"/>
-              </a:rPr>
-              <a:t> and the GitHub plugin for PRs and Issues. When it comes to VS Code plugins, you should use what your comfortable with.</a:t>
+                <a:latin typeface="Segoe UI"/>
+                <a:cs typeface="Segoe UI"/>
+              </a:rPr>
+              <a:t>Hit this link at the bottom for a more detailed GitHub workflow diagram.</a:t>
             </a:r>
           </a:p>
         </p:txBody>
@@ -3271,7 +3460,7 @@
     </p:spTree>
     <p:extLst>
       <p:ext uri="{BB962C8B-B14F-4D97-AF65-F5344CB8AC3E}">
-        <p14:creationId xmlns:p14="http://schemas.microsoft.com/office/powerpoint/2010/main" val="3646653737"/>
+        <p14:creationId xmlns:p14="http://schemas.microsoft.com/office/powerpoint/2010/main" val="4045853145"/>
       </p:ext>
     </p:extLst>
   </p:cSld>
@@ -3326,79 +3515,55 @@
           <a:lstStyle/>
           <a:p>
             <a:r>
-              <a:rPr lang="en-US" dirty="0"/>
-              <a:t>Demo stuff to cover:</a:t>
-            </a:r>
-          </a:p>
-          <a:p>
-            <a:endParaRPr lang="en-US" dirty="0"/>
-          </a:p>
-          <a:p>
-            <a:pPr marL="228600" indent="-228600">
-              <a:buAutoNum type="arabicPeriod"/>
-            </a:pPr>
-            <a:r>
-              <a:rPr lang="en-US" dirty="0"/>
-              <a:t>The Visual Studio Code Learn Authoring Pack</a:t>
-            </a:r>
-          </a:p>
-          <a:p>
-            <a:pPr marL="228600" indent="-228600">
-              <a:buAutoNum type="arabicPeriod"/>
-            </a:pPr>
-            <a:r>
-              <a:rPr lang="en-US" dirty="0"/>
-              <a:t>Markdown basics</a:t>
-            </a:r>
-          </a:p>
-          <a:p>
-            <a:pPr marL="228600" indent="-228600">
-              <a:buAutoNum type="arabicPeriod"/>
-            </a:pPr>
-            <a:r>
-              <a:rPr lang="en-US" dirty="0"/>
-              <a:t>Docs markdown pages – metadata header and common sections</a:t>
-            </a:r>
-          </a:p>
-          <a:p>
-            <a:pPr marL="228600" indent="-228600">
-              <a:buAutoNum type="arabicPeriod"/>
-            </a:pPr>
-            <a:r>
-              <a:rPr lang="en-US" dirty="0"/>
-              <a:t>API ref content vs “conceptual” content</a:t>
-            </a:r>
-          </a:p>
-          <a:p>
-            <a:pPr marL="228600" indent="-228600">
-              <a:buAutoNum type="arabicPeriod"/>
-            </a:pPr>
-            <a:r>
-              <a:rPr lang="en-US" dirty="0"/>
-              <a:t>Preview pane styled for Learn</a:t>
-            </a:r>
-          </a:p>
-          <a:p>
-            <a:pPr marL="228600" indent="-228600">
-              <a:buAutoNum type="arabicPeriod"/>
-            </a:pPr>
-            <a:r>
-              <a:rPr lang="en-US" dirty="0"/>
-              <a:t>Working with branches and the </a:t>
-            </a:r>
-            <a:r>
-              <a:rPr lang="en-US" dirty="0" err="1"/>
-              <a:t>review.learn.Microsoft.com</a:t>
-            </a:r>
-            <a:endParaRPr lang="en-US" dirty="0"/>
-          </a:p>
-          <a:p>
-            <a:pPr marL="228600" indent="-228600">
-              <a:buAutoNum type="arabicPeriod"/>
-            </a:pPr>
-            <a:r>
-              <a:rPr lang="en-US" dirty="0"/>
-              <a:t>Working with internal and external repos</a:t>
+              <a:rPr lang="en-US" sz="1200" dirty="0">
+                <a:latin typeface="Calibri"/>
+                <a:cs typeface="Calibri"/>
+              </a:rPr>
+              <a:t>When authoring markdown content, most content developers in our org use Visual Studio Code and the Learn Authoring Pack plugin bundle.</a:t>
+            </a:r>
+          </a:p>
+          <a:p>
+            <a:endParaRPr lang="en-US" sz="1200" dirty="0">
+              <a:latin typeface="Calibri"/>
+              <a:cs typeface="Calibri"/>
+            </a:endParaRPr>
+          </a:p>
+          <a:p>
+            <a:r>
+              <a:rPr lang="en-US" sz="1200" dirty="0">
+                <a:latin typeface="Calibri"/>
+                <a:cs typeface="Calibri"/>
+              </a:rPr>
+              <a:t>The Learn Authoring Pack includes several plugins to streamline writing markdown for Learn. You can see a few examples here.</a:t>
+            </a:r>
+          </a:p>
+          <a:p>
+            <a:endParaRPr lang="en-US" sz="1200" dirty="0">
+              <a:latin typeface="Calibri"/>
+              <a:cs typeface="Calibri"/>
+            </a:endParaRPr>
+          </a:p>
+          <a:p>
+            <a:r>
+              <a:rPr lang="en-US" sz="1200" dirty="0">
+                <a:latin typeface="Calibri"/>
+                <a:cs typeface="Calibri"/>
+              </a:rPr>
+              <a:t>There are some other Git and GitHub productivity plugins available for VS Code, like </a:t>
+            </a:r>
+            <a:r>
+              <a:rPr lang="en-US" sz="1200" dirty="0" err="1">
+                <a:latin typeface="Calibri"/>
+                <a:cs typeface="Calibri"/>
+              </a:rPr>
+              <a:t>GitLens</a:t>
+            </a:r>
+            <a:r>
+              <a:rPr lang="en-US" sz="1200" dirty="0">
+                <a:latin typeface="Calibri"/>
+                <a:cs typeface="Calibri"/>
+              </a:rPr>
+              <a:t> and the GitHub plugin for PRs and Issues. When it comes to VS Code plugins, you should use what your comfortable with.</a:t>
             </a:r>
           </a:p>
         </p:txBody>
@@ -3406,7 +3571,7 @@
     </p:spTree>
     <p:extLst>
       <p:ext uri="{BB962C8B-B14F-4D97-AF65-F5344CB8AC3E}">
-        <p14:creationId xmlns:p14="http://schemas.microsoft.com/office/powerpoint/2010/main" val="3280538479"/>
+        <p14:creationId xmlns:p14="http://schemas.microsoft.com/office/powerpoint/2010/main" val="3646653737"/>
       </p:ext>
     </p:extLst>
   </p:cSld>
@@ -3461,6 +3626,141 @@
           <a:lstStyle/>
           <a:p>
             <a:r>
+              <a:rPr lang="en-US" dirty="0"/>
+              <a:t>Demo stuff to cover:</a:t>
+            </a:r>
+          </a:p>
+          <a:p>
+            <a:endParaRPr lang="en-US" dirty="0"/>
+          </a:p>
+          <a:p>
+            <a:pPr marL="228600" indent="-228600">
+              <a:buAutoNum type="arabicPeriod"/>
+            </a:pPr>
+            <a:r>
+              <a:rPr lang="en-US" dirty="0"/>
+              <a:t>The Visual Studio Code Learn Authoring Pack</a:t>
+            </a:r>
+          </a:p>
+          <a:p>
+            <a:pPr marL="228600" indent="-228600">
+              <a:buAutoNum type="arabicPeriod"/>
+            </a:pPr>
+            <a:r>
+              <a:rPr lang="en-US" dirty="0"/>
+              <a:t>Markdown basics</a:t>
+            </a:r>
+          </a:p>
+          <a:p>
+            <a:pPr marL="228600" indent="-228600">
+              <a:buAutoNum type="arabicPeriod"/>
+            </a:pPr>
+            <a:r>
+              <a:rPr lang="en-US" dirty="0"/>
+              <a:t>Docs markdown pages – metadata header and common sections</a:t>
+            </a:r>
+          </a:p>
+          <a:p>
+            <a:pPr marL="228600" indent="-228600">
+              <a:buAutoNum type="arabicPeriod"/>
+            </a:pPr>
+            <a:r>
+              <a:rPr lang="en-US" dirty="0"/>
+              <a:t>API ref content vs “conceptual” content</a:t>
+            </a:r>
+          </a:p>
+          <a:p>
+            <a:pPr marL="228600" indent="-228600">
+              <a:buAutoNum type="arabicPeriod"/>
+            </a:pPr>
+            <a:r>
+              <a:rPr lang="en-US" dirty="0"/>
+              <a:t>Preview pane styled for Learn</a:t>
+            </a:r>
+          </a:p>
+          <a:p>
+            <a:pPr marL="228600" indent="-228600">
+              <a:buAutoNum type="arabicPeriod"/>
+            </a:pPr>
+            <a:r>
+              <a:rPr lang="en-US" dirty="0"/>
+              <a:t>Working with branches and the </a:t>
+            </a:r>
+            <a:r>
+              <a:rPr lang="en-US" dirty="0" err="1"/>
+              <a:t>review.learn.Microsoft.com</a:t>
+            </a:r>
+            <a:endParaRPr lang="en-US" dirty="0"/>
+          </a:p>
+          <a:p>
+            <a:pPr marL="228600" indent="-228600">
+              <a:buAutoNum type="arabicPeriod"/>
+            </a:pPr>
+            <a:r>
+              <a:rPr lang="en-US" dirty="0"/>
+              <a:t>Working with internal and external repos</a:t>
+            </a:r>
+          </a:p>
+        </p:txBody>
+      </p:sp>
+    </p:spTree>
+    <p:extLst>
+      <p:ext uri="{BB962C8B-B14F-4D97-AF65-F5344CB8AC3E}">
+        <p14:creationId xmlns:p14="http://schemas.microsoft.com/office/powerpoint/2010/main" val="3280538479"/>
+      </p:ext>
+    </p:extLst>
+  </p:cSld>
+  <p:clrMapOvr>
+    <a:masterClrMapping/>
+  </p:clrMapOvr>
+</p:notes>
+</file>
+
+<file path=ppt/notesSlides/notesSlide23.xml><?xml version="1.0" encoding="utf-8"?>
+<p:notes xmlns:a="http://schemas.openxmlformats.org/drawingml/2006/main" xmlns:r="http://schemas.openxmlformats.org/officeDocument/2006/relationships" xmlns:p="http://schemas.openxmlformats.org/presentationml/2006/main">
+  <p:cSld>
+    <p:spTree>
+      <p:nvGrpSpPr>
+        <p:cNvPr id="1" name=""/>
+        <p:cNvGrpSpPr/>
+        <p:nvPr/>
+      </p:nvGrpSpPr>
+      <p:grpSpPr>
+        <a:xfrm>
+          <a:off x="0" y="0"/>
+          <a:ext cx="0" cy="0"/>
+          <a:chOff x="0" y="0"/>
+          <a:chExt cx="0" cy="0"/>
+        </a:xfrm>
+      </p:grpSpPr>
+      <p:sp>
+        <p:nvSpPr>
+          <p:cNvPr id="2" name="Slide Image Placeholder 1"/>
+          <p:cNvSpPr>
+            <a:spLocks noGrp="1" noRot="1" noChangeAspect="1"/>
+          </p:cNvSpPr>
+          <p:nvPr>
+            <p:ph type="sldImg"/>
+          </p:nvPr>
+        </p:nvSpPr>
+        <p:spPr/>
+      </p:sp>
+      <p:sp>
+        <p:nvSpPr>
+          <p:cNvPr id="3" name="Notes Placeholder 2"/>
+          <p:cNvSpPr>
+            <a:spLocks noGrp="1"/>
+          </p:cNvSpPr>
+          <p:nvPr>
+            <p:ph type="body" idx="1"/>
+          </p:nvPr>
+        </p:nvSpPr>
+        <p:spPr/>
+        <p:txBody>
+          <a:bodyPr/>
+          <a:lstStyle/>
+          <a:p>
+            <a:r>
               <a:rPr lang="en-US" sz="1200" dirty="0">
                 <a:latin typeface="Segoe UI"/>
                 <a:cs typeface="Segoe UI"/>
@@ -3486,7 +3786,7 @@
 </p:notes>
 </file>
 
-<file path=ppt/notesSlides/notesSlide23.xml><?xml version="1.0" encoding="utf-8"?>
+<file path=ppt/notesSlides/notesSlide24.xml><?xml version="1.0" encoding="utf-8"?>
 <p:notes xmlns:a="http://schemas.openxmlformats.org/drawingml/2006/main" xmlns:r="http://schemas.openxmlformats.org/officeDocument/2006/relationships" xmlns:p="http://schemas.openxmlformats.org/presentationml/2006/main">
   <p:cSld>
     <p:spTree>
@@ -3921,7 +4221,7 @@
                 <a:latin typeface="Segoe UI"/>
                 <a:cs typeface="Segoe UI"/>
               </a:rPr>
-              <a:t>As I mentioned, there are many content teams, concentrating on different product areas on Microsoft Learn. We have content teams for all the products that you're familiar with.</a:t>
+              <a:t>As I mentioned, there are many content teams in our org, concentrating on different product areas on Microsoft Learn. We have content teams for all the products that you're familiar with.</a:t>
             </a:r>
             <a:endParaRPr lang="en-US" dirty="0"/>
           </a:p>
@@ -3964,7 +4264,7 @@
                 <a:latin typeface="Segoe UI"/>
                 <a:cs typeface="Segoe UI"/>
               </a:rPr>
-              <a:t>The product teams at Microsoft view Learn as a means of educating users, enhancing product adoption, and as a means of technical marketing.</a:t>
+              <a:t>The product teams at Microsoft view Learn as a means of educating users, enhancing product adoption, and as a means of technical marketing. Although many of them still call it MSDN.</a:t>
             </a:r>
           </a:p>
         </p:txBody>
@@ -4026,589 +4326,9 @@
           <a:bodyPr/>
           <a:lstStyle/>
           <a:p>
-            <a:pPr marL="0" marR="0">
-              <a:lnSpc>
-                <a:spcPct val="107000"/>
-              </a:lnSpc>
-              <a:spcBef>
-                <a:spcPts val="800"/>
-              </a:spcBef>
-              <a:spcAft>
-                <a:spcPts val="400"/>
-              </a:spcAft>
-            </a:pPr>
-            <a:r>
-              <a:rPr lang="en-US" sz="1200" b="1" dirty="0">
-                <a:solidFill>
-                  <a:srgbClr val="0F4761"/>
-                </a:solidFill>
-                <a:effectLst/>
-                <a:latin typeface="Aptos Display" panose="020B0004020202020204" pitchFamily="34" charset="0"/>
-                <a:ea typeface="Times New Roman" panose="02020603050405020304" pitchFamily="18" charset="0"/>
-                <a:cs typeface="Times New Roman" panose="02020603050405020304" pitchFamily="18" charset="0"/>
-              </a:rPr>
-              <a:t>Learn tips &amp; tricks demo.</a:t>
-            </a:r>
-          </a:p>
-          <a:p>
-            <a:pPr marL="0" marR="0">
-              <a:lnSpc>
-                <a:spcPct val="107000"/>
-              </a:lnSpc>
-              <a:spcBef>
-                <a:spcPts val="800"/>
-              </a:spcBef>
-              <a:spcAft>
-                <a:spcPts val="400"/>
-              </a:spcAft>
-            </a:pPr>
-            <a:endParaRPr lang="en-US" sz="1200" b="1" dirty="0">
-              <a:solidFill>
-                <a:srgbClr val="0F4761"/>
-              </a:solidFill>
-              <a:effectLst/>
-              <a:latin typeface="Aptos Display" panose="020B0004020202020204" pitchFamily="34" charset="0"/>
-              <a:ea typeface="Times New Roman" panose="02020603050405020304" pitchFamily="18" charset="0"/>
-              <a:cs typeface="Times New Roman" panose="02020603050405020304" pitchFamily="18" charset="0"/>
-            </a:endParaRPr>
-          </a:p>
-          <a:p>
-            <a:pPr marL="0" marR="0">
-              <a:lnSpc>
-                <a:spcPct val="107000"/>
-              </a:lnSpc>
-              <a:spcBef>
-                <a:spcPts val="0"/>
-              </a:spcBef>
-              <a:spcAft>
-                <a:spcPts val="800"/>
-              </a:spcAft>
-            </a:pPr>
-            <a:r>
-              <a:rPr lang="en-US" sz="1200" dirty="0">
-                <a:effectLst/>
-                <a:latin typeface="Aptos" panose="020B0004020202020204" pitchFamily="34" charset="0"/>
-                <a:ea typeface="Aptos" panose="020B0004020202020204" pitchFamily="34" charset="0"/>
-                <a:cs typeface="Times New Roman" panose="02020603050405020304" pitchFamily="18" charset="0"/>
-              </a:rPr>
-              <a:t>Cluster of buttons at the top of the content:</a:t>
-            </a:r>
-          </a:p>
-          <a:p>
-            <a:pPr marL="342900" marR="0" lvl="0" indent="-342900">
-              <a:lnSpc>
-                <a:spcPct val="107000"/>
-              </a:lnSpc>
-              <a:spcBef>
-                <a:spcPts val="0"/>
-              </a:spcBef>
-              <a:spcAft>
-                <a:spcPts val="0"/>
-              </a:spcAft>
-              <a:buFont typeface="Symbol" panose="05050102010706020507" pitchFamily="18" charset="2"/>
-              <a:buChar char=""/>
-            </a:pPr>
-            <a:r>
-              <a:rPr lang="en-US" sz="1200" dirty="0">
-                <a:effectLst/>
-                <a:latin typeface="Aptos" panose="020B0004020202020204" pitchFamily="34" charset="0"/>
-                <a:ea typeface="Aptos" panose="020B0004020202020204" pitchFamily="34" charset="0"/>
-                <a:cs typeface="Times New Roman" panose="02020603050405020304" pitchFamily="18" charset="0"/>
-              </a:rPr>
-              <a:t>The </a:t>
-            </a:r>
-            <a:r>
-              <a:rPr lang="en-US" sz="1200" b="1" dirty="0">
-                <a:effectLst/>
-                <a:latin typeface="Aptos" panose="020B0004020202020204" pitchFamily="34" charset="0"/>
-                <a:ea typeface="Aptos" panose="020B0004020202020204" pitchFamily="34" charset="0"/>
-                <a:cs typeface="Times New Roman" panose="02020603050405020304" pitchFamily="18" charset="0"/>
-              </a:rPr>
-              <a:t>Plus</a:t>
-            </a:r>
-            <a:r>
-              <a:rPr lang="en-US" sz="1200" dirty="0">
-                <a:effectLst/>
-                <a:latin typeface="Aptos" panose="020B0004020202020204" pitchFamily="34" charset="0"/>
-                <a:ea typeface="Aptos" panose="020B0004020202020204" pitchFamily="34" charset="0"/>
-                <a:cs typeface="Times New Roman" panose="02020603050405020304" pitchFamily="18" charset="0"/>
-              </a:rPr>
-              <a:t> button - Allows you to save links to collections. This can organize docs into groups that you might be using for a specific project or certification exam. You can save docs to a collection alongside training modules and Q&amp;A pages to gather your materials into one place.</a:t>
-            </a:r>
-          </a:p>
-          <a:p>
-            <a:pPr marL="342900" marR="0" lvl="0" indent="-342900">
-              <a:lnSpc>
-                <a:spcPct val="107000"/>
-              </a:lnSpc>
-              <a:spcBef>
-                <a:spcPts val="0"/>
-              </a:spcBef>
-              <a:spcAft>
-                <a:spcPts val="0"/>
-              </a:spcAft>
-              <a:buFont typeface="Symbol" panose="05050102010706020507" pitchFamily="18" charset="2"/>
-              <a:buChar char=""/>
-            </a:pPr>
-            <a:r>
-              <a:rPr lang="en-US" sz="1200" b="1" dirty="0">
-                <a:effectLst/>
-                <a:latin typeface="Aptos" panose="020B0004020202020204" pitchFamily="34" charset="0"/>
-                <a:ea typeface="Aptos" panose="020B0004020202020204" pitchFamily="34" charset="0"/>
-                <a:cs typeface="Times New Roman" panose="02020603050405020304" pitchFamily="18" charset="0"/>
-              </a:rPr>
-              <a:t>Pencil</a:t>
-            </a:r>
-            <a:r>
-              <a:rPr lang="en-US" sz="1200" dirty="0">
-                <a:effectLst/>
-                <a:latin typeface="Aptos" panose="020B0004020202020204" pitchFamily="34" charset="0"/>
-                <a:ea typeface="Aptos" panose="020B0004020202020204" pitchFamily="34" charset="0"/>
-                <a:cs typeface="Times New Roman" panose="02020603050405020304" pitchFamily="18" charset="0"/>
-              </a:rPr>
-              <a:t> button - Ab edit button that helps you start a new PR, and that is something we’ll talk about in detail shortly.</a:t>
-            </a:r>
-          </a:p>
-          <a:p>
-            <a:pPr marL="342900" marR="0" lvl="0" indent="-342900">
-              <a:lnSpc>
-                <a:spcPct val="107000"/>
-              </a:lnSpc>
-              <a:spcBef>
-                <a:spcPts val="0"/>
-              </a:spcBef>
-              <a:spcAft>
-                <a:spcPts val="0"/>
-              </a:spcAft>
-              <a:buFont typeface="Symbol" panose="05050102010706020507" pitchFamily="18" charset="2"/>
-              <a:buChar char=""/>
-            </a:pPr>
-            <a:r>
-              <a:rPr lang="en-US" sz="1200" dirty="0">
-                <a:effectLst/>
-                <a:latin typeface="Aptos" panose="020B0004020202020204" pitchFamily="34" charset="0"/>
-                <a:ea typeface="Aptos" panose="020B0004020202020204" pitchFamily="34" charset="0"/>
-                <a:cs typeface="Times New Roman" panose="02020603050405020304" pitchFamily="18" charset="0"/>
-              </a:rPr>
-              <a:t>The dropdown button with three dots provides sharing options.</a:t>
-            </a:r>
-          </a:p>
-          <a:p>
-            <a:pPr marL="342900" marR="0" lvl="0" indent="-342900">
-              <a:lnSpc>
-                <a:spcPct val="107000"/>
-              </a:lnSpc>
-              <a:spcBef>
-                <a:spcPts val="0"/>
-              </a:spcBef>
-              <a:spcAft>
-                <a:spcPts val="800"/>
-              </a:spcAft>
-              <a:buFont typeface="Symbol" panose="05050102010706020507" pitchFamily="18" charset="2"/>
-              <a:buChar char=""/>
-            </a:pPr>
-            <a:r>
-              <a:rPr lang="en-US" sz="1200" dirty="0">
-                <a:effectLst/>
-                <a:latin typeface="Aptos" panose="020B0004020202020204" pitchFamily="34" charset="0"/>
-                <a:ea typeface="Aptos" panose="020B0004020202020204" pitchFamily="34" charset="0"/>
-                <a:cs typeface="Times New Roman" panose="02020603050405020304" pitchFamily="18" charset="0"/>
-              </a:rPr>
-              <a:t>The feedback button pops open a feedback entry dialog. You can also scroll down to Submit feedback options at bottom of the page.</a:t>
-            </a:r>
-          </a:p>
-          <a:p>
-            <a:pPr marL="0" marR="0">
-              <a:lnSpc>
-                <a:spcPct val="107000"/>
-              </a:lnSpc>
-              <a:spcBef>
-                <a:spcPts val="0"/>
-              </a:spcBef>
-              <a:spcAft>
-                <a:spcPts val="800"/>
-              </a:spcAft>
-            </a:pPr>
-            <a:endParaRPr lang="en-US" sz="1200" dirty="0">
-              <a:effectLst/>
-              <a:latin typeface="Aptos" panose="020B0004020202020204" pitchFamily="34" charset="0"/>
-              <a:ea typeface="Aptos" panose="020B0004020202020204" pitchFamily="34" charset="0"/>
-              <a:cs typeface="Times New Roman" panose="02020603050405020304" pitchFamily="18" charset="0"/>
-            </a:endParaRPr>
-          </a:p>
-          <a:p>
-            <a:pPr marL="0" marR="0">
-              <a:lnSpc>
-                <a:spcPct val="107000"/>
-              </a:lnSpc>
-              <a:spcBef>
-                <a:spcPts val="0"/>
-              </a:spcBef>
-              <a:spcAft>
-                <a:spcPts val="800"/>
-              </a:spcAft>
-            </a:pPr>
-            <a:r>
-              <a:rPr lang="en-US" sz="1200" dirty="0">
-                <a:effectLst/>
-                <a:latin typeface="Aptos" panose="020B0004020202020204" pitchFamily="34" charset="0"/>
-                <a:ea typeface="Aptos" panose="020B0004020202020204" pitchFamily="34" charset="0"/>
-                <a:cs typeface="Times New Roman" panose="02020603050405020304" pitchFamily="18" charset="0"/>
-              </a:rPr>
-              <a:t>Two search boxes on the page:</a:t>
-            </a:r>
-          </a:p>
-          <a:p>
-            <a:pPr marL="342900" marR="0" lvl="0" indent="-342900">
-              <a:lnSpc>
-                <a:spcPct val="107000"/>
-              </a:lnSpc>
-              <a:spcBef>
-                <a:spcPts val="0"/>
-              </a:spcBef>
-              <a:spcAft>
-                <a:spcPts val="0"/>
-              </a:spcAft>
-              <a:buFont typeface="Symbol" panose="05050102010706020507" pitchFamily="18" charset="2"/>
-              <a:buChar char=""/>
-            </a:pPr>
-            <a:r>
-              <a:rPr lang="en-US" sz="1200" dirty="0">
-                <a:effectLst/>
-                <a:latin typeface="Aptos" panose="020B0004020202020204" pitchFamily="34" charset="0"/>
-                <a:ea typeface="Aptos" panose="020B0004020202020204" pitchFamily="34" charset="0"/>
-                <a:cs typeface="Times New Roman" panose="02020603050405020304" pitchFamily="18" charset="0"/>
-              </a:rPr>
-              <a:t>First, at the top-right, you can search the entire Learn site. From that results page, you can filter your search based on technology, content type, etc.</a:t>
-            </a:r>
-          </a:p>
-          <a:p>
-            <a:pPr marL="342900" marR="0" lvl="0" indent="-342900">
-              <a:lnSpc>
-                <a:spcPct val="107000"/>
-              </a:lnSpc>
-              <a:spcBef>
-                <a:spcPts val="0"/>
-              </a:spcBef>
-              <a:spcAft>
-                <a:spcPts val="800"/>
-              </a:spcAft>
-              <a:buFont typeface="Symbol" panose="05050102010706020507" pitchFamily="18" charset="2"/>
-              <a:buChar char=""/>
-            </a:pPr>
-            <a:r>
-              <a:rPr lang="en-US" sz="1200" dirty="0">
-                <a:effectLst/>
-                <a:latin typeface="Aptos" panose="020B0004020202020204" pitchFamily="34" charset="0"/>
-                <a:ea typeface="Aptos" panose="020B0004020202020204" pitchFamily="34" charset="0"/>
-                <a:cs typeface="Times New Roman" panose="02020603050405020304" pitchFamily="18" charset="0"/>
-              </a:rPr>
-              <a:t>The other search box is on top of the table of contents on the left. The TOC includes many different articles for the product, and it’s here you can search titles inside a given Table of Contents. You might find that more convenient than a wider scoped search.</a:t>
-            </a:r>
-          </a:p>
-          <a:p>
-            <a:pPr marL="0" marR="0">
-              <a:lnSpc>
-                <a:spcPct val="107000"/>
-              </a:lnSpc>
-              <a:spcBef>
-                <a:spcPts val="0"/>
-              </a:spcBef>
-              <a:spcAft>
-                <a:spcPts val="800"/>
-              </a:spcAft>
-            </a:pPr>
-            <a:endParaRPr lang="en-US" sz="1200" dirty="0">
-              <a:effectLst/>
-              <a:latin typeface="Aptos" panose="020B0004020202020204" pitchFamily="34" charset="0"/>
-              <a:ea typeface="Aptos" panose="020B0004020202020204" pitchFamily="34" charset="0"/>
-              <a:cs typeface="Times New Roman" panose="02020603050405020304" pitchFamily="18" charset="0"/>
-            </a:endParaRPr>
-          </a:p>
-          <a:p>
-            <a:pPr marL="0" marR="0">
-              <a:lnSpc>
-                <a:spcPct val="107000"/>
-              </a:lnSpc>
-              <a:spcBef>
-                <a:spcPts val="0"/>
-              </a:spcBef>
-              <a:spcAft>
-                <a:spcPts val="800"/>
-              </a:spcAft>
-            </a:pPr>
-            <a:r>
-              <a:rPr lang="en-US" sz="1200" dirty="0">
-                <a:effectLst/>
-                <a:latin typeface="Aptos" panose="020B0004020202020204" pitchFamily="34" charset="0"/>
-                <a:ea typeface="Aptos" panose="020B0004020202020204" pitchFamily="34" charset="0"/>
-                <a:cs typeface="Times New Roman" panose="02020603050405020304" pitchFamily="18" charset="0"/>
-              </a:rPr>
-              <a:t>At the top of each article, you’ll see a navigation for the article’s major headings. (</a:t>
-            </a:r>
-            <a:r>
-              <a:rPr lang="en-US" sz="1200" b="1" dirty="0">
-                <a:effectLst/>
-                <a:latin typeface="Aptos" panose="020B0004020202020204" pitchFamily="34" charset="0"/>
-                <a:ea typeface="Aptos" panose="020B0004020202020204" pitchFamily="34" charset="0"/>
-                <a:cs typeface="Times New Roman" panose="02020603050405020304" pitchFamily="18" charset="0"/>
-              </a:rPr>
-              <a:t>In this article</a:t>
-            </a:r>
-            <a:r>
-              <a:rPr lang="en-US" sz="1200" dirty="0">
-                <a:effectLst/>
-                <a:latin typeface="Aptos" panose="020B0004020202020204" pitchFamily="34" charset="0"/>
-                <a:ea typeface="Aptos" panose="020B0004020202020204" pitchFamily="34" charset="0"/>
-                <a:cs typeface="Times New Roman" panose="02020603050405020304" pitchFamily="18" charset="0"/>
-              </a:rPr>
-              <a:t>) </a:t>
-            </a:r>
-          </a:p>
-          <a:p>
-            <a:pPr marL="0" marR="0">
-              <a:lnSpc>
-                <a:spcPct val="107000"/>
-              </a:lnSpc>
-              <a:spcBef>
-                <a:spcPts val="0"/>
-              </a:spcBef>
-              <a:spcAft>
-                <a:spcPts val="800"/>
-              </a:spcAft>
-            </a:pPr>
-            <a:endParaRPr lang="en-US" sz="1200" dirty="0">
-              <a:effectLst/>
-              <a:latin typeface="Aptos" panose="020B0004020202020204" pitchFamily="34" charset="0"/>
-              <a:ea typeface="Aptos" panose="020B0004020202020204" pitchFamily="34" charset="0"/>
-              <a:cs typeface="Times New Roman" panose="02020603050405020304" pitchFamily="18" charset="0"/>
-            </a:endParaRPr>
-          </a:p>
-          <a:p>
-            <a:pPr marL="0" marR="0">
-              <a:lnSpc>
-                <a:spcPct val="107000"/>
-              </a:lnSpc>
-              <a:spcBef>
-                <a:spcPts val="0"/>
-              </a:spcBef>
-              <a:spcAft>
-                <a:spcPts val="800"/>
-              </a:spcAft>
-            </a:pPr>
-            <a:r>
-              <a:rPr lang="en-US" sz="1200" dirty="0">
-                <a:effectLst/>
-                <a:latin typeface="Aptos" panose="020B0004020202020204" pitchFamily="34" charset="0"/>
-                <a:ea typeface="Aptos" panose="020B0004020202020204" pitchFamily="34" charset="0"/>
-                <a:cs typeface="Times New Roman" panose="02020603050405020304" pitchFamily="18" charset="0"/>
-              </a:rPr>
-              <a:t>All article header links are reflected in the URL when clicked. It’s handy you want to send a colleague a link to a specific heading/section. You can also hover on a heading, see the link graphic appear, and copy the URL with the page anchor appended.</a:t>
-            </a:r>
-          </a:p>
-          <a:p>
-            <a:pPr marL="0" marR="0">
-              <a:lnSpc>
-                <a:spcPct val="107000"/>
-              </a:lnSpc>
-              <a:spcBef>
-                <a:spcPts val="0"/>
-              </a:spcBef>
-              <a:spcAft>
-                <a:spcPts val="800"/>
-              </a:spcAft>
-            </a:pPr>
-            <a:endParaRPr lang="en-US" sz="1200" dirty="0">
-              <a:effectLst/>
-              <a:latin typeface="Aptos" panose="020B0004020202020204" pitchFamily="34" charset="0"/>
-              <a:ea typeface="Aptos" panose="020B0004020202020204" pitchFamily="34" charset="0"/>
-              <a:cs typeface="Times New Roman" panose="02020603050405020304" pitchFamily="18" charset="0"/>
-            </a:endParaRPr>
-          </a:p>
-          <a:p>
-            <a:pPr marL="0" marR="0">
-              <a:lnSpc>
-                <a:spcPct val="107000"/>
-              </a:lnSpc>
-              <a:spcBef>
-                <a:spcPts val="0"/>
-              </a:spcBef>
-              <a:spcAft>
-                <a:spcPts val="800"/>
-              </a:spcAft>
-            </a:pPr>
-            <a:r>
-              <a:rPr lang="en-US" sz="1200" dirty="0">
-                <a:effectLst/>
-                <a:latin typeface="Aptos" panose="020B0004020202020204" pitchFamily="34" charset="0"/>
-                <a:ea typeface="Aptos" panose="020B0004020202020204" pitchFamily="34" charset="0"/>
-                <a:cs typeface="Times New Roman" panose="02020603050405020304" pitchFamily="18" charset="0"/>
-              </a:rPr>
-              <a:t>Bottom left-hand corner of the page (below the TOC - the </a:t>
-            </a:r>
-            <a:r>
-              <a:rPr lang="en-US" sz="1200" b="1" dirty="0">
-                <a:effectLst/>
-                <a:latin typeface="Aptos" panose="020B0004020202020204" pitchFamily="34" charset="0"/>
-                <a:ea typeface="Aptos" panose="020B0004020202020204" pitchFamily="34" charset="0"/>
-                <a:cs typeface="Times New Roman" panose="02020603050405020304" pitchFamily="18" charset="0"/>
-              </a:rPr>
-              <a:t>Download PDF</a:t>
-            </a:r>
-            <a:r>
-              <a:rPr lang="en-US" sz="1200" dirty="0">
-                <a:effectLst/>
-                <a:latin typeface="Aptos" panose="020B0004020202020204" pitchFamily="34" charset="0"/>
-                <a:ea typeface="Aptos" panose="020B0004020202020204" pitchFamily="34" charset="0"/>
-                <a:cs typeface="Times New Roman" panose="02020603050405020304" pitchFamily="18" charset="0"/>
-              </a:rPr>
-              <a:t> option.</a:t>
-            </a:r>
-          </a:p>
-          <a:p>
-            <a:pPr marL="0" marR="0">
-              <a:lnSpc>
-                <a:spcPct val="107000"/>
-              </a:lnSpc>
-              <a:spcBef>
-                <a:spcPts val="0"/>
-              </a:spcBef>
-              <a:spcAft>
-                <a:spcPts val="800"/>
-              </a:spcAft>
-            </a:pPr>
-            <a:endParaRPr lang="en-US" sz="1200" b="1" dirty="0">
-              <a:effectLst/>
-              <a:latin typeface="Aptos" panose="020B0004020202020204" pitchFamily="34" charset="0"/>
-              <a:ea typeface="Aptos" panose="020B0004020202020204" pitchFamily="34" charset="0"/>
-              <a:cs typeface="Times New Roman" panose="02020603050405020304" pitchFamily="18" charset="0"/>
-            </a:endParaRPr>
-          </a:p>
-          <a:p>
-            <a:pPr marL="0" marR="0">
-              <a:lnSpc>
-                <a:spcPct val="107000"/>
-              </a:lnSpc>
-              <a:spcBef>
-                <a:spcPts val="0"/>
-              </a:spcBef>
-              <a:spcAft>
-                <a:spcPts val="800"/>
-              </a:spcAft>
-            </a:pPr>
-            <a:r>
-              <a:rPr lang="en-US" sz="1200" b="1" dirty="0">
-                <a:effectLst/>
-                <a:latin typeface="Aptos" panose="020B0004020202020204" pitchFamily="34" charset="0"/>
-                <a:ea typeface="Aptos" panose="020B0004020202020204" pitchFamily="34" charset="0"/>
-                <a:cs typeface="Times New Roman" panose="02020603050405020304" pitchFamily="18" charset="0"/>
-              </a:rPr>
-              <a:t>Monikers</a:t>
-            </a:r>
-            <a:r>
-              <a:rPr lang="en-US" sz="1200" dirty="0">
-                <a:effectLst/>
-                <a:latin typeface="Aptos" panose="020B0004020202020204" pitchFamily="34" charset="0"/>
-                <a:ea typeface="Aptos" panose="020B0004020202020204" pitchFamily="34" charset="0"/>
-                <a:cs typeface="Times New Roman" panose="02020603050405020304" pitchFamily="18" charset="0"/>
-              </a:rPr>
-              <a:t> - Where it makes sense, the same doc might include different information for different versions of the product mentioned:</a:t>
-            </a:r>
-          </a:p>
-          <a:p>
-            <a:pPr marL="342900" marR="0" lvl="0" indent="-342900">
-              <a:lnSpc>
-                <a:spcPct val="107000"/>
-              </a:lnSpc>
-              <a:spcBef>
-                <a:spcPts val="0"/>
-              </a:spcBef>
-              <a:spcAft>
-                <a:spcPts val="0"/>
-              </a:spcAft>
-              <a:buFont typeface="Symbol" panose="05050102010706020507" pitchFamily="18" charset="2"/>
-              <a:buChar char=""/>
-            </a:pPr>
-            <a:r>
-              <a:rPr lang="en-US" sz="1200" dirty="0">
-                <a:effectLst/>
-                <a:latin typeface="Aptos" panose="020B0004020202020204" pitchFamily="34" charset="0"/>
-                <a:ea typeface="Aptos" panose="020B0004020202020204" pitchFamily="34" charset="0"/>
-                <a:cs typeface="Times New Roman" panose="02020603050405020304" pitchFamily="18" charset="0"/>
-              </a:rPr>
-              <a:t>We may use the same article with various versions of content for different versions of a product (Windows SDK versions, .NET versions, SQL Server versions, etc.)</a:t>
-            </a:r>
-          </a:p>
-          <a:p>
-            <a:pPr marL="342900" marR="0" lvl="0" indent="-342900">
-              <a:lnSpc>
-                <a:spcPct val="107000"/>
-              </a:lnSpc>
-              <a:spcBef>
-                <a:spcPts val="0"/>
-              </a:spcBef>
-              <a:spcAft>
-                <a:spcPts val="0"/>
-              </a:spcAft>
-              <a:buFont typeface="Symbol" panose="05050102010706020507" pitchFamily="18" charset="2"/>
-              <a:buChar char=""/>
-            </a:pPr>
-            <a:r>
-              <a:rPr lang="en-US" sz="1200" dirty="0">
-                <a:effectLst/>
-                <a:latin typeface="Aptos" panose="020B0004020202020204" pitchFamily="34" charset="0"/>
-                <a:ea typeface="Aptos" panose="020B0004020202020204" pitchFamily="34" charset="0"/>
-                <a:cs typeface="Times New Roman" panose="02020603050405020304" pitchFamily="18" charset="0"/>
-              </a:rPr>
-              <a:t>We can enclose markdown within "moniker" blocks to show different content for different versions, depending on what is passed in the URL query string parameters. If something doesn’t look right on a page, look at the selected version.</a:t>
-            </a:r>
-          </a:p>
-          <a:p>
-            <a:pPr marL="342900" marR="0" lvl="0" indent="-342900">
-              <a:lnSpc>
-                <a:spcPct val="107000"/>
-              </a:lnSpc>
-              <a:spcBef>
-                <a:spcPts val="0"/>
-              </a:spcBef>
-              <a:spcAft>
-                <a:spcPts val="0"/>
-              </a:spcAft>
-              <a:buFont typeface="Symbol" panose="05050102010706020507" pitchFamily="18" charset="2"/>
-              <a:buChar char=""/>
-            </a:pPr>
-            <a:r>
-              <a:rPr lang="en-US" sz="1200" dirty="0">
-                <a:effectLst/>
-                <a:latin typeface="Aptos" panose="020B0004020202020204" pitchFamily="34" charset="0"/>
-                <a:ea typeface="Aptos" panose="020B0004020202020204" pitchFamily="34" charset="0"/>
-                <a:cs typeface="Times New Roman" panose="02020603050405020304" pitchFamily="18" charset="0"/>
-              </a:rPr>
-              <a:t>Can affect the Table of Contents by including or excluding certain articles.</a:t>
-            </a:r>
-          </a:p>
-          <a:p>
-            <a:pPr marL="342900" marR="0" lvl="0" indent="-342900">
-              <a:lnSpc>
-                <a:spcPct val="107000"/>
-              </a:lnSpc>
-              <a:spcBef>
-                <a:spcPts val="0"/>
-              </a:spcBef>
-              <a:spcAft>
-                <a:spcPts val="800"/>
-              </a:spcAft>
-              <a:buFont typeface="Symbol" panose="05050102010706020507" pitchFamily="18" charset="2"/>
-              <a:buChar char=""/>
-            </a:pPr>
-            <a:r>
-              <a:rPr lang="en-US" sz="1200" dirty="0">
-                <a:effectLst/>
-                <a:latin typeface="Aptos" panose="020B0004020202020204" pitchFamily="34" charset="0"/>
-                <a:ea typeface="Aptos" panose="020B0004020202020204" pitchFamily="34" charset="0"/>
-                <a:cs typeface="Times New Roman" panose="02020603050405020304" pitchFamily="18" charset="0"/>
-              </a:rPr>
-              <a:t>Handle versioning via tabs inside the document, or clearly state the versions in the Applies To row at the top of the article or use colorful Note boxes throughout to make sure you know what version of Windows or .NET the content covers.</a:t>
+            <a:r>
+              <a:rPr lang="en-US" dirty="0"/>
+              <a:t>Let’s get familiar with the Learn site with a few essential tips and tricks.</a:t>
             </a:r>
           </a:p>
         </p:txBody>
@@ -4616,7 +4336,7 @@
     </p:spTree>
     <p:extLst>
       <p:ext uri="{BB962C8B-B14F-4D97-AF65-F5344CB8AC3E}">
-        <p14:creationId xmlns:p14="http://schemas.microsoft.com/office/powerpoint/2010/main" val="408422057"/>
+        <p14:creationId xmlns:p14="http://schemas.microsoft.com/office/powerpoint/2010/main" val="4203186198"/>
       </p:ext>
     </p:extLst>
   </p:cSld>
@@ -4670,92 +4390,597 @@
           <a:bodyPr/>
           <a:lstStyle/>
           <a:p>
+            <a:pPr marL="0" marR="0">
+              <a:lnSpc>
+                <a:spcPct val="107000"/>
+              </a:lnSpc>
+              <a:spcBef>
+                <a:spcPts val="800"/>
+              </a:spcBef>
+              <a:spcAft>
+                <a:spcPts val="400"/>
+              </a:spcAft>
+            </a:pPr>
+            <a:r>
+              <a:rPr lang="en-US" sz="1200" b="1" dirty="0">
+                <a:solidFill>
+                  <a:srgbClr val="0F4761"/>
+                </a:solidFill>
+                <a:effectLst/>
+                <a:latin typeface="Aptos Display" panose="020B0004020202020204" pitchFamily="34" charset="0"/>
+                <a:ea typeface="Times New Roman" panose="02020603050405020304" pitchFamily="18" charset="0"/>
+                <a:cs typeface="Times New Roman" panose="02020603050405020304" pitchFamily="18" charset="0"/>
+              </a:rPr>
+              <a:t>Learn tips &amp; tricks demo.</a:t>
+            </a:r>
+          </a:p>
+          <a:p>
+            <a:pPr marL="0" marR="0">
+              <a:lnSpc>
+                <a:spcPct val="107000"/>
+              </a:lnSpc>
+              <a:spcBef>
+                <a:spcPts val="800"/>
+              </a:spcBef>
+              <a:spcAft>
+                <a:spcPts val="400"/>
+              </a:spcAft>
+            </a:pPr>
+            <a:endParaRPr lang="en-US" sz="1200" b="1" dirty="0">
+              <a:solidFill>
+                <a:srgbClr val="0F4761"/>
+              </a:solidFill>
+              <a:effectLst/>
+              <a:latin typeface="Aptos Display" panose="020B0004020202020204" pitchFamily="34" charset="0"/>
+              <a:ea typeface="Times New Roman" panose="02020603050405020304" pitchFamily="18" charset="0"/>
+              <a:cs typeface="Times New Roman" panose="02020603050405020304" pitchFamily="18" charset="0"/>
+            </a:endParaRPr>
+          </a:p>
+          <a:p>
+            <a:pPr marL="0" marR="0">
+              <a:lnSpc>
+                <a:spcPct val="107000"/>
+              </a:lnSpc>
+              <a:spcBef>
+                <a:spcPts val="0"/>
+              </a:spcBef>
+              <a:spcAft>
+                <a:spcPts val="800"/>
+              </a:spcAft>
+            </a:pPr>
             <a:r>
               <a:rPr lang="en-US" sz="1200" dirty="0">
-                <a:latin typeface="Segoe UI"/>
-                <a:cs typeface="Segoe UI"/>
-              </a:rPr>
-              <a:t>So, how can you contribute to Microsoft Docs? For documentation issues, use either:</a:t>
-            </a:r>
-          </a:p>
-          <a:p>
-            <a:r>
-              <a:rPr lang="en-US" sz="1200" dirty="0">
-                <a:latin typeface="Segoe UI"/>
-                <a:cs typeface="Segoe UI"/>
-              </a:rPr>
-              <a:t>1. GitHub Issues </a:t>
-            </a:r>
-            <a:endParaRPr lang="en-US" sz="1200" dirty="0">
-              <a:cs typeface="Segoe UI"/>
-            </a:endParaRPr>
-          </a:p>
-          <a:p>
-            <a:r>
-              <a:rPr lang="en-US" sz="1200" dirty="0">
-                <a:latin typeface="Segoe UI"/>
-                <a:cs typeface="Segoe UI"/>
-              </a:rPr>
-              <a:t>2. Git Pull Requests, just as if you were contributing to any other open-source project.</a:t>
-            </a:r>
-          </a:p>
-          <a:p>
-            <a:endParaRPr lang="en-US" dirty="0"/>
-          </a:p>
-          <a:p>
-            <a:r>
-              <a:rPr lang="en-US" sz="1200" dirty="0">
-                <a:latin typeface="Segoe UI"/>
-                <a:cs typeface="Segoe UI"/>
-              </a:rPr>
-              <a:t>Contributing can be done easily through the browser. You don't have to learn git bash or other tooling. You don't need to install anything. The browser workflow allows you to contribute without having to know what a fork, clone, push, or pull is. We’ll demo that process later if you’re unfamiliar.</a:t>
-            </a:r>
-          </a:p>
-          <a:p>
-            <a:endParaRPr lang="en-US" sz="1200" dirty="0">
-              <a:latin typeface="Segoe UI"/>
-              <a:cs typeface="Segoe UI"/>
-            </a:endParaRPr>
-          </a:p>
-          <a:p>
-            <a:r>
-              <a:rPr lang="en-US" sz="1200" dirty="0">
-                <a:latin typeface="Segoe UI"/>
-                <a:cs typeface="Segoe UI"/>
-              </a:rPr>
-              <a:t>If you already work with Git or GitHub and are familiar with pull requests and remote repositories, you can do that, and later we’ll also talk about how this process works behind the scenes.</a:t>
-            </a:r>
-          </a:p>
-          <a:p>
-            <a:endParaRPr lang="en-US" dirty="0"/>
-          </a:p>
-          <a:p>
-            <a:pPr defTabSz="914400">
+                <a:effectLst/>
+                <a:latin typeface="Aptos" panose="020B0004020202020204" pitchFamily="34" charset="0"/>
+                <a:ea typeface="Aptos" panose="020B0004020202020204" pitchFamily="34" charset="0"/>
+                <a:cs typeface="Times New Roman" panose="02020603050405020304" pitchFamily="18" charset="0"/>
+              </a:rPr>
+              <a:t>Cluster of buttons at the top of the content:</a:t>
+            </a:r>
+          </a:p>
+          <a:p>
+            <a:pPr marL="342900" marR="0" lvl="0" indent="-342900">
               <a:lnSpc>
-                <a:spcPct val="100000"/>
+                <a:spcPct val="107000"/>
               </a:lnSpc>
+              <a:spcBef>
+                <a:spcPts val="0"/>
+              </a:spcBef>
               <a:spcAft>
                 <a:spcPts val="0"/>
               </a:spcAft>
-              <a:defRPr/>
+              <a:buFont typeface="Symbol" panose="05050102010706020507" pitchFamily="18" charset="2"/>
+              <a:buChar char=""/>
             </a:pPr>
             <a:r>
               <a:rPr lang="en-US" sz="1200" dirty="0">
-                <a:latin typeface="Segoe UI"/>
-                <a:cs typeface="Segoe UI"/>
-              </a:rPr>
-              <a:t>We know that a lot of folks in many of our product areas aren’t familiar with Git, and that’s not a problem! Anyone can help, easily, using only your browser. </a:t>
-            </a:r>
+                <a:effectLst/>
+                <a:latin typeface="Aptos" panose="020B0004020202020204" pitchFamily="34" charset="0"/>
+                <a:ea typeface="Aptos" panose="020B0004020202020204" pitchFamily="34" charset="0"/>
+                <a:cs typeface="Times New Roman" panose="02020603050405020304" pitchFamily="18" charset="0"/>
+              </a:rPr>
+              <a:t>The </a:t>
+            </a:r>
+            <a:r>
+              <a:rPr lang="en-US" sz="1200" b="1" dirty="0">
+                <a:effectLst/>
+                <a:latin typeface="Aptos" panose="020B0004020202020204" pitchFamily="34" charset="0"/>
+                <a:ea typeface="Aptos" panose="020B0004020202020204" pitchFamily="34" charset="0"/>
+                <a:cs typeface="Times New Roman" panose="02020603050405020304" pitchFamily="18" charset="0"/>
+              </a:rPr>
+              <a:t>Plus</a:t>
+            </a:r>
+            <a:r>
+              <a:rPr lang="en-US" sz="1200" dirty="0">
+                <a:effectLst/>
+                <a:latin typeface="Aptos" panose="020B0004020202020204" pitchFamily="34" charset="0"/>
+                <a:ea typeface="Aptos" panose="020B0004020202020204" pitchFamily="34" charset="0"/>
+                <a:cs typeface="Times New Roman" panose="02020603050405020304" pitchFamily="18" charset="0"/>
+              </a:rPr>
+              <a:t> button - Allows you to save links to collections. This can organize docs into groups that you might be using for a specific project or certification exam. You can save docs to a collection alongside training modules and Q&amp;A pages to gather your materials into one place.</a:t>
+            </a:r>
+          </a:p>
+          <a:p>
+            <a:pPr marL="342900" marR="0" lvl="0" indent="-342900">
+              <a:lnSpc>
+                <a:spcPct val="107000"/>
+              </a:lnSpc>
+              <a:spcBef>
+                <a:spcPts val="0"/>
+              </a:spcBef>
+              <a:spcAft>
+                <a:spcPts val="0"/>
+              </a:spcAft>
+              <a:buFont typeface="Symbol" panose="05050102010706020507" pitchFamily="18" charset="2"/>
+              <a:buChar char=""/>
+            </a:pPr>
+            <a:r>
+              <a:rPr lang="en-US" sz="1200" b="1" dirty="0">
+                <a:effectLst/>
+                <a:latin typeface="Aptos" panose="020B0004020202020204" pitchFamily="34" charset="0"/>
+                <a:ea typeface="Aptos" panose="020B0004020202020204" pitchFamily="34" charset="0"/>
+                <a:cs typeface="Times New Roman" panose="02020603050405020304" pitchFamily="18" charset="0"/>
+              </a:rPr>
+              <a:t>Pencil</a:t>
+            </a:r>
+            <a:r>
+              <a:rPr lang="en-US" sz="1200" dirty="0">
+                <a:effectLst/>
+                <a:latin typeface="Aptos" panose="020B0004020202020204" pitchFamily="34" charset="0"/>
+                <a:ea typeface="Aptos" panose="020B0004020202020204" pitchFamily="34" charset="0"/>
+                <a:cs typeface="Times New Roman" panose="02020603050405020304" pitchFamily="18" charset="0"/>
+              </a:rPr>
+              <a:t> button - Ab edit button that helps you start a new PR, and that is something we’ll talk about in detail shortly.</a:t>
+            </a:r>
+          </a:p>
+          <a:p>
+            <a:pPr marL="342900" marR="0" lvl="0" indent="-342900">
+              <a:lnSpc>
+                <a:spcPct val="107000"/>
+              </a:lnSpc>
+              <a:spcBef>
+                <a:spcPts val="0"/>
+              </a:spcBef>
+              <a:spcAft>
+                <a:spcPts val="0"/>
+              </a:spcAft>
+              <a:buFont typeface="Symbol" panose="05050102010706020507" pitchFamily="18" charset="2"/>
+              <a:buChar char=""/>
+            </a:pPr>
+            <a:r>
+              <a:rPr lang="en-US" sz="1200" dirty="0">
+                <a:effectLst/>
+                <a:latin typeface="Aptos" panose="020B0004020202020204" pitchFamily="34" charset="0"/>
+                <a:ea typeface="Aptos" panose="020B0004020202020204" pitchFamily="34" charset="0"/>
+                <a:cs typeface="Times New Roman" panose="02020603050405020304" pitchFamily="18" charset="0"/>
+              </a:rPr>
+              <a:t>The dropdown button with three dots provides sharing options.</a:t>
+            </a:r>
+          </a:p>
+          <a:p>
+            <a:pPr marL="342900" marR="0" lvl="0" indent="-342900">
+              <a:lnSpc>
+                <a:spcPct val="107000"/>
+              </a:lnSpc>
+              <a:spcBef>
+                <a:spcPts val="0"/>
+              </a:spcBef>
+              <a:spcAft>
+                <a:spcPts val="800"/>
+              </a:spcAft>
+              <a:buFont typeface="Symbol" panose="05050102010706020507" pitchFamily="18" charset="2"/>
+              <a:buChar char=""/>
+            </a:pPr>
+            <a:r>
+              <a:rPr lang="en-US" sz="1200" dirty="0">
+                <a:effectLst/>
+                <a:latin typeface="Aptos" panose="020B0004020202020204" pitchFamily="34" charset="0"/>
+                <a:ea typeface="Aptos" panose="020B0004020202020204" pitchFamily="34" charset="0"/>
+                <a:cs typeface="Times New Roman" panose="02020603050405020304" pitchFamily="18" charset="0"/>
+              </a:rPr>
+              <a:t>The feedback button pops open a feedback entry dialog. You can also scroll down to Submit feedback options at bottom of the page.</a:t>
+            </a:r>
+          </a:p>
+          <a:p>
+            <a:pPr marL="0" marR="0">
+              <a:lnSpc>
+                <a:spcPct val="107000"/>
+              </a:lnSpc>
+              <a:spcBef>
+                <a:spcPts val="0"/>
+              </a:spcBef>
+              <a:spcAft>
+                <a:spcPts val="800"/>
+              </a:spcAft>
+            </a:pPr>
             <a:endParaRPr lang="en-US" sz="1200" dirty="0">
-              <a:cs typeface="Segoe UI"/>
+              <a:effectLst/>
+              <a:latin typeface="Aptos" panose="020B0004020202020204" pitchFamily="34" charset="0"/>
+              <a:ea typeface="Aptos" panose="020B0004020202020204" pitchFamily="34" charset="0"/>
+              <a:cs typeface="Times New Roman" panose="02020603050405020304" pitchFamily="18" charset="0"/>
             </a:endParaRPr>
+          </a:p>
+          <a:p>
+            <a:pPr marL="0" marR="0">
+              <a:lnSpc>
+                <a:spcPct val="107000"/>
+              </a:lnSpc>
+              <a:spcBef>
+                <a:spcPts val="0"/>
+              </a:spcBef>
+              <a:spcAft>
+                <a:spcPts val="800"/>
+              </a:spcAft>
+            </a:pPr>
+            <a:r>
+              <a:rPr lang="en-US" sz="1200" dirty="0">
+                <a:effectLst/>
+                <a:latin typeface="Aptos" panose="020B0004020202020204" pitchFamily="34" charset="0"/>
+                <a:ea typeface="Aptos" panose="020B0004020202020204" pitchFamily="34" charset="0"/>
+                <a:cs typeface="Times New Roman" panose="02020603050405020304" pitchFamily="18" charset="0"/>
+              </a:rPr>
+              <a:t>Two search boxes on the page:</a:t>
+            </a:r>
+          </a:p>
+          <a:p>
+            <a:pPr marL="342900" marR="0" lvl="0" indent="-342900">
+              <a:lnSpc>
+                <a:spcPct val="107000"/>
+              </a:lnSpc>
+              <a:spcBef>
+                <a:spcPts val="0"/>
+              </a:spcBef>
+              <a:spcAft>
+                <a:spcPts val="0"/>
+              </a:spcAft>
+              <a:buFont typeface="Symbol" panose="05050102010706020507" pitchFamily="18" charset="2"/>
+              <a:buChar char=""/>
+            </a:pPr>
+            <a:r>
+              <a:rPr lang="en-US" sz="1200" dirty="0">
+                <a:effectLst/>
+                <a:latin typeface="Aptos" panose="020B0004020202020204" pitchFamily="34" charset="0"/>
+                <a:ea typeface="Aptos" panose="020B0004020202020204" pitchFamily="34" charset="0"/>
+                <a:cs typeface="Times New Roman" panose="02020603050405020304" pitchFamily="18" charset="0"/>
+              </a:rPr>
+              <a:t>First, at the top-right, you can search the entire Learn site. From that results page, you can filter your search based on technology, content type, etc.</a:t>
+            </a:r>
+          </a:p>
+          <a:p>
+            <a:pPr marL="342900" marR="0" lvl="0" indent="-342900">
+              <a:lnSpc>
+                <a:spcPct val="107000"/>
+              </a:lnSpc>
+              <a:spcBef>
+                <a:spcPts val="0"/>
+              </a:spcBef>
+              <a:spcAft>
+                <a:spcPts val="800"/>
+              </a:spcAft>
+              <a:buFont typeface="Symbol" panose="05050102010706020507" pitchFamily="18" charset="2"/>
+              <a:buChar char=""/>
+            </a:pPr>
+            <a:r>
+              <a:rPr lang="en-US" sz="1200" dirty="0">
+                <a:effectLst/>
+                <a:latin typeface="Aptos" panose="020B0004020202020204" pitchFamily="34" charset="0"/>
+                <a:ea typeface="Aptos" panose="020B0004020202020204" pitchFamily="34" charset="0"/>
+                <a:cs typeface="Times New Roman" panose="02020603050405020304" pitchFamily="18" charset="0"/>
+              </a:rPr>
+              <a:t>The other search box is on top of the table of contents on the left. The TOC includes many different articles for the product, and it’s here you can search titles inside a given Table of Contents. You might find that more convenient than a wider scoped search.</a:t>
+            </a:r>
+          </a:p>
+          <a:p>
+            <a:pPr marL="0" marR="0">
+              <a:lnSpc>
+                <a:spcPct val="107000"/>
+              </a:lnSpc>
+              <a:spcBef>
+                <a:spcPts val="0"/>
+              </a:spcBef>
+              <a:spcAft>
+                <a:spcPts val="800"/>
+              </a:spcAft>
+            </a:pPr>
+            <a:endParaRPr lang="en-US" sz="1200" dirty="0">
+              <a:effectLst/>
+              <a:latin typeface="Aptos" panose="020B0004020202020204" pitchFamily="34" charset="0"/>
+              <a:ea typeface="Aptos" panose="020B0004020202020204" pitchFamily="34" charset="0"/>
+              <a:cs typeface="Times New Roman" panose="02020603050405020304" pitchFamily="18" charset="0"/>
+            </a:endParaRPr>
+          </a:p>
+          <a:p>
+            <a:pPr marL="0" marR="0">
+              <a:lnSpc>
+                <a:spcPct val="107000"/>
+              </a:lnSpc>
+              <a:spcBef>
+                <a:spcPts val="0"/>
+              </a:spcBef>
+              <a:spcAft>
+                <a:spcPts val="800"/>
+              </a:spcAft>
+            </a:pPr>
+            <a:r>
+              <a:rPr lang="en-US" sz="1200" dirty="0">
+                <a:effectLst/>
+                <a:latin typeface="Aptos" panose="020B0004020202020204" pitchFamily="34" charset="0"/>
+                <a:ea typeface="Aptos" panose="020B0004020202020204" pitchFamily="34" charset="0"/>
+                <a:cs typeface="Times New Roman" panose="02020603050405020304" pitchFamily="18" charset="0"/>
+              </a:rPr>
+              <a:t>At the top of each article, you’ll see a navigation for the article’s major headings. (</a:t>
+            </a:r>
+            <a:r>
+              <a:rPr lang="en-US" sz="1200" b="1" dirty="0">
+                <a:effectLst/>
+                <a:latin typeface="Aptos" panose="020B0004020202020204" pitchFamily="34" charset="0"/>
+                <a:ea typeface="Aptos" panose="020B0004020202020204" pitchFamily="34" charset="0"/>
+                <a:cs typeface="Times New Roman" panose="02020603050405020304" pitchFamily="18" charset="0"/>
+              </a:rPr>
+              <a:t>In this article</a:t>
+            </a:r>
+            <a:r>
+              <a:rPr lang="en-US" sz="1200" dirty="0">
+                <a:effectLst/>
+                <a:latin typeface="Aptos" panose="020B0004020202020204" pitchFamily="34" charset="0"/>
+                <a:ea typeface="Aptos" panose="020B0004020202020204" pitchFamily="34" charset="0"/>
+                <a:cs typeface="Times New Roman" panose="02020603050405020304" pitchFamily="18" charset="0"/>
+              </a:rPr>
+              <a:t>) </a:t>
+            </a:r>
+          </a:p>
+          <a:p>
+            <a:pPr marL="0" marR="0">
+              <a:lnSpc>
+                <a:spcPct val="107000"/>
+              </a:lnSpc>
+              <a:spcBef>
+                <a:spcPts val="0"/>
+              </a:spcBef>
+              <a:spcAft>
+                <a:spcPts val="800"/>
+              </a:spcAft>
+            </a:pPr>
+            <a:endParaRPr lang="en-US" sz="1200" dirty="0">
+              <a:effectLst/>
+              <a:latin typeface="Aptos" panose="020B0004020202020204" pitchFamily="34" charset="0"/>
+              <a:ea typeface="Aptos" panose="020B0004020202020204" pitchFamily="34" charset="0"/>
+              <a:cs typeface="Times New Roman" panose="02020603050405020304" pitchFamily="18" charset="0"/>
+            </a:endParaRPr>
+          </a:p>
+          <a:p>
+            <a:pPr marL="0" marR="0">
+              <a:lnSpc>
+                <a:spcPct val="107000"/>
+              </a:lnSpc>
+              <a:spcBef>
+                <a:spcPts val="0"/>
+              </a:spcBef>
+              <a:spcAft>
+                <a:spcPts val="800"/>
+              </a:spcAft>
+            </a:pPr>
+            <a:r>
+              <a:rPr lang="en-US" sz="1200" dirty="0">
+                <a:effectLst/>
+                <a:latin typeface="Aptos" panose="020B0004020202020204" pitchFamily="34" charset="0"/>
+                <a:ea typeface="Aptos" panose="020B0004020202020204" pitchFamily="34" charset="0"/>
+                <a:cs typeface="Times New Roman" panose="02020603050405020304" pitchFamily="18" charset="0"/>
+              </a:rPr>
+              <a:t>All article header links are reflected in the URL when clicked. It’s handy you want to send a colleague a link to a specific heading/section. You can also hover on a heading, see the link graphic appear, and copy the URL with the page anchor appended.</a:t>
+            </a:r>
+          </a:p>
+          <a:p>
+            <a:pPr marL="0" marR="0">
+              <a:lnSpc>
+                <a:spcPct val="107000"/>
+              </a:lnSpc>
+              <a:spcBef>
+                <a:spcPts val="0"/>
+              </a:spcBef>
+              <a:spcAft>
+                <a:spcPts val="800"/>
+              </a:spcAft>
+            </a:pPr>
+            <a:endParaRPr lang="en-US" sz="1200" dirty="0">
+              <a:effectLst/>
+              <a:latin typeface="Aptos" panose="020B0004020202020204" pitchFamily="34" charset="0"/>
+              <a:ea typeface="Aptos" panose="020B0004020202020204" pitchFamily="34" charset="0"/>
+              <a:cs typeface="Times New Roman" panose="02020603050405020304" pitchFamily="18" charset="0"/>
+            </a:endParaRPr>
+          </a:p>
+          <a:p>
+            <a:pPr marL="0" marR="0">
+              <a:lnSpc>
+                <a:spcPct val="107000"/>
+              </a:lnSpc>
+              <a:spcBef>
+                <a:spcPts val="0"/>
+              </a:spcBef>
+              <a:spcAft>
+                <a:spcPts val="800"/>
+              </a:spcAft>
+            </a:pPr>
+            <a:r>
+              <a:rPr lang="en-US" sz="1200" dirty="0">
+                <a:effectLst/>
+                <a:latin typeface="Aptos" panose="020B0004020202020204" pitchFamily="34" charset="0"/>
+                <a:ea typeface="Aptos" panose="020B0004020202020204" pitchFamily="34" charset="0"/>
+                <a:cs typeface="Times New Roman" panose="02020603050405020304" pitchFamily="18" charset="0"/>
+              </a:rPr>
+              <a:t>Bottom left-hand corner of the page (below the TOC - the </a:t>
+            </a:r>
+            <a:r>
+              <a:rPr lang="en-US" sz="1200" b="1" dirty="0">
+                <a:effectLst/>
+                <a:latin typeface="Aptos" panose="020B0004020202020204" pitchFamily="34" charset="0"/>
+                <a:ea typeface="Aptos" panose="020B0004020202020204" pitchFamily="34" charset="0"/>
+                <a:cs typeface="Times New Roman" panose="02020603050405020304" pitchFamily="18" charset="0"/>
+              </a:rPr>
+              <a:t>Download PDF</a:t>
+            </a:r>
+            <a:r>
+              <a:rPr lang="en-US" sz="1200" dirty="0">
+                <a:effectLst/>
+                <a:latin typeface="Aptos" panose="020B0004020202020204" pitchFamily="34" charset="0"/>
+                <a:ea typeface="Aptos" panose="020B0004020202020204" pitchFamily="34" charset="0"/>
+                <a:cs typeface="Times New Roman" panose="02020603050405020304" pitchFamily="18" charset="0"/>
+              </a:rPr>
+              <a:t> option.</a:t>
+            </a:r>
+          </a:p>
+          <a:p>
+            <a:pPr marL="0" marR="0">
+              <a:lnSpc>
+                <a:spcPct val="107000"/>
+              </a:lnSpc>
+              <a:spcBef>
+                <a:spcPts val="0"/>
+              </a:spcBef>
+              <a:spcAft>
+                <a:spcPts val="800"/>
+              </a:spcAft>
+            </a:pPr>
+            <a:endParaRPr lang="en-US" sz="1200" b="1" dirty="0">
+              <a:effectLst/>
+              <a:latin typeface="Aptos" panose="020B0004020202020204" pitchFamily="34" charset="0"/>
+              <a:ea typeface="Aptos" panose="020B0004020202020204" pitchFamily="34" charset="0"/>
+              <a:cs typeface="Times New Roman" panose="02020603050405020304" pitchFamily="18" charset="0"/>
+            </a:endParaRPr>
+          </a:p>
+          <a:p>
+            <a:pPr marL="0" marR="0">
+              <a:lnSpc>
+                <a:spcPct val="107000"/>
+              </a:lnSpc>
+              <a:spcBef>
+                <a:spcPts val="0"/>
+              </a:spcBef>
+              <a:spcAft>
+                <a:spcPts val="800"/>
+              </a:spcAft>
+            </a:pPr>
+            <a:r>
+              <a:rPr lang="en-US" sz="1200" b="1" dirty="0">
+                <a:effectLst/>
+                <a:latin typeface="Aptos" panose="020B0004020202020204" pitchFamily="34" charset="0"/>
+                <a:ea typeface="Aptos" panose="020B0004020202020204" pitchFamily="34" charset="0"/>
+                <a:cs typeface="Times New Roman" panose="02020603050405020304" pitchFamily="18" charset="0"/>
+              </a:rPr>
+              <a:t>Monikers</a:t>
+            </a:r>
+            <a:r>
+              <a:rPr lang="en-US" sz="1200" dirty="0">
+                <a:effectLst/>
+                <a:latin typeface="Aptos" panose="020B0004020202020204" pitchFamily="34" charset="0"/>
+                <a:ea typeface="Aptos" panose="020B0004020202020204" pitchFamily="34" charset="0"/>
+                <a:cs typeface="Times New Roman" panose="02020603050405020304" pitchFamily="18" charset="0"/>
+              </a:rPr>
+              <a:t> - Where it makes sense, the same doc might include different information for different versions of the product mentioned:</a:t>
+            </a:r>
+          </a:p>
+          <a:p>
+            <a:pPr marL="342900" marR="0" lvl="0" indent="-342900">
+              <a:lnSpc>
+                <a:spcPct val="107000"/>
+              </a:lnSpc>
+              <a:spcBef>
+                <a:spcPts val="0"/>
+              </a:spcBef>
+              <a:spcAft>
+                <a:spcPts val="0"/>
+              </a:spcAft>
+              <a:buFont typeface="Symbol" panose="05050102010706020507" pitchFamily="18" charset="2"/>
+              <a:buChar char=""/>
+            </a:pPr>
+            <a:r>
+              <a:rPr lang="en-US" sz="1200" dirty="0">
+                <a:effectLst/>
+                <a:latin typeface="Aptos" panose="020B0004020202020204" pitchFamily="34" charset="0"/>
+                <a:ea typeface="Aptos" panose="020B0004020202020204" pitchFamily="34" charset="0"/>
+                <a:cs typeface="Times New Roman" panose="02020603050405020304" pitchFamily="18" charset="0"/>
+              </a:rPr>
+              <a:t>We may use the same article with various versions of content for different versions of a product (Windows SDK versions, .NET versions, SQL Server versions, etc.)</a:t>
+            </a:r>
+          </a:p>
+          <a:p>
+            <a:pPr marL="342900" marR="0" lvl="0" indent="-342900">
+              <a:lnSpc>
+                <a:spcPct val="107000"/>
+              </a:lnSpc>
+              <a:spcBef>
+                <a:spcPts val="0"/>
+              </a:spcBef>
+              <a:spcAft>
+                <a:spcPts val="0"/>
+              </a:spcAft>
+              <a:buFont typeface="Symbol" panose="05050102010706020507" pitchFamily="18" charset="2"/>
+              <a:buChar char=""/>
+            </a:pPr>
+            <a:r>
+              <a:rPr lang="en-US" sz="1200" dirty="0">
+                <a:effectLst/>
+                <a:latin typeface="Aptos" panose="020B0004020202020204" pitchFamily="34" charset="0"/>
+                <a:ea typeface="Aptos" panose="020B0004020202020204" pitchFamily="34" charset="0"/>
+                <a:cs typeface="Times New Roman" panose="02020603050405020304" pitchFamily="18" charset="0"/>
+              </a:rPr>
+              <a:t>We can enclose markdown within "moniker" blocks to show different content for different versions, depending on what is passed in the URL query string parameters. If something doesn’t look right on a page, look at the selected version.</a:t>
+            </a:r>
+          </a:p>
+          <a:p>
+            <a:pPr marL="342900" marR="0" lvl="0" indent="-342900">
+              <a:lnSpc>
+                <a:spcPct val="107000"/>
+              </a:lnSpc>
+              <a:spcBef>
+                <a:spcPts val="0"/>
+              </a:spcBef>
+              <a:spcAft>
+                <a:spcPts val="0"/>
+              </a:spcAft>
+              <a:buFont typeface="Symbol" panose="05050102010706020507" pitchFamily="18" charset="2"/>
+              <a:buChar char=""/>
+            </a:pPr>
+            <a:r>
+              <a:rPr lang="en-US" sz="1200" dirty="0">
+                <a:effectLst/>
+                <a:latin typeface="Aptos" panose="020B0004020202020204" pitchFamily="34" charset="0"/>
+                <a:ea typeface="Aptos" panose="020B0004020202020204" pitchFamily="34" charset="0"/>
+                <a:cs typeface="Times New Roman" panose="02020603050405020304" pitchFamily="18" charset="0"/>
+              </a:rPr>
+              <a:t>Can affect the Table of Contents by including or excluding certain articles.</a:t>
+            </a:r>
+          </a:p>
+          <a:p>
+            <a:pPr marL="342900" marR="0" lvl="0" indent="-342900">
+              <a:lnSpc>
+                <a:spcPct val="107000"/>
+              </a:lnSpc>
+              <a:spcBef>
+                <a:spcPts val="0"/>
+              </a:spcBef>
+              <a:spcAft>
+                <a:spcPts val="800"/>
+              </a:spcAft>
+              <a:buFont typeface="Symbol" panose="05050102010706020507" pitchFamily="18" charset="2"/>
+              <a:buChar char=""/>
+            </a:pPr>
+            <a:r>
+              <a:rPr lang="en-US" sz="1200" dirty="0">
+                <a:effectLst/>
+                <a:latin typeface="Aptos" panose="020B0004020202020204" pitchFamily="34" charset="0"/>
+                <a:ea typeface="Aptos" panose="020B0004020202020204" pitchFamily="34" charset="0"/>
+                <a:cs typeface="Times New Roman" panose="02020603050405020304" pitchFamily="18" charset="0"/>
+              </a:rPr>
+              <a:t>Handle versioning via tabs inside the document, or clearly state the versions in the Applies To row at the top of the article or use colorful Note boxes throughout to make sure you know what version of Windows or .NET the content covers.</a:t>
+            </a:r>
           </a:p>
         </p:txBody>
       </p:sp>
     </p:spTree>
     <p:extLst>
       <p:ext uri="{BB962C8B-B14F-4D97-AF65-F5344CB8AC3E}">
-        <p14:creationId xmlns:p14="http://schemas.microsoft.com/office/powerpoint/2010/main" val="2789083857"/>
+        <p14:creationId xmlns:p14="http://schemas.microsoft.com/office/powerpoint/2010/main" val="408422057"/>
       </p:ext>
     </p:extLst>
   </p:cSld>
@@ -4814,82 +5039,87 @@
                 <a:latin typeface="Segoe UI"/>
                 <a:cs typeface="Segoe UI"/>
               </a:rPr>
-              <a:t>If you're new to contributing to Learn, we have a step-by-step tutorial in our Contributor's Guide at this URL here to guide you through the process of creating a PR.</a:t>
-            </a:r>
-          </a:p>
-          <a:p>
-            <a:endParaRPr lang="en-US" dirty="0">
-              <a:cs typeface="Segoe UI" panose="020B0502040204020203" pitchFamily="34" charset="0"/>
-            </a:endParaRPr>
-          </a:p>
-          <a:p>
-            <a:r>
-              <a:rPr lang="en-US" sz="1200" dirty="0">
-                <a:latin typeface="+mn-lt"/>
-              </a:rPr>
-              <a:t>By contributing to Microsoft Learn, you can be a part of the community and help edit docs that everyone uses.</a:t>
-            </a:r>
-            <a:endParaRPr lang="en-US" sz="1200" dirty="0">
-              <a:latin typeface="+mn-lt"/>
-              <a:cs typeface="Calibri"/>
-            </a:endParaRPr>
-          </a:p>
-          <a:p>
-            <a:pPr lvl="0" rtl="0"/>
-            <a:endParaRPr lang="en-US" sz="1200" dirty="0">
-              <a:latin typeface="+mn-lt"/>
-            </a:endParaRPr>
-          </a:p>
-          <a:p>
-            <a:r>
-              <a:rPr lang="en-US" sz="1200" dirty="0">
-                <a:latin typeface="+mn-lt"/>
-              </a:rPr>
-              <a:t>We’ll talk about the contributor designation displayed on the top of every article. We have a significant number of pageview across the Learn site.</a:t>
-            </a:r>
-          </a:p>
-          <a:p>
-            <a:endParaRPr lang="en-US" sz="1200" dirty="0">
-              <a:latin typeface="+mn-lt"/>
-            </a:endParaRPr>
-          </a:p>
-          <a:p>
-            <a:r>
-              <a:rPr lang="en-US" sz="1200" dirty="0">
-                <a:latin typeface="+mn-lt"/>
-              </a:rPr>
-              <a:t>You can do this entirely in the browser if you want, with nothing to install.</a:t>
-            </a:r>
-            <a:endParaRPr lang="en-US" sz="1200" dirty="0">
-              <a:latin typeface="+mn-lt"/>
-              <a:cs typeface="Calibri"/>
-            </a:endParaRPr>
-          </a:p>
-          <a:p>
-            <a:pPr lvl="0" rtl="0"/>
-            <a:endParaRPr lang="en-US" sz="1200" dirty="0">
-              <a:latin typeface="+mn-lt"/>
-            </a:endParaRPr>
-          </a:p>
-          <a:p>
-            <a:pPr fontAlgn="base"/>
+              <a:t>So, how can you contribute to Microsoft Docs? For documentation issues, use either:</a:t>
+            </a:r>
+          </a:p>
+          <a:p>
             <a:r>
               <a:rPr lang="en-US" sz="1200" dirty="0">
                 <a:latin typeface="Segoe UI"/>
                 <a:cs typeface="Segoe UI"/>
               </a:rPr>
-              <a:t>You’re about to get an inside peek at the process behind Microsoft’s Documentation as Code approach.</a:t>
+              <a:t>1. GitHub Issues </a:t>
             </a:r>
             <a:endParaRPr lang="en-US" sz="1200" dirty="0">
               <a:cs typeface="Segoe UI"/>
             </a:endParaRPr>
           </a:p>
+          <a:p>
+            <a:r>
+              <a:rPr lang="en-US" sz="1200" dirty="0">
+                <a:latin typeface="Segoe UI"/>
+                <a:cs typeface="Segoe UI"/>
+              </a:rPr>
+              <a:t>2. Git Pull Requests, just as if you were contributing to any other open-source project.</a:t>
+            </a:r>
+          </a:p>
+          <a:p>
+            <a:endParaRPr lang="en-US" dirty="0"/>
+          </a:p>
+          <a:p>
+            <a:r>
+              <a:rPr lang="en-US" sz="1200" dirty="0">
+                <a:latin typeface="Segoe UI"/>
+                <a:cs typeface="Segoe UI"/>
+              </a:rPr>
+              <a:t>Contributing can be done easily through the browser. You don't have to learn git bash or other tooling. You don't need to install anything. The browser workflow allows you to contribute without having to know what a fork, clone, push, or pull is. We’ll demo that process later if you’re unfamiliar.</a:t>
+            </a:r>
+          </a:p>
+          <a:p>
+            <a:endParaRPr lang="en-US" sz="1200" dirty="0">
+              <a:latin typeface="Segoe UI"/>
+              <a:cs typeface="Segoe UI"/>
+            </a:endParaRPr>
+          </a:p>
+          <a:p>
+            <a:r>
+              <a:rPr lang="en-US" sz="1200" dirty="0">
+                <a:latin typeface="Segoe UI"/>
+                <a:cs typeface="Segoe UI"/>
+              </a:rPr>
+              <a:t>If you already work with Git or GitHub and are familiar with pull requests and remote repositories, you can do that, and later we’ll also talk about how this process works behind the scenes.</a:t>
+            </a:r>
+          </a:p>
+          <a:p>
+            <a:endParaRPr lang="en-US" dirty="0"/>
+          </a:p>
+          <a:p>
+            <a:pPr defTabSz="914400">
+              <a:lnSpc>
+                <a:spcPct val="100000"/>
+              </a:lnSpc>
+              <a:spcAft>
+                <a:spcPts val="0"/>
+              </a:spcAft>
+              <a:defRPr/>
+            </a:pPr>
+            <a:r>
+              <a:rPr lang="en-US" sz="1200" dirty="0">
+                <a:latin typeface="Segoe UI"/>
+                <a:cs typeface="Segoe UI"/>
+              </a:rPr>
+              <a:t>We know that a lot of folks in many of our product areas aren’t familiar with Git, and that’s not a problem! Anyone can help, easily, using only your browser. </a:t>
+            </a:r>
+            <a:endParaRPr lang="en-US" sz="1200" dirty="0">
+              <a:cs typeface="Segoe UI"/>
+            </a:endParaRPr>
+          </a:p>
         </p:txBody>
       </p:sp>
     </p:spTree>
     <p:extLst>
       <p:ext uri="{BB962C8B-B14F-4D97-AF65-F5344CB8AC3E}">
-        <p14:creationId xmlns:p14="http://schemas.microsoft.com/office/powerpoint/2010/main" val="1794108518"/>
+        <p14:creationId xmlns:p14="http://schemas.microsoft.com/office/powerpoint/2010/main" val="2789083857"/>
       </p:ext>
     </p:extLst>
   </p:cSld>
@@ -4943,253 +5173,87 @@
           <a:bodyPr/>
           <a:lstStyle/>
           <a:p>
-            <a:pPr defTabSz="914400">
-              <a:lnSpc>
-                <a:spcPct val="100000"/>
-              </a:lnSpc>
-              <a:spcAft>
-                <a:spcPts val="0"/>
-              </a:spcAft>
-              <a:defRPr/>
-            </a:pPr>
             <a:r>
               <a:rPr lang="en-US" sz="1200" dirty="0">
                 <a:latin typeface="Segoe UI"/>
                 <a:cs typeface="Segoe UI"/>
               </a:rPr>
-              <a:t>Let's start by discussing when to create an Issue or PR.</a:t>
-            </a:r>
-          </a:p>
-          <a:p>
-            <a:pPr defTabSz="914400">
-              <a:lnSpc>
-                <a:spcPct val="100000"/>
-              </a:lnSpc>
-              <a:spcAft>
-                <a:spcPts val="0"/>
-              </a:spcAft>
-              <a:defRPr/>
-            </a:pPr>
+              <a:t>If you're new to contributing to Learn, we have a step-by-step tutorial in our Contributor's Guide at this URL here to guide you through the process of creating a PR.</a:t>
+            </a:r>
+          </a:p>
+          <a:p>
+            <a:endParaRPr lang="en-US" dirty="0">
+              <a:cs typeface="Segoe UI" panose="020B0502040204020203" pitchFamily="34" charset="0"/>
+            </a:endParaRPr>
+          </a:p>
+          <a:p>
+            <a:r>
+              <a:rPr lang="en-US" sz="1200" dirty="0">
+                <a:latin typeface="+mn-lt"/>
+              </a:rPr>
+              <a:t>By contributing to Microsoft Learn, you can be a part of the community and help edit docs that everyone uses.</a:t>
+            </a:r>
             <a:endParaRPr lang="en-US" sz="1200" dirty="0">
-              <a:latin typeface="Segoe UI"/>
-              <a:cs typeface="Segoe UI"/>
+              <a:latin typeface="+mn-lt"/>
+              <a:cs typeface="Calibri"/>
             </a:endParaRPr>
           </a:p>
           <a:p>
-            <a:pPr defTabSz="914400">
-              <a:lnSpc>
-                <a:spcPct val="100000"/>
-              </a:lnSpc>
-              <a:spcAft>
-                <a:spcPts val="0"/>
-              </a:spcAft>
-              <a:defRPr/>
-            </a:pPr>
+            <a:pPr lvl="0" rtl="0"/>
+            <a:endParaRPr lang="en-US" sz="1200" dirty="0">
+              <a:latin typeface="+mn-lt"/>
+            </a:endParaRPr>
+          </a:p>
+          <a:p>
+            <a:r>
+              <a:rPr lang="en-US" sz="1200" dirty="0">
+                <a:latin typeface="+mn-lt"/>
+              </a:rPr>
+              <a:t>We’ll talk about the contributor designation displayed on the top of every article. We have a significant number of pageview across the Learn site.</a:t>
+            </a:r>
+          </a:p>
+          <a:p>
+            <a:endParaRPr lang="en-US" sz="1200" dirty="0">
+              <a:latin typeface="+mn-lt"/>
+            </a:endParaRPr>
+          </a:p>
+          <a:p>
+            <a:r>
+              <a:rPr lang="en-US" sz="1200" dirty="0">
+                <a:latin typeface="+mn-lt"/>
+              </a:rPr>
+              <a:t>You can do this entirely in the browser if you want, with nothing to install.</a:t>
+            </a:r>
+            <a:endParaRPr lang="en-US" sz="1200" dirty="0">
+              <a:latin typeface="+mn-lt"/>
+              <a:cs typeface="Calibri"/>
+            </a:endParaRPr>
+          </a:p>
+          <a:p>
+            <a:pPr lvl="0" rtl="0"/>
+            <a:endParaRPr lang="en-US" sz="1200" dirty="0">
+              <a:latin typeface="+mn-lt"/>
+            </a:endParaRPr>
+          </a:p>
+          <a:p>
+            <a:pPr fontAlgn="base"/>
             <a:r>
               <a:rPr lang="en-US" sz="1200" dirty="0">
                 <a:latin typeface="Segoe UI"/>
                 <a:cs typeface="Segoe UI"/>
               </a:rPr>
-              <a:t>To be clear, support issues don’t belong in document feedback. </a:t>
-            </a:r>
-            <a:r>
-              <a:rPr lang="en-US" sz="2000" dirty="0">
-                <a:solidFill>
-                  <a:srgbClr val="000000"/>
-                </a:solidFill>
-                <a:latin typeface="Segoe UI"/>
-                <a:cs typeface="Segoe UI"/>
-              </a:rPr>
-              <a:t>The feedback options we’re about to discuss are not Microsoft Support and has no SLA for response time for most Learn teams (although the .NET docs team is working on providing an SLA for their GitHub items). </a:t>
-            </a:r>
-            <a:r>
-              <a:rPr lang="en-US" sz="1200" dirty="0">
-                <a:latin typeface="Segoe UI"/>
-                <a:cs typeface="Segoe UI"/>
-              </a:rPr>
-              <a:t>If you’re having a problem or unexpected behavior or an outage, contact Microsoft Support or your support partner. We triage incoming issues and PRs from GitHub and if it sounds like a support issue, your issue will likely be closed with a polite message and some links to Microsoft Support or the Q&amp;A forums. </a:t>
+              <a:t>You’re about to get an inside peek at the process behind Microsoft’s Documentation as Code approach.</a:t>
             </a:r>
             <a:endParaRPr lang="en-US" sz="1200" dirty="0">
               <a:cs typeface="Segoe UI"/>
             </a:endParaRPr>
           </a:p>
-          <a:p>
-            <a:pPr defTabSz="914400">
-              <a:lnSpc>
-                <a:spcPct val="100000"/>
-              </a:lnSpc>
-              <a:spcAft>
-                <a:spcPts val="0"/>
-              </a:spcAft>
-              <a:defRPr/>
-            </a:pPr>
-            <a:endParaRPr lang="en-US" sz="1200" dirty="0">
-              <a:latin typeface="Segoe UI"/>
-              <a:cs typeface="Segoe UI"/>
-            </a:endParaRPr>
-          </a:p>
-          <a:p>
-            <a:pPr defTabSz="914400">
-              <a:lnSpc>
-                <a:spcPct val="100000"/>
-              </a:lnSpc>
-              <a:spcAft>
-                <a:spcPts val="0"/>
-              </a:spcAft>
-              <a:defRPr/>
-            </a:pPr>
-            <a:r>
-              <a:rPr lang="en-US" sz="1200" dirty="0">
-                <a:latin typeface="Segoe UI"/>
-                <a:cs typeface="Segoe UI"/>
-              </a:rPr>
-              <a:t>For Product Ideas and product feedback, Azure products have a dedicated site for this. You might remember the Connect items or UserVoice systems of the past, that has been replaced by a new system hosted at </a:t>
-            </a:r>
-            <a:r>
-              <a:rPr lang="en-US" sz="1200" dirty="0" err="1">
-                <a:latin typeface="Segoe UI"/>
-                <a:cs typeface="Segoe UI"/>
-              </a:rPr>
-              <a:t>feedback.azure.com</a:t>
-            </a:r>
-            <a:r>
-              <a:rPr lang="en-US" sz="1200" dirty="0">
-                <a:latin typeface="Segoe UI"/>
-                <a:cs typeface="Segoe UI"/>
-              </a:rPr>
-              <a:t>. </a:t>
-            </a:r>
-            <a:r>
-              <a:rPr lang="en-US" sz="1200" dirty="0" err="1">
-                <a:latin typeface="Segoe UI"/>
-                <a:cs typeface="Segoe UI"/>
-              </a:rPr>
-              <a:t>Feedback.azure.com</a:t>
-            </a:r>
-            <a:r>
-              <a:rPr lang="en-US" sz="1200" dirty="0">
-                <a:latin typeface="Segoe UI"/>
-                <a:cs typeface="Segoe UI"/>
-              </a:rPr>
-              <a:t> hosts product feedback channels for many Microsoft products and technologies, including SQL Server.</a:t>
-            </a:r>
-            <a:endParaRPr lang="en-US" sz="2000" u="sng" dirty="0">
-              <a:latin typeface="Segoe UI"/>
-              <a:cs typeface="Segoe UI"/>
-            </a:endParaRPr>
-          </a:p>
-          <a:p>
-            <a:pPr defTabSz="914400">
-              <a:lnSpc>
-                <a:spcPct val="100000"/>
-              </a:lnSpc>
-              <a:spcAft>
-                <a:spcPts val="0"/>
-              </a:spcAft>
-              <a:defRPr/>
-            </a:pPr>
-            <a:endParaRPr lang="en-US" sz="1200" dirty="0">
-              <a:latin typeface="Segoe UI"/>
-              <a:cs typeface="Segoe UI"/>
-            </a:endParaRPr>
-          </a:p>
-          <a:p>
-            <a:pPr defTabSz="914400">
-              <a:lnSpc>
-                <a:spcPct val="100000"/>
-              </a:lnSpc>
-              <a:spcAft>
-                <a:spcPts val="0"/>
-              </a:spcAft>
-              <a:defRPr/>
-            </a:pPr>
-            <a:r>
-              <a:rPr lang="en-US" sz="1200" dirty="0">
-                <a:latin typeface="Segoe UI"/>
-                <a:cs typeface="Segoe UI"/>
-              </a:rPr>
-              <a:t>Windows collects product feedback through the Feedback app, available in the Microsoft Store, and the .NET team has a dedicated site with support options listed.</a:t>
-            </a:r>
-            <a:endParaRPr lang="en-US" sz="2000" u="sng" dirty="0">
-              <a:latin typeface="Segoe UI"/>
-              <a:cs typeface="Segoe UI"/>
-            </a:endParaRPr>
-          </a:p>
-          <a:p>
-            <a:pPr defTabSz="914400">
-              <a:lnSpc>
-                <a:spcPct val="100000"/>
-              </a:lnSpc>
-              <a:spcAft>
-                <a:spcPts val="0"/>
-              </a:spcAft>
-              <a:defRPr/>
-            </a:pPr>
-            <a:endParaRPr lang="en-US" sz="1200" dirty="0">
-              <a:latin typeface="Segoe UI"/>
-              <a:cs typeface="Segoe UI"/>
-            </a:endParaRPr>
-          </a:p>
-          <a:p>
-            <a:pPr defTabSz="914400">
-              <a:lnSpc>
-                <a:spcPct val="100000"/>
-              </a:lnSpc>
-              <a:spcAft>
-                <a:spcPts val="0"/>
-              </a:spcAft>
-              <a:defRPr/>
-            </a:pPr>
-            <a:r>
-              <a:rPr lang="en-US" sz="1200" dirty="0">
-                <a:latin typeface="Segoe UI"/>
-                <a:cs typeface="Segoe UI"/>
-              </a:rPr>
-              <a:t>The .NET team has their support options listed on a dedicated site at this URL.</a:t>
-            </a:r>
-          </a:p>
-          <a:p>
-            <a:pPr defTabSz="914400">
-              <a:lnSpc>
-                <a:spcPct val="100000"/>
-              </a:lnSpc>
-              <a:spcAft>
-                <a:spcPts val="0"/>
-              </a:spcAft>
-              <a:defRPr/>
-            </a:pPr>
-            <a:endParaRPr lang="en-US" sz="1200" dirty="0">
-              <a:latin typeface="Segoe UI"/>
-              <a:cs typeface="Segoe UI"/>
-            </a:endParaRPr>
-          </a:p>
-          <a:p>
-            <a:pPr defTabSz="914400">
-              <a:lnSpc>
-                <a:spcPct val="100000"/>
-              </a:lnSpc>
-              <a:spcAft>
-                <a:spcPts val="0"/>
-              </a:spcAft>
-              <a:defRPr/>
-            </a:pPr>
-            <a:r>
-              <a:rPr lang="en-US" sz="1200" dirty="0">
-                <a:latin typeface="Segoe UI"/>
-                <a:cs typeface="Segoe UI"/>
-              </a:rPr>
-              <a:t>Most documentation issues that get attention are a request to fix something missing or outdated or wrong, or a request to add something that would have helped prevent some kind of error. </a:t>
-            </a:r>
-            <a:endParaRPr lang="en-US" sz="1200" dirty="0">
-              <a:cs typeface="Segoe UI"/>
-            </a:endParaRPr>
-          </a:p>
         </p:txBody>
       </p:sp>
     </p:spTree>
     <p:extLst>
       <p:ext uri="{BB962C8B-B14F-4D97-AF65-F5344CB8AC3E}">
-        <p14:creationId xmlns:p14="http://schemas.microsoft.com/office/powerpoint/2010/main" val="863654531"/>
+        <p14:creationId xmlns:p14="http://schemas.microsoft.com/office/powerpoint/2010/main" val="1794108518"/>
       </p:ext>
     </p:extLst>
   </p:cSld>
@@ -5378,7 +5442,7 @@
           <a:p>
             <a:fld id="{D088F999-7A4E-6B4F-9FED-EF75B73AD044}" type="datetimeFigureOut">
               <a:rPr lang="en-US" smtClean="0"/>
-              <a:t>4/6/24</a:t>
+              <a:t>4/20/2024</a:t>
             </a:fld>
             <a:endParaRPr lang="en-US"/>
           </a:p>
@@ -5546,7 +5610,7 @@
           <a:p>
             <a:fld id="{D088F999-7A4E-6B4F-9FED-EF75B73AD044}" type="datetimeFigureOut">
               <a:rPr lang="en-US" smtClean="0"/>
-              <a:t>4/6/24</a:t>
+              <a:t>4/20/2024</a:t>
             </a:fld>
             <a:endParaRPr lang="en-US"/>
           </a:p>
@@ -5724,7 +5788,7 @@
           <a:p>
             <a:fld id="{D088F999-7A4E-6B4F-9FED-EF75B73AD044}" type="datetimeFigureOut">
               <a:rPr lang="en-US" smtClean="0"/>
-              <a:t>4/6/24</a:t>
+              <a:t>4/20/2024</a:t>
             </a:fld>
             <a:endParaRPr lang="en-US"/>
           </a:p>
@@ -5893,7 +5957,7 @@
             <a:fld id="{3FE51E94-D08C-431E-88FC-7EB62E529A19}" type="datetimeFigureOut">
               <a:rPr lang="en-US" smtClean="0"/>
               <a:pPr/>
-              <a:t>4/6/24</a:t>
+              <a:t>4/20/2024</a:t>
             </a:fld>
             <a:endParaRPr lang="en-US"/>
           </a:p>
@@ -6062,7 +6126,7 @@
           <a:p>
             <a:fld id="{D088F999-7A4E-6B4F-9FED-EF75B73AD044}" type="datetimeFigureOut">
               <a:rPr lang="en-US" smtClean="0"/>
-              <a:t>4/6/24</a:t>
+              <a:t>4/20/2024</a:t>
             </a:fld>
             <a:endParaRPr lang="en-US"/>
           </a:p>
@@ -6307,7 +6371,7 @@
           <a:p>
             <a:fld id="{D088F999-7A4E-6B4F-9FED-EF75B73AD044}" type="datetimeFigureOut">
               <a:rPr lang="en-US" smtClean="0"/>
-              <a:t>4/6/24</a:t>
+              <a:t>4/20/2024</a:t>
             </a:fld>
             <a:endParaRPr lang="en-US"/>
           </a:p>
@@ -6592,7 +6656,7 @@
           <a:p>
             <a:fld id="{D088F999-7A4E-6B4F-9FED-EF75B73AD044}" type="datetimeFigureOut">
               <a:rPr lang="en-US" smtClean="0"/>
-              <a:t>4/6/24</a:t>
+              <a:t>4/20/2024</a:t>
             </a:fld>
             <a:endParaRPr lang="en-US"/>
           </a:p>
@@ -7011,7 +7075,7 @@
           <a:p>
             <a:fld id="{D088F999-7A4E-6B4F-9FED-EF75B73AD044}" type="datetimeFigureOut">
               <a:rPr lang="en-US" smtClean="0"/>
-              <a:t>4/6/24</a:t>
+              <a:t>4/20/2024</a:t>
             </a:fld>
             <a:endParaRPr lang="en-US"/>
           </a:p>
@@ -7128,7 +7192,7 @@
           <a:p>
             <a:fld id="{D088F999-7A4E-6B4F-9FED-EF75B73AD044}" type="datetimeFigureOut">
               <a:rPr lang="en-US" smtClean="0"/>
-              <a:t>4/6/24</a:t>
+              <a:t>4/20/2024</a:t>
             </a:fld>
             <a:endParaRPr lang="en-US"/>
           </a:p>
@@ -7223,7 +7287,7 @@
           <a:p>
             <a:fld id="{D088F999-7A4E-6B4F-9FED-EF75B73AD044}" type="datetimeFigureOut">
               <a:rPr lang="en-US" smtClean="0"/>
-              <a:t>4/6/24</a:t>
+              <a:t>4/20/2024</a:t>
             </a:fld>
             <a:endParaRPr lang="en-US"/>
           </a:p>
@@ -7498,7 +7562,7 @@
           <a:p>
             <a:fld id="{D088F999-7A4E-6B4F-9FED-EF75B73AD044}" type="datetimeFigureOut">
               <a:rPr lang="en-US" smtClean="0"/>
-              <a:t>4/6/24</a:t>
+              <a:t>4/20/2024</a:t>
             </a:fld>
             <a:endParaRPr lang="en-US"/>
           </a:p>
@@ -7750,7 +7814,7 @@
           <a:p>
             <a:fld id="{D088F999-7A4E-6B4F-9FED-EF75B73AD044}" type="datetimeFigureOut">
               <a:rPr lang="en-US" smtClean="0"/>
-              <a:t>4/6/24</a:t>
+              <a:t>4/20/2024</a:t>
             </a:fld>
             <a:endParaRPr lang="en-US"/>
           </a:p>
@@ -7970,7 +8034,7 @@
           <a:p>
             <a:fld id="{D088F999-7A4E-6B4F-9FED-EF75B73AD044}" type="datetimeFigureOut">
               <a:rPr lang="en-US" smtClean="0"/>
-              <a:t>4/6/24</a:t>
+              <a:t>4/20/2024</a:t>
             </a:fld>
             <a:endParaRPr lang="en-US"/>
           </a:p>
@@ -8487,7 +8551,7 @@
           <a:p>
             <a:fld id="{D088F999-7A4E-6B4F-9FED-EF75B73AD044}" type="datetimeFigureOut">
               <a:rPr lang="en-US" smtClean="0"/>
-              <a:t>4/6/24</a:t>
+              <a:t>4/20/2024</a:t>
             </a:fld>
             <a:endParaRPr lang="en-US"/>
           </a:p>
@@ -15040,4 +15104,10 @@
   <a:objectDefaults/>
   <a:extraClrSchemeLst/>
 </a:theme>
+</file>
+
+<file path=docMetadata/LabelInfo.xml><?xml version="1.0" encoding="utf-8"?>
+<clbl:labelList xmlns:clbl="http://schemas.microsoft.com/office/2020/mipLabelMetadata">
+  <clbl:label id="{f42aa342-8706-4288-bd11-ebb85995028c}" enabled="1" method="Standard" siteId="{72f988bf-86f1-41af-91ab-2d7cd011db47}" contentBits="0" removed="0"/>
+</clbl:labelList>
 </file>
--- a/2024/0430_VSLiveChicago/ContributeToMsLearn/VSLCH24_How to Become a MS Learn Contributor_AlvinAshcraft.pptx
+++ b/2024/0430_VSLiveChicago/ContributeToMsLearn/VSLCH24_How to Become a MS Learn Contributor_AlvinAshcraft.pptx
@@ -182,6 +182,14 @@
 </p:presentation>
 </file>
 
+<file path=ppt/revisionInfo.xml><?xml version="1.0" encoding="utf-8"?>
+<p1510:revInfo xmlns:a="http://schemas.openxmlformats.org/drawingml/2006/main" xmlns:r="http://schemas.openxmlformats.org/officeDocument/2006/relationships" xmlns:p1510="http://schemas.microsoft.com/office/powerpoint/2015/10/main">
+  <p1510:revLst>
+    <p1510:client id="{29144DD2-F748-891C-487B-AA76523A9850}" v="1" dt="2024-04-27T16:42:35.302"/>
+  </p1510:revLst>
+</p1510:revInfo>
+</file>
+
 <file path=ppt/handoutMasters/handoutMaster1.xml><?xml version="1.0" encoding="utf-8"?>
 <p:handoutMaster xmlns:a="http://schemas.openxmlformats.org/drawingml/2006/main" xmlns:r="http://schemas.openxmlformats.org/officeDocument/2006/relationships" xmlns:p="http://schemas.openxmlformats.org/presentationml/2006/main">
   <p:cSld>
@@ -5442,7 +5450,7 @@
           <a:p>
             <a:fld id="{D088F999-7A4E-6B4F-9FED-EF75B73AD044}" type="datetimeFigureOut">
               <a:rPr lang="en-US" smtClean="0"/>
-              <a:t>4/20/2024</a:t>
+              <a:t>4/27/2024</a:t>
             </a:fld>
             <a:endParaRPr lang="en-US"/>
           </a:p>
@@ -5610,7 +5618,7 @@
           <a:p>
             <a:fld id="{D088F999-7A4E-6B4F-9FED-EF75B73AD044}" type="datetimeFigureOut">
               <a:rPr lang="en-US" smtClean="0"/>
-              <a:t>4/20/2024</a:t>
+              <a:t>4/27/2024</a:t>
             </a:fld>
             <a:endParaRPr lang="en-US"/>
           </a:p>
@@ -5788,7 +5796,7 @@
           <a:p>
             <a:fld id="{D088F999-7A4E-6B4F-9FED-EF75B73AD044}" type="datetimeFigureOut">
               <a:rPr lang="en-US" smtClean="0"/>
-              <a:t>4/20/2024</a:t>
+              <a:t>4/27/2024</a:t>
             </a:fld>
             <a:endParaRPr lang="en-US"/>
           </a:p>
@@ -5957,7 +5965,7 @@
             <a:fld id="{3FE51E94-D08C-431E-88FC-7EB62E529A19}" type="datetimeFigureOut">
               <a:rPr lang="en-US" smtClean="0"/>
               <a:pPr/>
-              <a:t>4/20/2024</a:t>
+              <a:t>4/27/2024</a:t>
             </a:fld>
             <a:endParaRPr lang="en-US"/>
           </a:p>
@@ -6126,7 +6134,7 @@
           <a:p>
             <a:fld id="{D088F999-7A4E-6B4F-9FED-EF75B73AD044}" type="datetimeFigureOut">
               <a:rPr lang="en-US" smtClean="0"/>
-              <a:t>4/20/2024</a:t>
+              <a:t>4/27/2024</a:t>
             </a:fld>
             <a:endParaRPr lang="en-US"/>
           </a:p>
@@ -6371,7 +6379,7 @@
           <a:p>
             <a:fld id="{D088F999-7A4E-6B4F-9FED-EF75B73AD044}" type="datetimeFigureOut">
               <a:rPr lang="en-US" smtClean="0"/>
-              <a:t>4/20/2024</a:t>
+              <a:t>4/27/2024</a:t>
             </a:fld>
             <a:endParaRPr lang="en-US"/>
           </a:p>
@@ -6656,7 +6664,7 @@
           <a:p>
             <a:fld id="{D088F999-7A4E-6B4F-9FED-EF75B73AD044}" type="datetimeFigureOut">
               <a:rPr lang="en-US" smtClean="0"/>
-              <a:t>4/20/2024</a:t>
+              <a:t>4/27/2024</a:t>
             </a:fld>
             <a:endParaRPr lang="en-US"/>
           </a:p>
@@ -7075,7 +7083,7 @@
           <a:p>
             <a:fld id="{D088F999-7A4E-6B4F-9FED-EF75B73AD044}" type="datetimeFigureOut">
               <a:rPr lang="en-US" smtClean="0"/>
-              <a:t>4/20/2024</a:t>
+              <a:t>4/27/2024</a:t>
             </a:fld>
             <a:endParaRPr lang="en-US"/>
           </a:p>
@@ -7192,7 +7200,7 @@
           <a:p>
             <a:fld id="{D088F999-7A4E-6B4F-9FED-EF75B73AD044}" type="datetimeFigureOut">
               <a:rPr lang="en-US" smtClean="0"/>
-              <a:t>4/20/2024</a:t>
+              <a:t>4/27/2024</a:t>
             </a:fld>
             <a:endParaRPr lang="en-US"/>
           </a:p>
@@ -7287,7 +7295,7 @@
           <a:p>
             <a:fld id="{D088F999-7A4E-6B4F-9FED-EF75B73AD044}" type="datetimeFigureOut">
               <a:rPr lang="en-US" smtClean="0"/>
-              <a:t>4/20/2024</a:t>
+              <a:t>4/27/2024</a:t>
             </a:fld>
             <a:endParaRPr lang="en-US"/>
           </a:p>
@@ -7562,7 +7570,7 @@
           <a:p>
             <a:fld id="{D088F999-7A4E-6B4F-9FED-EF75B73AD044}" type="datetimeFigureOut">
               <a:rPr lang="en-US" smtClean="0"/>
-              <a:t>4/20/2024</a:t>
+              <a:t>4/27/2024</a:t>
             </a:fld>
             <a:endParaRPr lang="en-US"/>
           </a:p>
@@ -7814,7 +7822,7 @@
           <a:p>
             <a:fld id="{D088F999-7A4E-6B4F-9FED-EF75B73AD044}" type="datetimeFigureOut">
               <a:rPr lang="en-US" smtClean="0"/>
-              <a:t>4/20/2024</a:t>
+              <a:t>4/27/2024</a:t>
             </a:fld>
             <a:endParaRPr lang="en-US"/>
           </a:p>
@@ -8034,7 +8042,7 @@
           <a:p>
             <a:fld id="{D088F999-7A4E-6B4F-9FED-EF75B73AD044}" type="datetimeFigureOut">
               <a:rPr lang="en-US" smtClean="0"/>
-              <a:t>4/20/2024</a:t>
+              <a:t>4/27/2024</a:t>
             </a:fld>
             <a:endParaRPr lang="en-US"/>
           </a:p>
@@ -8551,7 +8559,7 @@
           <a:p>
             <a:fld id="{D088F999-7A4E-6B4F-9FED-EF75B73AD044}" type="datetimeFigureOut">
               <a:rPr lang="en-US" smtClean="0"/>
-              <a:t>4/20/2024</a:t>
+              <a:t>4/27/2024</a:t>
             </a:fld>
             <a:endParaRPr lang="en-US"/>
           </a:p>
@@ -12551,7 +12559,7 @@
 </file>
 
 <file path=ppt/slides/slide4.xml><?xml version="1.0" encoding="utf-8"?>
-<p:sld xmlns:a="http://schemas.openxmlformats.org/drawingml/2006/main" xmlns:r="http://schemas.openxmlformats.org/officeDocument/2006/relationships" xmlns:p="http://schemas.openxmlformats.org/presentationml/2006/main">
+<p:sld xmlns:a="http://schemas.openxmlformats.org/drawingml/2006/main" xmlns:r="http://schemas.openxmlformats.org/officeDocument/2006/relationships" xmlns:p="http://schemas.openxmlformats.org/presentationml/2006/main" show="0">
   <p:cSld>
     <p:spTree>
       <p:nvGrpSpPr>
